--- a/s3_reproduceability/lecture/Reproducibility.pptx
+++ b/s3_reproduceability/lecture/Reproducibility.pptx
@@ -5,10 +5,10 @@
     <p:sldMasterId id="2147483648" r:id="rId1"/>
   </p:sldMasterIdLst>
   <p:notesMasterIdLst>
-    <p:notesMasterId r:id="rId14"/>
+    <p:notesMasterId r:id="rId15"/>
   </p:notesMasterIdLst>
   <p:handoutMasterIdLst>
-    <p:handoutMasterId r:id="rId15"/>
+    <p:handoutMasterId r:id="rId16"/>
   </p:handoutMasterIdLst>
   <p:sldIdLst>
     <p:sldId id="256" r:id="rId2"/>
@@ -19,10 +19,11 @@
     <p:sldId id="264" r:id="rId7"/>
     <p:sldId id="258" r:id="rId8"/>
     <p:sldId id="259" r:id="rId9"/>
-    <p:sldId id="260" r:id="rId10"/>
-    <p:sldId id="261" r:id="rId11"/>
-    <p:sldId id="263" r:id="rId12"/>
-    <p:sldId id="267" r:id="rId13"/>
+    <p:sldId id="268" r:id="rId10"/>
+    <p:sldId id="260" r:id="rId11"/>
+    <p:sldId id="261" r:id="rId12"/>
+    <p:sldId id="263" r:id="rId13"/>
+    <p:sldId id="267" r:id="rId14"/>
   </p:sldIdLst>
   <p:sldSz cx="12192000" cy="6858000"/>
   <p:notesSz cx="6858000" cy="9144000"/>
@@ -5202,7 +5203,7 @@
           <a:p>
             <a:fld id="{D75CAE95-D2DD-4998-876A-092BFD628C65}" type="datetimeFigureOut">
               <a:rPr lang="da-DK" smtClean="0"/>
-              <a:t>21-06-2021</a:t>
+              <a:t>04-01-2022</a:t>
             </a:fld>
             <a:endParaRPr lang="da-DK"/>
           </a:p>
@@ -5380,7 +5381,7 @@
           <a:p>
             <a:fld id="{1DA8E099-58AA-4136-B409-1CAD1943D842}" type="datetimeFigureOut">
               <a:rPr lang="da-DK" smtClean="0"/>
-              <a:t>21-06-2021</a:t>
+              <a:t>04-01-2022</a:t>
             </a:fld>
             <a:endParaRPr lang="da-DK"/>
           </a:p>
@@ -5798,7 +5799,7 @@
           <a:p>
             <a:fld id="{C85334AD-9960-4065-BF34-86ED0345A76D}" type="datetime1">
               <a:rPr lang="en-US" smtClean="0"/>
-              <a:t>6/21/2021</a:t>
+              <a:t>1/4/2022</a:t>
             </a:fld>
             <a:endParaRPr lang="da-DK"/>
           </a:p>
@@ -6037,7 +6038,7 @@
           <a:p>
             <a:fld id="{C5669758-3775-48D7-A841-693E908C3BF4}" type="datetime1">
               <a:rPr lang="en-US" smtClean="0"/>
-              <a:t>6/21/2021</a:t>
+              <a:t>1/4/2022</a:t>
             </a:fld>
             <a:endParaRPr lang="da-DK"/>
           </a:p>
@@ -6250,7 +6251,7 @@
           <a:p>
             <a:fld id="{1E0C3FF1-EDBD-4F2A-8366-34A4E3728310}" type="datetime1">
               <a:rPr lang="en-US" smtClean="0"/>
-              <a:t>6/21/2021</a:t>
+              <a:t>1/4/2022</a:t>
             </a:fld>
             <a:endParaRPr lang="da-DK"/>
           </a:p>
@@ -6471,7 +6472,7 @@
           <a:p>
             <a:fld id="{019E29B9-5584-4737-9C98-1B926378C778}" type="datetime1">
               <a:rPr lang="en-US" smtClean="0"/>
-              <a:t>6/21/2021</a:t>
+              <a:t>1/4/2022</a:t>
             </a:fld>
             <a:endParaRPr lang="da-DK"/>
           </a:p>
@@ -6786,7 +6787,7 @@
           <a:p>
             <a:fld id="{FCE38F03-F67D-4508-A858-99FCD085087C}" type="datetime1">
               <a:rPr lang="en-US" smtClean="0"/>
-              <a:t>6/21/2021</a:t>
+              <a:t>1/4/2022</a:t>
             </a:fld>
             <a:endParaRPr lang="da-DK"/>
           </a:p>
@@ -7057,7 +7058,7 @@
           <a:p>
             <a:fld id="{B43F2930-3FFD-4F93-A4BD-4F0D1A0B4514}" type="datetime1">
               <a:rPr lang="en-US" smtClean="0"/>
-              <a:t>6/21/2021</a:t>
+              <a:t>1/4/2022</a:t>
             </a:fld>
             <a:endParaRPr lang="da-DK"/>
           </a:p>
@@ -7475,7 +7476,7 @@
           <a:p>
             <a:fld id="{8E0F9B9B-30CC-4693-8E0F-1A94A979E2C5}" type="datetime1">
               <a:rPr lang="en-US" smtClean="0"/>
-              <a:t>6/21/2021</a:t>
+              <a:t>1/4/2022</a:t>
             </a:fld>
             <a:endParaRPr lang="da-DK"/>
           </a:p>
@@ -7620,7 +7621,7 @@
           <a:p>
             <a:fld id="{6FE1433B-E6A7-44FF-8B55-539471B4D7C5}" type="datetime1">
               <a:rPr lang="en-US" smtClean="0"/>
-              <a:t>6/21/2021</a:t>
+              <a:t>1/4/2022</a:t>
             </a:fld>
             <a:endParaRPr lang="da-DK"/>
           </a:p>
@@ -7736,7 +7737,7 @@
           <a:p>
             <a:fld id="{624F4001-6A8C-42DA-824F-B5CC1375B861}" type="datetime1">
               <a:rPr lang="en-US" smtClean="0"/>
-              <a:t>6/21/2021</a:t>
+              <a:t>1/4/2022</a:t>
             </a:fld>
             <a:endParaRPr lang="da-DK"/>
           </a:p>
@@ -8052,7 +8053,7 @@
           <a:p>
             <a:fld id="{2D3BE137-2C5E-4078-8BA2-7D42D7E67218}" type="datetime1">
               <a:rPr lang="en-US" smtClean="0"/>
-              <a:t>6/21/2021</a:t>
+              <a:t>1/4/2022</a:t>
             </a:fld>
             <a:endParaRPr lang="da-DK"/>
           </a:p>
@@ -8344,7 +8345,7 @@
           <a:p>
             <a:fld id="{0D1436FF-56D3-4E93-92E8-71121EAB120E}" type="datetime1">
               <a:rPr lang="en-US" smtClean="0"/>
-              <a:t>6/21/2021</a:t>
+              <a:t>1/4/2022</a:t>
             </a:fld>
             <a:endParaRPr lang="da-DK"/>
           </a:p>
@@ -8590,7 +8591,7 @@
           <a:p>
             <a:fld id="{16601EF2-4BCA-4009-ACCF-B97F259DEF6F}" type="datetime1">
               <a:rPr lang="en-US" smtClean="0"/>
-              <a:t>6/21/2021</a:t>
+              <a:t>1/4/2022</a:t>
             </a:fld>
             <a:endParaRPr lang="da-DK"/>
           </a:p>
@@ -9135,10 +9136,38 @@
       </p:grpSpPr>
       <p:sp>
         <p:nvSpPr>
+          <p:cNvPr id="2" name="Title 1">
+            <a:extLst>
+              <a:ext uri="{FF2B5EF4-FFF2-40B4-BE49-F238E27FC236}">
+                <a16:creationId xmlns:a16="http://schemas.microsoft.com/office/drawing/2014/main" id="{6CDB011C-FAF5-495A-AD71-AA7F91A34791}"/>
+              </a:ext>
+            </a:extLst>
+          </p:cNvPr>
+          <p:cNvSpPr>
+            <a:spLocks noGrp="1"/>
+          </p:cNvSpPr>
+          <p:nvPr>
+            <p:ph type="title"/>
+          </p:nvPr>
+        </p:nvSpPr>
+        <p:spPr/>
+        <p:txBody>
+          <a:bodyPr/>
+          <a:lstStyle/>
+          <a:p>
+            <a:r>
+              <a:rPr lang="da-DK" dirty="0"/>
+              <a:t>Configurations</a:t>
+            </a:r>
+          </a:p>
+        </p:txBody>
+      </p:sp>
+      <p:sp>
+        <p:nvSpPr>
           <p:cNvPr id="3" name="Content Placeholder 2">
             <a:extLst>
               <a:ext uri="{FF2B5EF4-FFF2-40B4-BE49-F238E27FC236}">
-                <a16:creationId xmlns:a16="http://schemas.microsoft.com/office/drawing/2014/main" id="{30FE8B02-0463-4D95-AB56-30BA23119AAC}"/>
+                <a16:creationId xmlns:a16="http://schemas.microsoft.com/office/drawing/2014/main" id="{640C97E3-7761-4A1A-A1A0-6BF6CA95D16A}"/>
               </a:ext>
             </a:extLst>
           </p:cNvPr>
@@ -9151,64 +9180,24 @@
         </p:nvSpPr>
         <p:spPr/>
         <p:txBody>
-          <a:bodyPr/>
+          <a:bodyPr>
+            <a:normAutofit/>
+          </a:bodyPr>
           <a:lstStyle/>
-          <a:p>
-            <a:pPr marL="0" indent="0" algn="ctr">
-              <a:buNone/>
-            </a:pPr>
-            <a:endParaRPr lang="en-US" i="1" dirty="0"/>
-          </a:p>
-          <a:p>
-            <a:pPr marL="0" indent="0" algn="ctr">
-              <a:buNone/>
-            </a:pPr>
-            <a:r>
-              <a:rPr lang="en-US" i="1" dirty="0"/>
-              <a:t>A framework for elegantly configuring complex applications.</a:t>
-            </a:r>
-          </a:p>
-          <a:p>
-            <a:pPr marL="0" indent="0" algn="ctr">
-              <a:buNone/>
-            </a:pPr>
-            <a:r>
-              <a:rPr lang="en-US" dirty="0">
-                <a:hlinkClick r:id="rId2"/>
-              </a:rPr>
-              <a:t>https://github.com/facebookresearch/hydra</a:t>
-            </a:r>
-            <a:endParaRPr lang="en-US" dirty="0"/>
-          </a:p>
-          <a:p>
-            <a:pPr marL="0" indent="0" algn="ctr">
-              <a:buNone/>
-            </a:pPr>
-            <a:endParaRPr lang="en-US" dirty="0"/>
-          </a:p>
           <a:p>
             <a:pPr marL="0" indent="0">
               <a:buNone/>
             </a:pPr>
             <a:r>
-              <a:rPr lang="en-US" dirty="0"/>
-              <a:t>Correctly using configuration files makes sure that everything is documented</a:t>
+              <a:rPr lang="da-DK" dirty="0"/>
+              <a:t>There is a lot of subjective choices that we do when running experiments, most noteable the hyperparameters.</a:t>
             </a:r>
           </a:p>
           <a:p>
             <a:pPr marL="0" indent="0">
               <a:buNone/>
             </a:pPr>
-            <a:r>
-              <a:rPr lang="en-US" u="sng" dirty="0"/>
-              <a:t>Example:</a:t>
-            </a:r>
-          </a:p>
-          <a:p>
-            <a:pPr marL="0" indent="0">
-              <a:buNone/>
-            </a:pPr>
-            <a:endParaRPr lang="en-US" dirty="0"/>
+            <a:endParaRPr lang="da-DK" dirty="0"/>
           </a:p>
         </p:txBody>
       </p:sp>
@@ -9217,7 +9206,7 @@
           <p:cNvPr id="4" name="Date Placeholder 3">
             <a:extLst>
               <a:ext uri="{FF2B5EF4-FFF2-40B4-BE49-F238E27FC236}">
-                <a16:creationId xmlns:a16="http://schemas.microsoft.com/office/drawing/2014/main" id="{386E6561-5811-4831-9A70-B9C397D06125}"/>
+                <a16:creationId xmlns:a16="http://schemas.microsoft.com/office/drawing/2014/main" id="{CF0485D1-030E-4964-9405-3339E0BA6F0B}"/>
               </a:ext>
             </a:extLst>
           </p:cNvPr>
@@ -9235,7 +9224,7 @@
           <a:p>
             <a:fld id="{019E29B9-5584-4737-9C98-1B926378C778}" type="datetime1">
               <a:rPr lang="en-US" smtClean="0"/>
-              <a:t>6/21/2021</a:t>
+              <a:t>1/4/2022</a:t>
             </a:fld>
             <a:endParaRPr lang="da-DK"/>
           </a:p>
@@ -9246,7 +9235,7 @@
           <p:cNvPr id="5" name="Footer Placeholder 4">
             <a:extLst>
               <a:ext uri="{FF2B5EF4-FFF2-40B4-BE49-F238E27FC236}">
-                <a16:creationId xmlns:a16="http://schemas.microsoft.com/office/drawing/2014/main" id="{0A4AB652-F75E-4A6E-8F07-42A66DC5DE87}"/>
+                <a16:creationId xmlns:a16="http://schemas.microsoft.com/office/drawing/2014/main" id="{EEE2B6F6-5C48-481C-A5D7-D3E149C12AEA}"/>
               </a:ext>
             </a:extLst>
           </p:cNvPr>
@@ -9274,7 +9263,7 @@
           <p:cNvPr id="6" name="Slide Number Placeholder 5">
             <a:extLst>
               <a:ext uri="{FF2B5EF4-FFF2-40B4-BE49-F238E27FC236}">
-                <a16:creationId xmlns:a16="http://schemas.microsoft.com/office/drawing/2014/main" id="{12A5B660-225E-47D0-8A49-500C8FDACE2D}"/>
+                <a16:creationId xmlns:a16="http://schemas.microsoft.com/office/drawing/2014/main" id="{18DD814B-F583-46DE-A6A1-A6F0E1FB0605}"/>
               </a:ext>
             </a:extLst>
           </p:cNvPr>
@@ -9293,3735 +9282,6 @@
             <a:fld id="{F6FEDE24-D50C-481B-A7B4-8AF13899101A}" type="slidenum">
               <a:rPr lang="da-DK" smtClean="0"/>
               <a:t>10</a:t>
-            </a:fld>
-            <a:endParaRPr lang="da-DK"/>
-          </a:p>
-        </p:txBody>
-      </p:sp>
-      <p:pic>
-        <p:nvPicPr>
-          <p:cNvPr id="14" name="Picture 13" descr="A picture containing text, tableware, plate, dishware&#10;&#10;Description automatically generated">
-            <a:extLst>
-              <a:ext uri="{FF2B5EF4-FFF2-40B4-BE49-F238E27FC236}">
-                <a16:creationId xmlns:a16="http://schemas.microsoft.com/office/drawing/2014/main" id="{03386FE9-286D-4F57-84AD-BF02DAE80C50}"/>
-              </a:ext>
-            </a:extLst>
-          </p:cNvPr>
-          <p:cNvPicPr>
-            <a:picLocks noChangeAspect="1"/>
-          </p:cNvPicPr>
-          <p:nvPr/>
-        </p:nvPicPr>
-        <p:blipFill>
-          <a:blip r:embed="rId3">
-            <a:extLst>
-              <a:ext uri="{28A0092B-C50C-407E-A947-70E740481C1C}">
-                <a14:useLocalDpi xmlns:a14="http://schemas.microsoft.com/office/drawing/2010/main" val="0"/>
-              </a:ext>
-            </a:extLst>
-          </a:blip>
-          <a:stretch>
-            <a:fillRect/>
-          </a:stretch>
-        </p:blipFill>
-        <p:spPr>
-          <a:xfrm>
-            <a:off x="4438665" y="47817"/>
-            <a:ext cx="3314670" cy="1657335"/>
-          </a:xfrm>
-          <a:prstGeom prst="rect">
-            <a:avLst/>
-          </a:prstGeom>
-        </p:spPr>
-      </p:pic>
-      <p:pic>
-        <p:nvPicPr>
-          <p:cNvPr id="8" name="Picture 7" descr="A picture containing shape&#10;&#10;Description automatically generated">
-            <a:extLst>
-              <a:ext uri="{FF2B5EF4-FFF2-40B4-BE49-F238E27FC236}">
-                <a16:creationId xmlns:a16="http://schemas.microsoft.com/office/drawing/2014/main" id="{B7C65A35-B062-4395-8694-9F3AFAB334FB}"/>
-              </a:ext>
-            </a:extLst>
-          </p:cNvPr>
-          <p:cNvPicPr>
-            <a:picLocks noChangeAspect="1"/>
-          </p:cNvPicPr>
-          <p:nvPr/>
-        </p:nvPicPr>
-        <p:blipFill rotWithShape="1">
-          <a:blip r:embed="rId4">
-            <a:extLst>
-              <a:ext uri="{28A0092B-C50C-407E-A947-70E740481C1C}">
-                <a14:useLocalDpi xmlns:a14="http://schemas.microsoft.com/office/drawing/2010/main" val="0"/>
-              </a:ext>
-            </a:extLst>
-          </a:blip>
-          <a:srcRect r="64396"/>
-          <a:stretch/>
-        </p:blipFill>
-        <p:spPr>
-          <a:xfrm>
-            <a:off x="966409" y="4799401"/>
-            <a:ext cx="2299305" cy="1371600"/>
-          </a:xfrm>
-          <a:prstGeom prst="rect">
-            <a:avLst/>
-          </a:prstGeom>
-        </p:spPr>
-      </p:pic>
-      <p:pic>
-        <p:nvPicPr>
-          <p:cNvPr id="10" name="Picture 9" descr="Text&#10;&#10;Description automatically generated with medium confidence">
-            <a:extLst>
-              <a:ext uri="{FF2B5EF4-FFF2-40B4-BE49-F238E27FC236}">
-                <a16:creationId xmlns:a16="http://schemas.microsoft.com/office/drawing/2014/main" id="{A76AC388-79E8-4440-B356-44AD12D2A3DA}"/>
-              </a:ext>
-            </a:extLst>
-          </p:cNvPr>
-          <p:cNvPicPr>
-            <a:picLocks noChangeAspect="1"/>
-          </p:cNvPicPr>
-          <p:nvPr/>
-        </p:nvPicPr>
-        <p:blipFill>
-          <a:blip r:embed="rId5">
-            <a:extLst>
-              <a:ext uri="{28A0092B-C50C-407E-A947-70E740481C1C}">
-                <a14:useLocalDpi xmlns:a14="http://schemas.microsoft.com/office/drawing/2010/main" val="0"/>
-              </a:ext>
-            </a:extLst>
-          </a:blip>
-          <a:stretch>
-            <a:fillRect/>
-          </a:stretch>
-        </p:blipFill>
-        <p:spPr>
-          <a:xfrm>
-            <a:off x="4876800" y="4342201"/>
-            <a:ext cx="6477000" cy="1828800"/>
-          </a:xfrm>
-          <a:prstGeom prst="rect">
-            <a:avLst/>
-          </a:prstGeom>
-        </p:spPr>
-      </p:pic>
-    </p:spTree>
-    <p:extLst>
-      <p:ext uri="{BB962C8B-B14F-4D97-AF65-F5344CB8AC3E}">
-        <p14:creationId xmlns:p14="http://schemas.microsoft.com/office/powerpoint/2010/main" val="2807158215"/>
-      </p:ext>
-    </p:extLst>
-  </p:cSld>
-  <p:clrMapOvr>
-    <a:masterClrMapping/>
-  </p:clrMapOvr>
-</p:sld>
-</file>
-
-<file path=ppt/slides/slide11.xml><?xml version="1.0" encoding="utf-8"?>
-<p:sld xmlns:a="http://schemas.openxmlformats.org/drawingml/2006/main" xmlns:r="http://schemas.openxmlformats.org/officeDocument/2006/relationships" xmlns:p="http://schemas.openxmlformats.org/presentationml/2006/main">
-  <p:cSld>
-    <p:spTree>
-      <p:nvGrpSpPr>
-        <p:cNvPr id="1" name=""/>
-        <p:cNvGrpSpPr/>
-        <p:nvPr/>
-      </p:nvGrpSpPr>
-      <p:grpSpPr>
-        <a:xfrm>
-          <a:off x="0" y="0"/>
-          <a:ext cx="0" cy="0"/>
-          <a:chOff x="0" y="0"/>
-          <a:chExt cx="0" cy="0"/>
-        </a:xfrm>
-      </p:grpSpPr>
-      <p:sp>
-        <p:nvSpPr>
-          <p:cNvPr id="2" name="Title 1">
-            <a:extLst>
-              <a:ext uri="{FF2B5EF4-FFF2-40B4-BE49-F238E27FC236}">
-                <a16:creationId xmlns:a16="http://schemas.microsoft.com/office/drawing/2014/main" id="{137EA8E7-F4DC-43BD-B19F-B49BCBDC67CD}"/>
-              </a:ext>
-            </a:extLst>
-          </p:cNvPr>
-          <p:cNvSpPr>
-            <a:spLocks noGrp="1"/>
-          </p:cNvSpPr>
-          <p:nvPr>
-            <p:ph type="title"/>
-          </p:nvPr>
-        </p:nvSpPr>
-        <p:spPr/>
-        <p:txBody>
-          <a:bodyPr/>
-          <a:lstStyle/>
-          <a:p>
-            <a:r>
-              <a:rPr lang="da-DK" dirty="0"/>
-              <a:t>Other frameworks</a:t>
-            </a:r>
-          </a:p>
-        </p:txBody>
-      </p:sp>
-      <p:sp>
-        <p:nvSpPr>
-          <p:cNvPr id="3" name="Content Placeholder 2">
-            <a:extLst>
-              <a:ext uri="{FF2B5EF4-FFF2-40B4-BE49-F238E27FC236}">
-                <a16:creationId xmlns:a16="http://schemas.microsoft.com/office/drawing/2014/main" id="{F38C3EFA-AFD8-45A3-B545-3954B06F7E17}"/>
-              </a:ext>
-            </a:extLst>
-          </p:cNvPr>
-          <p:cNvSpPr>
-            <a:spLocks noGrp="1"/>
-          </p:cNvSpPr>
-          <p:nvPr>
-            <p:ph idx="1"/>
-          </p:nvPr>
-        </p:nvSpPr>
-        <p:spPr/>
-        <p:txBody>
-          <a:bodyPr/>
-          <a:lstStyle/>
-          <a:p>
-            <a:endParaRPr lang="da-DK" dirty="0">
-              <a:hlinkClick r:id="rId2"/>
-            </a:endParaRPr>
-          </a:p>
-          <a:p>
-            <a:r>
-              <a:rPr lang="da-DK" dirty="0">
-                <a:hlinkClick r:id="rId2"/>
-              </a:rPr>
-              <a:t>https://github.com/IDSIA/sacred</a:t>
-            </a:r>
-            <a:endParaRPr lang="da-DK" dirty="0"/>
-          </a:p>
-          <a:p>
-            <a:endParaRPr lang="da-DK" dirty="0">
-              <a:hlinkClick r:id="rId3"/>
-            </a:endParaRPr>
-          </a:p>
-          <a:p>
-            <a:r>
-              <a:rPr lang="da-DK" dirty="0">
-                <a:hlinkClick r:id="rId3"/>
-              </a:rPr>
-              <a:t>https://mlflow.org/</a:t>
-            </a:r>
-            <a:endParaRPr lang="da-DK" dirty="0"/>
-          </a:p>
-          <a:p>
-            <a:endParaRPr lang="da-DK" dirty="0">
-              <a:hlinkClick r:id="rId4"/>
-            </a:endParaRPr>
-          </a:p>
-          <a:p>
-            <a:r>
-              <a:rPr lang="da-DK" dirty="0">
-                <a:hlinkClick r:id="rId4"/>
-              </a:rPr>
-              <a:t>https://wandb.ai/site</a:t>
-            </a:r>
-            <a:r>
-              <a:rPr lang="da-DK" dirty="0"/>
-              <a:t> (you already know this one)</a:t>
-            </a:r>
-          </a:p>
-          <a:p>
-            <a:endParaRPr lang="da-DK" dirty="0"/>
-          </a:p>
-        </p:txBody>
-      </p:sp>
-      <p:sp>
-        <p:nvSpPr>
-          <p:cNvPr id="4" name="Date Placeholder 3">
-            <a:extLst>
-              <a:ext uri="{FF2B5EF4-FFF2-40B4-BE49-F238E27FC236}">
-                <a16:creationId xmlns:a16="http://schemas.microsoft.com/office/drawing/2014/main" id="{E8518486-FFDB-4867-9F76-326C9BA339A4}"/>
-              </a:ext>
-            </a:extLst>
-          </p:cNvPr>
-          <p:cNvSpPr>
-            <a:spLocks noGrp="1"/>
-          </p:cNvSpPr>
-          <p:nvPr>
-            <p:ph type="dt" sz="half" idx="10"/>
-          </p:nvPr>
-        </p:nvSpPr>
-        <p:spPr/>
-        <p:txBody>
-          <a:bodyPr/>
-          <a:lstStyle/>
-          <a:p>
-            <a:fld id="{019E29B9-5584-4737-9C98-1B926378C778}" type="datetime1">
-              <a:rPr lang="en-US" smtClean="0"/>
-              <a:t>6/21/2021</a:t>
-            </a:fld>
-            <a:endParaRPr lang="da-DK"/>
-          </a:p>
-        </p:txBody>
-      </p:sp>
-      <p:sp>
-        <p:nvSpPr>
-          <p:cNvPr id="5" name="Footer Placeholder 4">
-            <a:extLst>
-              <a:ext uri="{FF2B5EF4-FFF2-40B4-BE49-F238E27FC236}">
-                <a16:creationId xmlns:a16="http://schemas.microsoft.com/office/drawing/2014/main" id="{7120C5F5-650D-4B22-9BC6-1B33E4EE3ACC}"/>
-              </a:ext>
-            </a:extLst>
-          </p:cNvPr>
-          <p:cNvSpPr>
-            <a:spLocks noGrp="1"/>
-          </p:cNvSpPr>
-          <p:nvPr>
-            <p:ph type="ftr" sz="quarter" idx="11"/>
-          </p:nvPr>
-        </p:nvSpPr>
-        <p:spPr/>
-        <p:txBody>
-          <a:bodyPr/>
-          <a:lstStyle/>
-          <a:p>
-            <a:r>
-              <a:rPr lang="da-DK"/>
-              <a:t>Nicki Skafte Detlefsen</a:t>
-            </a:r>
-          </a:p>
-        </p:txBody>
-      </p:sp>
-      <p:sp>
-        <p:nvSpPr>
-          <p:cNvPr id="6" name="Slide Number Placeholder 5">
-            <a:extLst>
-              <a:ext uri="{FF2B5EF4-FFF2-40B4-BE49-F238E27FC236}">
-                <a16:creationId xmlns:a16="http://schemas.microsoft.com/office/drawing/2014/main" id="{C7D46A3B-6ABF-4194-9779-703BF6E77D6E}"/>
-              </a:ext>
-            </a:extLst>
-          </p:cNvPr>
-          <p:cNvSpPr>
-            <a:spLocks noGrp="1"/>
-          </p:cNvSpPr>
-          <p:nvPr>
-            <p:ph type="sldNum" sz="quarter" idx="12"/>
-          </p:nvPr>
-        </p:nvSpPr>
-        <p:spPr/>
-        <p:txBody>
-          <a:bodyPr/>
-          <a:lstStyle/>
-          <a:p>
-            <a:fld id="{F6FEDE24-D50C-481B-A7B4-8AF13899101A}" type="slidenum">
-              <a:rPr lang="da-DK" smtClean="0"/>
-              <a:t>11</a:t>
-            </a:fld>
-            <a:endParaRPr lang="da-DK"/>
-          </a:p>
-        </p:txBody>
-      </p:sp>
-    </p:spTree>
-    <p:extLst>
-      <p:ext uri="{BB962C8B-B14F-4D97-AF65-F5344CB8AC3E}">
-        <p14:creationId xmlns:p14="http://schemas.microsoft.com/office/powerpoint/2010/main" val="4228679766"/>
-      </p:ext>
-    </p:extLst>
-  </p:cSld>
-  <p:clrMapOvr>
-    <a:masterClrMapping/>
-  </p:clrMapOvr>
-</p:sld>
-</file>
-
-<file path=ppt/slides/slide12.xml><?xml version="1.0" encoding="utf-8"?>
-<p:sld xmlns:a="http://schemas.openxmlformats.org/drawingml/2006/main" xmlns:r="http://schemas.openxmlformats.org/officeDocument/2006/relationships" xmlns:p="http://schemas.openxmlformats.org/presentationml/2006/main">
-  <p:cSld>
-    <p:spTree>
-      <p:nvGrpSpPr>
-        <p:cNvPr id="1" name=""/>
-        <p:cNvGrpSpPr/>
-        <p:nvPr/>
-      </p:nvGrpSpPr>
-      <p:grpSpPr>
-        <a:xfrm>
-          <a:off x="0" y="0"/>
-          <a:ext cx="0" cy="0"/>
-          <a:chOff x="0" y="0"/>
-          <a:chExt cx="0" cy="0"/>
-        </a:xfrm>
-      </p:grpSpPr>
-      <p:sp>
-        <p:nvSpPr>
-          <p:cNvPr id="2" name="Title 1">
-            <a:extLst>
-              <a:ext uri="{FF2B5EF4-FFF2-40B4-BE49-F238E27FC236}">
-                <a16:creationId xmlns:a16="http://schemas.microsoft.com/office/drawing/2014/main" id="{127853A8-BEFE-49B1-9EED-912729E28F9A}"/>
-              </a:ext>
-            </a:extLst>
-          </p:cNvPr>
-          <p:cNvSpPr>
-            <a:spLocks noGrp="1"/>
-          </p:cNvSpPr>
-          <p:nvPr>
-            <p:ph type="title"/>
-          </p:nvPr>
-        </p:nvSpPr>
-        <p:spPr/>
-        <p:txBody>
-          <a:bodyPr/>
-          <a:lstStyle/>
-          <a:p>
-            <a:r>
-              <a:rPr lang="da-DK" dirty="0"/>
-              <a:t>Meme of the day</a:t>
-            </a:r>
-          </a:p>
-        </p:txBody>
-      </p:sp>
-      <p:pic>
-        <p:nvPicPr>
-          <p:cNvPr id="8" name="Content Placeholder 7">
-            <a:extLst>
-              <a:ext uri="{FF2B5EF4-FFF2-40B4-BE49-F238E27FC236}">
-                <a16:creationId xmlns:a16="http://schemas.microsoft.com/office/drawing/2014/main" id="{AA224218-8412-4636-B833-730FFA15090E}"/>
-              </a:ext>
-            </a:extLst>
-          </p:cNvPr>
-          <p:cNvPicPr>
-            <a:picLocks noGrp="1" noChangeAspect="1"/>
-          </p:cNvPicPr>
-          <p:nvPr>
-            <p:ph idx="1"/>
-          </p:nvPr>
-        </p:nvPicPr>
-        <p:blipFill rotWithShape="1">
-          <a:blip r:embed="rId2">
-            <a:extLst>
-              <a:ext uri="{28A0092B-C50C-407E-A947-70E740481C1C}">
-                <a14:useLocalDpi xmlns:a14="http://schemas.microsoft.com/office/drawing/2010/main" val="0"/>
-              </a:ext>
-            </a:extLst>
-          </a:blip>
-          <a:srcRect l="1242" r="1874"/>
-          <a:stretch/>
-        </p:blipFill>
-        <p:spPr>
-          <a:xfrm>
-            <a:off x="4444905" y="1096627"/>
-            <a:ext cx="3178573" cy="5256321"/>
-          </a:xfrm>
-        </p:spPr>
-      </p:pic>
-      <p:sp>
-        <p:nvSpPr>
-          <p:cNvPr id="4" name="Date Placeholder 3">
-            <a:extLst>
-              <a:ext uri="{FF2B5EF4-FFF2-40B4-BE49-F238E27FC236}">
-                <a16:creationId xmlns:a16="http://schemas.microsoft.com/office/drawing/2014/main" id="{58D298BC-82B3-4328-90DE-40BCFBDE23C3}"/>
-              </a:ext>
-            </a:extLst>
-          </p:cNvPr>
-          <p:cNvSpPr>
-            <a:spLocks noGrp="1"/>
-          </p:cNvSpPr>
-          <p:nvPr>
-            <p:ph type="dt" sz="half" idx="10"/>
-          </p:nvPr>
-        </p:nvSpPr>
-        <p:spPr/>
-        <p:txBody>
-          <a:bodyPr/>
-          <a:lstStyle/>
-          <a:p>
-            <a:fld id="{019E29B9-5584-4737-9C98-1B926378C778}" type="datetime1">
-              <a:rPr lang="en-US" smtClean="0"/>
-              <a:t>6/21/2021</a:t>
-            </a:fld>
-            <a:endParaRPr lang="da-DK"/>
-          </a:p>
-        </p:txBody>
-      </p:sp>
-      <p:sp>
-        <p:nvSpPr>
-          <p:cNvPr id="5" name="Footer Placeholder 4">
-            <a:extLst>
-              <a:ext uri="{FF2B5EF4-FFF2-40B4-BE49-F238E27FC236}">
-                <a16:creationId xmlns:a16="http://schemas.microsoft.com/office/drawing/2014/main" id="{D4BD9CCA-658A-4656-9130-18CDBF930570}"/>
-              </a:ext>
-            </a:extLst>
-          </p:cNvPr>
-          <p:cNvSpPr>
-            <a:spLocks noGrp="1"/>
-          </p:cNvSpPr>
-          <p:nvPr>
-            <p:ph type="ftr" sz="quarter" idx="11"/>
-          </p:nvPr>
-        </p:nvSpPr>
-        <p:spPr/>
-        <p:txBody>
-          <a:bodyPr/>
-          <a:lstStyle/>
-          <a:p>
-            <a:r>
-              <a:rPr lang="da-DK"/>
-              <a:t>Nicki Skafte Detlefsen</a:t>
-            </a:r>
-          </a:p>
-        </p:txBody>
-      </p:sp>
-      <p:sp>
-        <p:nvSpPr>
-          <p:cNvPr id="6" name="Slide Number Placeholder 5">
-            <a:extLst>
-              <a:ext uri="{FF2B5EF4-FFF2-40B4-BE49-F238E27FC236}">
-                <a16:creationId xmlns:a16="http://schemas.microsoft.com/office/drawing/2014/main" id="{9DD3A813-5E73-44EC-9DCA-BF606A596DF9}"/>
-              </a:ext>
-            </a:extLst>
-          </p:cNvPr>
-          <p:cNvSpPr>
-            <a:spLocks noGrp="1"/>
-          </p:cNvSpPr>
-          <p:nvPr>
-            <p:ph type="sldNum" sz="quarter" idx="12"/>
-          </p:nvPr>
-        </p:nvSpPr>
-        <p:spPr/>
-        <p:txBody>
-          <a:bodyPr/>
-          <a:lstStyle/>
-          <a:p>
-            <a:fld id="{F6FEDE24-D50C-481B-A7B4-8AF13899101A}" type="slidenum">
-              <a:rPr lang="da-DK" smtClean="0"/>
-              <a:t>12</a:t>
-            </a:fld>
-            <a:endParaRPr lang="da-DK"/>
-          </a:p>
-        </p:txBody>
-      </p:sp>
-    </p:spTree>
-    <p:extLst>
-      <p:ext uri="{BB962C8B-B14F-4D97-AF65-F5344CB8AC3E}">
-        <p14:creationId xmlns:p14="http://schemas.microsoft.com/office/powerpoint/2010/main" val="23490720"/>
-      </p:ext>
-    </p:extLst>
-  </p:cSld>
-  <p:clrMapOvr>
-    <a:masterClrMapping/>
-  </p:clrMapOvr>
-</p:sld>
-</file>
-
-<file path=ppt/slides/slide2.xml><?xml version="1.0" encoding="utf-8"?>
-<p:sld xmlns:a="http://schemas.openxmlformats.org/drawingml/2006/main" xmlns:r="http://schemas.openxmlformats.org/officeDocument/2006/relationships" xmlns:p="http://schemas.openxmlformats.org/presentationml/2006/main">
-  <p:cSld>
-    <p:spTree>
-      <p:nvGrpSpPr>
-        <p:cNvPr id="1" name=""/>
-        <p:cNvGrpSpPr/>
-        <p:nvPr/>
-      </p:nvGrpSpPr>
-      <p:grpSpPr>
-        <a:xfrm>
-          <a:off x="0" y="0"/>
-          <a:ext cx="0" cy="0"/>
-          <a:chOff x="0" y="0"/>
-          <a:chExt cx="0" cy="0"/>
-        </a:xfrm>
-      </p:grpSpPr>
-      <p:sp>
-        <p:nvSpPr>
-          <p:cNvPr id="2" name="Title 1">
-            <a:extLst>
-              <a:ext uri="{FF2B5EF4-FFF2-40B4-BE49-F238E27FC236}">
-                <a16:creationId xmlns:a16="http://schemas.microsoft.com/office/drawing/2014/main" id="{94882A16-5DC0-418B-9649-71D626B51021}"/>
-              </a:ext>
-            </a:extLst>
-          </p:cNvPr>
-          <p:cNvSpPr>
-            <a:spLocks noGrp="1"/>
-          </p:cNvSpPr>
-          <p:nvPr>
-            <p:ph type="title"/>
-          </p:nvPr>
-        </p:nvSpPr>
-        <p:spPr/>
-        <p:txBody>
-          <a:bodyPr/>
-          <a:lstStyle/>
-          <a:p>
-            <a:r>
-              <a:rPr lang="da-DK" dirty="0"/>
-              <a:t>What is it?</a:t>
-            </a:r>
-          </a:p>
-        </p:txBody>
-      </p:sp>
-      <p:sp>
-        <p:nvSpPr>
-          <p:cNvPr id="3" name="Content Placeholder 2">
-            <a:extLst>
-              <a:ext uri="{FF2B5EF4-FFF2-40B4-BE49-F238E27FC236}">
-                <a16:creationId xmlns:a16="http://schemas.microsoft.com/office/drawing/2014/main" id="{B180E806-30A0-4B8E-8283-5136FC799D27}"/>
-              </a:ext>
-            </a:extLst>
-          </p:cNvPr>
-          <p:cNvSpPr>
-            <a:spLocks noGrp="1"/>
-          </p:cNvSpPr>
-          <p:nvPr>
-            <p:ph idx="1"/>
-          </p:nvPr>
-        </p:nvSpPr>
-        <p:spPr>
-          <a:xfrm>
-            <a:off x="838200" y="1343608"/>
-            <a:ext cx="6477000" cy="4833355"/>
-          </a:xfrm>
-        </p:spPr>
-        <p:txBody>
-          <a:bodyPr/>
-          <a:lstStyle/>
-          <a:p>
-            <a:r>
-              <a:rPr lang="da-DK" dirty="0"/>
-              <a:t>Being able to reproduce other peoples experimental results is an essential part of the scientific method</a:t>
-            </a:r>
-          </a:p>
-          <a:p>
-            <a:r>
-              <a:rPr lang="da-DK" dirty="0"/>
-              <a:t>Well known problem thoughout most fields (physics, chemestry, biology and computer science)</a:t>
-            </a:r>
-          </a:p>
-          <a:p>
-            <a:r>
-              <a:rPr lang="da-DK" dirty="0"/>
-              <a:t>With the rise of deep learning, the problem has only been made worse due to competition</a:t>
-            </a:r>
-          </a:p>
-        </p:txBody>
-      </p:sp>
-      <p:sp>
-        <p:nvSpPr>
-          <p:cNvPr id="4" name="Date Placeholder 3">
-            <a:extLst>
-              <a:ext uri="{FF2B5EF4-FFF2-40B4-BE49-F238E27FC236}">
-                <a16:creationId xmlns:a16="http://schemas.microsoft.com/office/drawing/2014/main" id="{9127BE0C-2F4C-4E85-A178-639F99BFA36B}"/>
-              </a:ext>
-            </a:extLst>
-          </p:cNvPr>
-          <p:cNvSpPr>
-            <a:spLocks noGrp="1"/>
-          </p:cNvSpPr>
-          <p:nvPr>
-            <p:ph type="dt" sz="half" idx="10"/>
-          </p:nvPr>
-        </p:nvSpPr>
-        <p:spPr/>
-        <p:txBody>
-          <a:bodyPr/>
-          <a:lstStyle/>
-          <a:p>
-            <a:fld id="{019E29B9-5584-4737-9C98-1B926378C778}" type="datetime1">
-              <a:rPr lang="en-US" smtClean="0"/>
-              <a:t>6/21/2021</a:t>
-            </a:fld>
-            <a:endParaRPr lang="da-DK"/>
-          </a:p>
-        </p:txBody>
-      </p:sp>
-      <p:sp>
-        <p:nvSpPr>
-          <p:cNvPr id="5" name="Footer Placeholder 4">
-            <a:extLst>
-              <a:ext uri="{FF2B5EF4-FFF2-40B4-BE49-F238E27FC236}">
-                <a16:creationId xmlns:a16="http://schemas.microsoft.com/office/drawing/2014/main" id="{A8D1A9A6-1FD7-4170-B0A1-5F745343A44A}"/>
-              </a:ext>
-            </a:extLst>
-          </p:cNvPr>
-          <p:cNvSpPr>
-            <a:spLocks noGrp="1"/>
-          </p:cNvSpPr>
-          <p:nvPr>
-            <p:ph type="ftr" sz="quarter" idx="11"/>
-          </p:nvPr>
-        </p:nvSpPr>
-        <p:spPr/>
-        <p:txBody>
-          <a:bodyPr/>
-          <a:lstStyle/>
-          <a:p>
-            <a:r>
-              <a:rPr lang="da-DK"/>
-              <a:t>Nicki Skafte Detlefsen</a:t>
-            </a:r>
-          </a:p>
-        </p:txBody>
-      </p:sp>
-      <p:sp>
-        <p:nvSpPr>
-          <p:cNvPr id="6" name="Slide Number Placeholder 5">
-            <a:extLst>
-              <a:ext uri="{FF2B5EF4-FFF2-40B4-BE49-F238E27FC236}">
-                <a16:creationId xmlns:a16="http://schemas.microsoft.com/office/drawing/2014/main" id="{FC3DB8A4-9C12-4C02-BEFF-F626D26CA260}"/>
-              </a:ext>
-            </a:extLst>
-          </p:cNvPr>
-          <p:cNvSpPr>
-            <a:spLocks noGrp="1"/>
-          </p:cNvSpPr>
-          <p:nvPr>
-            <p:ph type="sldNum" sz="quarter" idx="12"/>
-          </p:nvPr>
-        </p:nvSpPr>
-        <p:spPr/>
-        <p:txBody>
-          <a:bodyPr/>
-          <a:lstStyle/>
-          <a:p>
-            <a:fld id="{F6FEDE24-D50C-481B-A7B4-8AF13899101A}" type="slidenum">
-              <a:rPr lang="da-DK" smtClean="0"/>
-              <a:t>2</a:t>
-            </a:fld>
-            <a:endParaRPr lang="da-DK"/>
-          </a:p>
-        </p:txBody>
-      </p:sp>
-      <p:pic>
-        <p:nvPicPr>
-          <p:cNvPr id="8" name="Picture 7" descr="Diagram&#10;&#10;Description automatically generated">
-            <a:extLst>
-              <a:ext uri="{FF2B5EF4-FFF2-40B4-BE49-F238E27FC236}">
-                <a16:creationId xmlns:a16="http://schemas.microsoft.com/office/drawing/2014/main" id="{4A16BE5E-32A2-46DF-B889-D28611E2A247}"/>
-              </a:ext>
-            </a:extLst>
-          </p:cNvPr>
-          <p:cNvPicPr>
-            <a:picLocks noChangeAspect="1"/>
-          </p:cNvPicPr>
-          <p:nvPr/>
-        </p:nvPicPr>
-        <p:blipFill>
-          <a:blip r:embed="rId2">
-            <a:extLst>
-              <a:ext uri="{28A0092B-C50C-407E-A947-70E740481C1C}">
-                <a14:useLocalDpi xmlns:a14="http://schemas.microsoft.com/office/drawing/2010/main" val="0"/>
-              </a:ext>
-            </a:extLst>
-          </a:blip>
-          <a:stretch>
-            <a:fillRect/>
-          </a:stretch>
-        </p:blipFill>
-        <p:spPr>
-          <a:xfrm>
-            <a:off x="7315200" y="1343608"/>
-            <a:ext cx="4586762" cy="4586762"/>
-          </a:xfrm>
-          <a:prstGeom prst="rect">
-            <a:avLst/>
-          </a:prstGeom>
-        </p:spPr>
-      </p:pic>
-      <p:cxnSp>
-        <p:nvCxnSpPr>
-          <p:cNvPr id="10" name="Straight Connector 9">
-            <a:extLst>
-              <a:ext uri="{FF2B5EF4-FFF2-40B4-BE49-F238E27FC236}">
-                <a16:creationId xmlns:a16="http://schemas.microsoft.com/office/drawing/2014/main" id="{0B235389-4757-427C-BD3C-E68A6C9B9C12}"/>
-              </a:ext>
-            </a:extLst>
-          </p:cNvPr>
-          <p:cNvCxnSpPr/>
-          <p:nvPr/>
-        </p:nvCxnSpPr>
-        <p:spPr>
-          <a:xfrm>
-            <a:off x="7715250" y="4622800"/>
-            <a:ext cx="952500" cy="0"/>
-          </a:xfrm>
-          <a:prstGeom prst="line">
-            <a:avLst/>
-          </a:prstGeom>
-          <a:ln w="38100">
-            <a:solidFill>
-              <a:srgbClr val="FF0000"/>
-            </a:solidFill>
-          </a:ln>
-        </p:spPr>
-        <p:style>
-          <a:lnRef idx="1">
-            <a:schemeClr val="accent1"/>
-          </a:lnRef>
-          <a:fillRef idx="0">
-            <a:schemeClr val="accent1"/>
-          </a:fillRef>
-          <a:effectRef idx="0">
-            <a:schemeClr val="accent1"/>
-          </a:effectRef>
-          <a:fontRef idx="minor">
-            <a:schemeClr val="tx1"/>
-          </a:fontRef>
-        </p:style>
-      </p:cxnSp>
-      <p:cxnSp>
-        <p:nvCxnSpPr>
-          <p:cNvPr id="11" name="Straight Connector 10">
-            <a:extLst>
-              <a:ext uri="{FF2B5EF4-FFF2-40B4-BE49-F238E27FC236}">
-                <a16:creationId xmlns:a16="http://schemas.microsoft.com/office/drawing/2014/main" id="{85B202E3-B8B6-4F10-9CCE-E17C714E9ECE}"/>
-              </a:ext>
-            </a:extLst>
-          </p:cNvPr>
-          <p:cNvCxnSpPr>
-            <a:cxnSpLocks/>
-          </p:cNvCxnSpPr>
-          <p:nvPr/>
-        </p:nvCxnSpPr>
-        <p:spPr>
-          <a:xfrm flipV="1">
-            <a:off x="7937500" y="4279900"/>
-            <a:ext cx="508000" cy="647700"/>
-          </a:xfrm>
-          <a:prstGeom prst="line">
-            <a:avLst/>
-          </a:prstGeom>
-          <a:ln w="38100">
-            <a:solidFill>
-              <a:srgbClr val="FF0000"/>
-            </a:solidFill>
-          </a:ln>
-        </p:spPr>
-        <p:style>
-          <a:lnRef idx="1">
-            <a:schemeClr val="accent1"/>
-          </a:lnRef>
-          <a:fillRef idx="0">
-            <a:schemeClr val="accent1"/>
-          </a:fillRef>
-          <a:effectRef idx="0">
-            <a:schemeClr val="accent1"/>
-          </a:effectRef>
-          <a:fontRef idx="minor">
-            <a:schemeClr val="tx1"/>
-          </a:fontRef>
-        </p:style>
-      </p:cxnSp>
-      <p:sp>
-        <p:nvSpPr>
-          <p:cNvPr id="16" name="TextBox 15">
-            <a:extLst>
-              <a:ext uri="{FF2B5EF4-FFF2-40B4-BE49-F238E27FC236}">
-                <a16:creationId xmlns:a16="http://schemas.microsoft.com/office/drawing/2014/main" id="{4F6BADF9-BC1A-43F2-A3E2-8548DF45F2C5}"/>
-              </a:ext>
-            </a:extLst>
-          </p:cNvPr>
-          <p:cNvSpPr txBox="1"/>
-          <p:nvPr/>
-        </p:nvSpPr>
-        <p:spPr>
-          <a:xfrm>
-            <a:off x="7327900" y="5892581"/>
-            <a:ext cx="2730500" cy="400110"/>
-          </a:xfrm>
-          <a:prstGeom prst="rect">
-            <a:avLst/>
-          </a:prstGeom>
-          <a:noFill/>
-        </p:spPr>
-        <p:txBody>
-          <a:bodyPr wrap="square" rtlCol="0">
-            <a:spAutoFit/>
-          </a:bodyPr>
-          <a:lstStyle/>
-          <a:p>
-            <a:r>
-              <a:rPr lang="da-DK" sz="2000" dirty="0"/>
-              <a:t>This is where it breaks</a:t>
-            </a:r>
-          </a:p>
-        </p:txBody>
-      </p:sp>
-      <p:cxnSp>
-        <p:nvCxnSpPr>
-          <p:cNvPr id="18" name="Straight Arrow Connector 17">
-            <a:extLst>
-              <a:ext uri="{FF2B5EF4-FFF2-40B4-BE49-F238E27FC236}">
-                <a16:creationId xmlns:a16="http://schemas.microsoft.com/office/drawing/2014/main" id="{70AE2DD0-2156-4756-9211-C807B29F07C5}"/>
-              </a:ext>
-            </a:extLst>
-          </p:cNvPr>
-          <p:cNvCxnSpPr/>
-          <p:nvPr/>
-        </p:nvCxnSpPr>
-        <p:spPr>
-          <a:xfrm flipV="1">
-            <a:off x="7937500" y="4927600"/>
-            <a:ext cx="215900" cy="964982"/>
-          </a:xfrm>
-          <a:prstGeom prst="straightConnector1">
-            <a:avLst/>
-          </a:prstGeom>
-          <a:ln w="38100">
-            <a:solidFill>
-              <a:srgbClr val="FF0000"/>
-            </a:solidFill>
-            <a:tailEnd type="triangle"/>
-          </a:ln>
-        </p:spPr>
-        <p:style>
-          <a:lnRef idx="1">
-            <a:schemeClr val="accent1"/>
-          </a:lnRef>
-          <a:fillRef idx="0">
-            <a:schemeClr val="accent1"/>
-          </a:fillRef>
-          <a:effectRef idx="0">
-            <a:schemeClr val="accent1"/>
-          </a:effectRef>
-          <a:fontRef idx="minor">
-            <a:schemeClr val="tx1"/>
-          </a:fontRef>
-        </p:style>
-      </p:cxnSp>
-    </p:spTree>
-    <p:extLst>
-      <p:ext uri="{BB962C8B-B14F-4D97-AF65-F5344CB8AC3E}">
-        <p14:creationId xmlns:p14="http://schemas.microsoft.com/office/powerpoint/2010/main" val="2284084431"/>
-      </p:ext>
-    </p:extLst>
-  </p:cSld>
-  <p:clrMapOvr>
-    <a:masterClrMapping/>
-  </p:clrMapOvr>
-</p:sld>
-</file>
-
-<file path=ppt/slides/slide3.xml><?xml version="1.0" encoding="utf-8"?>
-<p:sld xmlns:a="http://schemas.openxmlformats.org/drawingml/2006/main" xmlns:r="http://schemas.openxmlformats.org/officeDocument/2006/relationships" xmlns:p="http://schemas.openxmlformats.org/presentationml/2006/main">
-  <p:cSld>
-    <p:spTree>
-      <p:nvGrpSpPr>
-        <p:cNvPr id="1" name=""/>
-        <p:cNvGrpSpPr/>
-        <p:nvPr/>
-      </p:nvGrpSpPr>
-      <p:grpSpPr>
-        <a:xfrm>
-          <a:off x="0" y="0"/>
-          <a:ext cx="0" cy="0"/>
-          <a:chOff x="0" y="0"/>
-          <a:chExt cx="0" cy="0"/>
-        </a:xfrm>
-      </p:grpSpPr>
-      <p:sp>
-        <p:nvSpPr>
-          <p:cNvPr id="2" name="Title 1">
-            <a:extLst>
-              <a:ext uri="{FF2B5EF4-FFF2-40B4-BE49-F238E27FC236}">
-                <a16:creationId xmlns:a16="http://schemas.microsoft.com/office/drawing/2014/main" id="{B78D1520-F227-45A0-A452-5CE68CEFC737}"/>
-              </a:ext>
-            </a:extLst>
-          </p:cNvPr>
-          <p:cNvSpPr>
-            <a:spLocks noGrp="1"/>
-          </p:cNvSpPr>
-          <p:nvPr>
-            <p:ph type="title"/>
-          </p:nvPr>
-        </p:nvSpPr>
-        <p:spPr/>
-        <p:txBody>
-          <a:bodyPr/>
-          <a:lstStyle/>
-          <a:p>
-            <a:r>
-              <a:rPr lang="da-DK" dirty="0"/>
-              <a:t>Why do we need reproduceability at all?</a:t>
-            </a:r>
-          </a:p>
-        </p:txBody>
-      </p:sp>
-      <p:sp>
-        <p:nvSpPr>
-          <p:cNvPr id="3" name="Content Placeholder 2">
-            <a:extLst>
-              <a:ext uri="{FF2B5EF4-FFF2-40B4-BE49-F238E27FC236}">
-                <a16:creationId xmlns:a16="http://schemas.microsoft.com/office/drawing/2014/main" id="{68A69F30-680E-4A69-A902-1881249DAD14}"/>
-              </a:ext>
-            </a:extLst>
-          </p:cNvPr>
-          <p:cNvSpPr>
-            <a:spLocks noGrp="1"/>
-          </p:cNvSpPr>
-          <p:nvPr>
-            <p:ph idx="1"/>
-          </p:nvPr>
-        </p:nvSpPr>
-        <p:spPr>
-          <a:xfrm>
-            <a:off x="838199" y="1343608"/>
-            <a:ext cx="5378043" cy="4833355"/>
-          </a:xfrm>
-        </p:spPr>
-        <p:txBody>
-          <a:bodyPr/>
-          <a:lstStyle/>
-          <a:p>
-            <a:pPr marL="0" indent="0">
-              <a:buNone/>
-            </a:pPr>
-            <a:r>
-              <a:rPr lang="da-DK" dirty="0"/>
-              <a:t>Reproduceability is a key component in </a:t>
-            </a:r>
-            <a:r>
-              <a:rPr lang="da-DK" i="1" dirty="0"/>
-              <a:t>Trustworthy ML</a:t>
-            </a:r>
-          </a:p>
-          <a:p>
-            <a:pPr marL="0" indent="0" algn="ctr">
-              <a:buNone/>
-            </a:pPr>
-            <a:endParaRPr lang="da-DK" dirty="0"/>
-          </a:p>
-          <a:p>
-            <a:pPr marL="0" indent="0" algn="ctr">
-              <a:buNone/>
-            </a:pPr>
-            <a:endParaRPr lang="da-DK" dirty="0"/>
-          </a:p>
-          <a:p>
-            <a:pPr marL="0" indent="0">
-              <a:buNone/>
-            </a:pPr>
-            <a:r>
-              <a:rPr lang="da-DK" u="sng" dirty="0"/>
-              <a:t>Case: </a:t>
-            </a:r>
-          </a:p>
-          <a:p>
-            <a:pPr marL="0" indent="0">
-              <a:buNone/>
-            </a:pPr>
-            <a:r>
-              <a:rPr lang="da-DK" dirty="0"/>
-              <a:t>Imaging an AI agent used for dinostics. Without reproduceability two persons with the exact same symtomes could get different diagnosis</a:t>
-            </a:r>
-          </a:p>
-        </p:txBody>
-      </p:sp>
-      <p:sp>
-        <p:nvSpPr>
-          <p:cNvPr id="4" name="Date Placeholder 3">
-            <a:extLst>
-              <a:ext uri="{FF2B5EF4-FFF2-40B4-BE49-F238E27FC236}">
-                <a16:creationId xmlns:a16="http://schemas.microsoft.com/office/drawing/2014/main" id="{BF011858-F6E4-462F-A1A5-D3A0CBE5B5C7}"/>
-              </a:ext>
-            </a:extLst>
-          </p:cNvPr>
-          <p:cNvSpPr>
-            <a:spLocks noGrp="1"/>
-          </p:cNvSpPr>
-          <p:nvPr>
-            <p:ph type="dt" sz="half" idx="10"/>
-          </p:nvPr>
-        </p:nvSpPr>
-        <p:spPr/>
-        <p:txBody>
-          <a:bodyPr/>
-          <a:lstStyle/>
-          <a:p>
-            <a:fld id="{019E29B9-5584-4737-9C98-1B926378C778}" type="datetime1">
-              <a:rPr lang="en-US" smtClean="0"/>
-              <a:t>6/21/2021</a:t>
-            </a:fld>
-            <a:endParaRPr lang="da-DK"/>
-          </a:p>
-        </p:txBody>
-      </p:sp>
-      <p:sp>
-        <p:nvSpPr>
-          <p:cNvPr id="5" name="Footer Placeholder 4">
-            <a:extLst>
-              <a:ext uri="{FF2B5EF4-FFF2-40B4-BE49-F238E27FC236}">
-                <a16:creationId xmlns:a16="http://schemas.microsoft.com/office/drawing/2014/main" id="{D3E718E0-B526-4688-A9A8-C8BD34115241}"/>
-              </a:ext>
-            </a:extLst>
-          </p:cNvPr>
-          <p:cNvSpPr>
-            <a:spLocks noGrp="1"/>
-          </p:cNvSpPr>
-          <p:nvPr>
-            <p:ph type="ftr" sz="quarter" idx="11"/>
-          </p:nvPr>
-        </p:nvSpPr>
-        <p:spPr/>
-        <p:txBody>
-          <a:bodyPr/>
-          <a:lstStyle/>
-          <a:p>
-            <a:r>
-              <a:rPr lang="da-DK"/>
-              <a:t>Nicki Skafte Detlefsen</a:t>
-            </a:r>
-          </a:p>
-        </p:txBody>
-      </p:sp>
-      <p:sp>
-        <p:nvSpPr>
-          <p:cNvPr id="6" name="Slide Number Placeholder 5">
-            <a:extLst>
-              <a:ext uri="{FF2B5EF4-FFF2-40B4-BE49-F238E27FC236}">
-                <a16:creationId xmlns:a16="http://schemas.microsoft.com/office/drawing/2014/main" id="{F9554614-DB84-46A0-A7B4-A0DB09E20ECA}"/>
-              </a:ext>
-            </a:extLst>
-          </p:cNvPr>
-          <p:cNvSpPr>
-            <a:spLocks noGrp="1"/>
-          </p:cNvSpPr>
-          <p:nvPr>
-            <p:ph type="sldNum" sz="quarter" idx="12"/>
-          </p:nvPr>
-        </p:nvSpPr>
-        <p:spPr/>
-        <p:txBody>
-          <a:bodyPr/>
-          <a:lstStyle/>
-          <a:p>
-            <a:fld id="{F6FEDE24-D50C-481B-A7B4-8AF13899101A}" type="slidenum">
-              <a:rPr lang="da-DK" smtClean="0"/>
-              <a:t>3</a:t>
-            </a:fld>
-            <a:endParaRPr lang="da-DK"/>
-          </a:p>
-        </p:txBody>
-      </p:sp>
-      <p:pic>
-        <p:nvPicPr>
-          <p:cNvPr id="8" name="Picture 7" descr="Diagram&#10;&#10;Description automatically generated">
-            <a:extLst>
-              <a:ext uri="{FF2B5EF4-FFF2-40B4-BE49-F238E27FC236}">
-                <a16:creationId xmlns:a16="http://schemas.microsoft.com/office/drawing/2014/main" id="{00F564B3-C29C-492D-A0F1-33163CF7BB3A}"/>
-              </a:ext>
-            </a:extLst>
-          </p:cNvPr>
-          <p:cNvPicPr>
-            <a:picLocks noChangeAspect="1"/>
-          </p:cNvPicPr>
-          <p:nvPr/>
-        </p:nvPicPr>
-        <p:blipFill rotWithShape="1">
-          <a:blip r:embed="rId2">
-            <a:extLst>
-              <a:ext uri="{28A0092B-C50C-407E-A947-70E740481C1C}">
-                <a14:useLocalDpi xmlns:a14="http://schemas.microsoft.com/office/drawing/2010/main" val="0"/>
-              </a:ext>
-            </a:extLst>
-          </a:blip>
-          <a:srcRect t="4503"/>
-          <a:stretch/>
-        </p:blipFill>
-        <p:spPr>
-          <a:xfrm>
-            <a:off x="6075583" y="1208692"/>
-            <a:ext cx="5850212" cy="4856206"/>
-          </a:xfrm>
-          <a:prstGeom prst="rect">
-            <a:avLst/>
-          </a:prstGeom>
-        </p:spPr>
-      </p:pic>
-      <p:sp>
-        <p:nvSpPr>
-          <p:cNvPr id="9" name="TextBox 8">
-            <a:extLst>
-              <a:ext uri="{FF2B5EF4-FFF2-40B4-BE49-F238E27FC236}">
-                <a16:creationId xmlns:a16="http://schemas.microsoft.com/office/drawing/2014/main" id="{FF24478C-8520-41EB-89D2-7CA997087D9A}"/>
-              </a:ext>
-            </a:extLst>
-          </p:cNvPr>
-          <p:cNvSpPr txBox="1"/>
-          <p:nvPr/>
-        </p:nvSpPr>
-        <p:spPr>
-          <a:xfrm>
-            <a:off x="6426310" y="5990369"/>
-            <a:ext cx="5217610" cy="253916"/>
-          </a:xfrm>
-          <a:prstGeom prst="rect">
-            <a:avLst/>
-          </a:prstGeom>
-          <a:noFill/>
-        </p:spPr>
-        <p:txBody>
-          <a:bodyPr wrap="square" rtlCol="0">
-            <a:spAutoFit/>
-          </a:bodyPr>
-          <a:lstStyle/>
-          <a:p>
-            <a:r>
-              <a:rPr lang="da-DK" sz="1050" dirty="0"/>
-              <a:t>From </a:t>
-            </a:r>
-            <a:r>
-              <a:rPr lang="da-DK" sz="1050" dirty="0">
-                <a:hlinkClick r:id="rId3"/>
-              </a:rPr>
-              <a:t>https://towardsdatascience.com/reproducible-machine-learning-cf1841606805</a:t>
-            </a:r>
-            <a:r>
-              <a:rPr lang="da-DK" sz="1050" dirty="0"/>
-              <a:t> </a:t>
-            </a:r>
-          </a:p>
-        </p:txBody>
-      </p:sp>
-    </p:spTree>
-    <p:extLst>
-      <p:ext uri="{BB962C8B-B14F-4D97-AF65-F5344CB8AC3E}">
-        <p14:creationId xmlns:p14="http://schemas.microsoft.com/office/powerpoint/2010/main" val="195552452"/>
-      </p:ext>
-    </p:extLst>
-  </p:cSld>
-  <p:clrMapOvr>
-    <a:masterClrMapping/>
-  </p:clrMapOvr>
-</p:sld>
-</file>
-
-<file path=ppt/slides/slide4.xml><?xml version="1.0" encoding="utf-8"?>
-<p:sld xmlns:a="http://schemas.openxmlformats.org/drawingml/2006/main" xmlns:r="http://schemas.openxmlformats.org/officeDocument/2006/relationships" xmlns:p="http://schemas.openxmlformats.org/presentationml/2006/main">
-  <p:cSld>
-    <p:spTree>
-      <p:nvGrpSpPr>
-        <p:cNvPr id="1" name=""/>
-        <p:cNvGrpSpPr/>
-        <p:nvPr/>
-      </p:nvGrpSpPr>
-      <p:grpSpPr>
-        <a:xfrm>
-          <a:off x="0" y="0"/>
-          <a:ext cx="0" cy="0"/>
-          <a:chOff x="0" y="0"/>
-          <a:chExt cx="0" cy="0"/>
-        </a:xfrm>
-      </p:grpSpPr>
-      <p:sp>
-        <p:nvSpPr>
-          <p:cNvPr id="2" name="Title 1">
-            <a:extLst>
-              <a:ext uri="{FF2B5EF4-FFF2-40B4-BE49-F238E27FC236}">
-                <a16:creationId xmlns:a16="http://schemas.microsoft.com/office/drawing/2014/main" id="{4F4ADC5D-1759-4FF3-AD74-4E6363AB8D3B}"/>
-              </a:ext>
-            </a:extLst>
-          </p:cNvPr>
-          <p:cNvSpPr>
-            <a:spLocks noGrp="1"/>
-          </p:cNvSpPr>
-          <p:nvPr>
-            <p:ph type="title"/>
-          </p:nvPr>
-        </p:nvSpPr>
-        <p:spPr/>
-        <p:txBody>
-          <a:bodyPr/>
-          <a:lstStyle/>
-          <a:p>
-            <a:r>
-              <a:rPr lang="da-DK" dirty="0"/>
-              <a:t>How bad is it?</a:t>
-            </a:r>
-          </a:p>
-        </p:txBody>
-      </p:sp>
-      <p:sp>
-        <p:nvSpPr>
-          <p:cNvPr id="3" name="Content Placeholder 2">
-            <a:extLst>
-              <a:ext uri="{FF2B5EF4-FFF2-40B4-BE49-F238E27FC236}">
-                <a16:creationId xmlns:a16="http://schemas.microsoft.com/office/drawing/2014/main" id="{EE87017C-96A2-405C-8796-47F576C2409F}"/>
-              </a:ext>
-            </a:extLst>
-          </p:cNvPr>
-          <p:cNvSpPr>
-            <a:spLocks noGrp="1"/>
-          </p:cNvSpPr>
-          <p:nvPr>
-            <p:ph idx="1"/>
-          </p:nvPr>
-        </p:nvSpPr>
-        <p:spPr/>
-        <p:txBody>
-          <a:bodyPr>
-            <a:normAutofit/>
-          </a:bodyPr>
-          <a:lstStyle/>
-          <a:p>
-            <a:pPr marL="0" indent="0">
-              <a:buNone/>
-            </a:pPr>
-            <a:r>
-              <a:rPr lang="da-DK" dirty="0"/>
-              <a:t>Wow its bad...</a:t>
-            </a:r>
-          </a:p>
-          <a:p>
-            <a:pPr marL="0" indent="0">
-              <a:buNone/>
-            </a:pPr>
-            <a:endParaRPr lang="da-DK" dirty="0"/>
-          </a:p>
-          <a:p>
-            <a:pPr marL="0" indent="0">
-              <a:buNone/>
-            </a:pPr>
-            <a:endParaRPr lang="da-DK" dirty="0"/>
-          </a:p>
-          <a:p>
-            <a:pPr marL="0" indent="0">
-              <a:buNone/>
-            </a:pPr>
-            <a:endParaRPr lang="da-DK" dirty="0"/>
-          </a:p>
-          <a:p>
-            <a:pPr marL="0" indent="0">
-              <a:buNone/>
-            </a:pPr>
-            <a:endParaRPr lang="da-DK" dirty="0"/>
-          </a:p>
-          <a:p>
-            <a:pPr marL="0" indent="0">
-              <a:buNone/>
-            </a:pPr>
-            <a:endParaRPr lang="da-DK" dirty="0"/>
-          </a:p>
-          <a:p>
-            <a:pPr marL="0" indent="0">
-              <a:buNone/>
-            </a:pPr>
-            <a:endParaRPr lang="da-DK" dirty="0"/>
-          </a:p>
-          <a:p>
-            <a:pPr marL="0" indent="0">
-              <a:buNone/>
-            </a:pPr>
-            <a:endParaRPr lang="da-DK" dirty="0"/>
-          </a:p>
-          <a:p>
-            <a:pPr marL="0" indent="0">
-              <a:buNone/>
-            </a:pPr>
-            <a:r>
-              <a:rPr lang="da-DK" dirty="0"/>
-              <a:t>Machine learning around 26% </a:t>
-            </a:r>
-            <a:r>
-              <a:rPr lang="da-DK" sz="1400" dirty="0"/>
-              <a:t>(</a:t>
-            </a:r>
-            <a:r>
-              <a:rPr lang="da-DK" sz="1400" dirty="0">
-                <a:hlinkClick r:id="rId2"/>
-              </a:rPr>
-              <a:t>https://www.aaai.org/GuideBook2018/17248-73943-GB.pdf</a:t>
-            </a:r>
-            <a:r>
-              <a:rPr lang="da-DK" sz="1400" dirty="0"/>
-              <a:t>) </a:t>
-            </a:r>
-            <a:endParaRPr lang="da-DK" dirty="0"/>
-          </a:p>
-        </p:txBody>
-      </p:sp>
-      <p:sp>
-        <p:nvSpPr>
-          <p:cNvPr id="4" name="Date Placeholder 3">
-            <a:extLst>
-              <a:ext uri="{FF2B5EF4-FFF2-40B4-BE49-F238E27FC236}">
-                <a16:creationId xmlns:a16="http://schemas.microsoft.com/office/drawing/2014/main" id="{CC95FC45-EA11-443E-AF10-24A48AA04FAB}"/>
-              </a:ext>
-            </a:extLst>
-          </p:cNvPr>
-          <p:cNvSpPr>
-            <a:spLocks noGrp="1"/>
-          </p:cNvSpPr>
-          <p:nvPr>
-            <p:ph type="dt" sz="half" idx="10"/>
-          </p:nvPr>
-        </p:nvSpPr>
-        <p:spPr/>
-        <p:txBody>
-          <a:bodyPr/>
-          <a:lstStyle/>
-          <a:p>
-            <a:fld id="{019E29B9-5584-4737-9C98-1B926378C778}" type="datetime1">
-              <a:rPr lang="en-US" smtClean="0"/>
-              <a:t>6/21/2021</a:t>
-            </a:fld>
-            <a:endParaRPr lang="da-DK"/>
-          </a:p>
-        </p:txBody>
-      </p:sp>
-      <p:sp>
-        <p:nvSpPr>
-          <p:cNvPr id="5" name="Footer Placeholder 4">
-            <a:extLst>
-              <a:ext uri="{FF2B5EF4-FFF2-40B4-BE49-F238E27FC236}">
-                <a16:creationId xmlns:a16="http://schemas.microsoft.com/office/drawing/2014/main" id="{CA2EDF50-82AB-43BF-8ADA-5C7B4F35C624}"/>
-              </a:ext>
-            </a:extLst>
-          </p:cNvPr>
-          <p:cNvSpPr>
-            <a:spLocks noGrp="1"/>
-          </p:cNvSpPr>
-          <p:nvPr>
-            <p:ph type="ftr" sz="quarter" idx="11"/>
-          </p:nvPr>
-        </p:nvSpPr>
-        <p:spPr/>
-        <p:txBody>
-          <a:bodyPr/>
-          <a:lstStyle/>
-          <a:p>
-            <a:r>
-              <a:rPr lang="da-DK"/>
-              <a:t>Nicki Skafte Detlefsen</a:t>
-            </a:r>
-          </a:p>
-        </p:txBody>
-      </p:sp>
-      <p:sp>
-        <p:nvSpPr>
-          <p:cNvPr id="6" name="Slide Number Placeholder 5">
-            <a:extLst>
-              <a:ext uri="{FF2B5EF4-FFF2-40B4-BE49-F238E27FC236}">
-                <a16:creationId xmlns:a16="http://schemas.microsoft.com/office/drawing/2014/main" id="{BBCF1445-FA06-45E0-A6F0-A1A7CCD3C2BF}"/>
-              </a:ext>
-            </a:extLst>
-          </p:cNvPr>
-          <p:cNvSpPr>
-            <a:spLocks noGrp="1"/>
-          </p:cNvSpPr>
-          <p:nvPr>
-            <p:ph type="sldNum" sz="quarter" idx="12"/>
-          </p:nvPr>
-        </p:nvSpPr>
-        <p:spPr/>
-        <p:txBody>
-          <a:bodyPr/>
-          <a:lstStyle/>
-          <a:p>
-            <a:fld id="{F6FEDE24-D50C-481B-A7B4-8AF13899101A}" type="slidenum">
-              <a:rPr lang="da-DK" smtClean="0"/>
-              <a:t>4</a:t>
-            </a:fld>
-            <a:endParaRPr lang="da-DK"/>
-          </a:p>
-        </p:txBody>
-      </p:sp>
-      <p:pic>
-        <p:nvPicPr>
-          <p:cNvPr id="8" name="Picture 7">
-            <a:extLst>
-              <a:ext uri="{FF2B5EF4-FFF2-40B4-BE49-F238E27FC236}">
-                <a16:creationId xmlns:a16="http://schemas.microsoft.com/office/drawing/2014/main" id="{8C771C8E-18FC-4113-98B6-009624DC9D35}"/>
-              </a:ext>
-            </a:extLst>
-          </p:cNvPr>
-          <p:cNvPicPr>
-            <a:picLocks noChangeAspect="1"/>
-          </p:cNvPicPr>
-          <p:nvPr/>
-        </p:nvPicPr>
-        <p:blipFill>
-          <a:blip r:embed="rId3">
-            <a:extLst>
-              <a:ext uri="{28A0092B-C50C-407E-A947-70E740481C1C}">
-                <a14:useLocalDpi xmlns:a14="http://schemas.microsoft.com/office/drawing/2010/main" val="0"/>
-              </a:ext>
-            </a:extLst>
-          </a:blip>
-          <a:stretch>
-            <a:fillRect/>
-          </a:stretch>
-        </p:blipFill>
-        <p:spPr>
-          <a:xfrm>
-            <a:off x="2833167" y="1768591"/>
-            <a:ext cx="6525666" cy="2953798"/>
-          </a:xfrm>
-          <a:prstGeom prst="rect">
-            <a:avLst/>
-          </a:prstGeom>
-        </p:spPr>
-      </p:pic>
-      <p:sp>
-        <p:nvSpPr>
-          <p:cNvPr id="10" name="TextBox 9">
-            <a:extLst>
-              <a:ext uri="{FF2B5EF4-FFF2-40B4-BE49-F238E27FC236}">
-                <a16:creationId xmlns:a16="http://schemas.microsoft.com/office/drawing/2014/main" id="{D488CF05-6AC9-4979-A91F-7ECA7FE1A531}"/>
-              </a:ext>
-            </a:extLst>
-          </p:cNvPr>
-          <p:cNvSpPr txBox="1"/>
-          <p:nvPr/>
-        </p:nvSpPr>
-        <p:spPr>
-          <a:xfrm>
-            <a:off x="2081598" y="4717110"/>
-            <a:ext cx="8305799" cy="369332"/>
-          </a:xfrm>
-          <a:prstGeom prst="rect">
-            <a:avLst/>
-          </a:prstGeom>
-          <a:noFill/>
-        </p:spPr>
-        <p:txBody>
-          <a:bodyPr wrap="square">
-            <a:spAutoFit/>
-          </a:bodyPr>
-          <a:lstStyle/>
-          <a:p>
-            <a:r>
-              <a:rPr lang="da-DK" b="0" dirty="0">
-                <a:effectLst/>
-                <a:hlinkClick r:id="rId4"/>
-              </a:rPr>
-              <a:t>https://www.nature.com/news/1-500-scientists-lift-the-lid-on-reproducibility-1.19970</a:t>
-            </a:r>
-            <a:endParaRPr lang="da-DK" dirty="0"/>
-          </a:p>
-        </p:txBody>
-      </p:sp>
-    </p:spTree>
-    <p:extLst>
-      <p:ext uri="{BB962C8B-B14F-4D97-AF65-F5344CB8AC3E}">
-        <p14:creationId xmlns:p14="http://schemas.microsoft.com/office/powerpoint/2010/main" val="1491635178"/>
-      </p:ext>
-    </p:extLst>
-  </p:cSld>
-  <p:clrMapOvr>
-    <a:masterClrMapping/>
-  </p:clrMapOvr>
-</p:sld>
-</file>
-
-<file path=ppt/slides/slide5.xml><?xml version="1.0" encoding="utf-8"?>
-<p:sld xmlns:a="http://schemas.openxmlformats.org/drawingml/2006/main" xmlns:r="http://schemas.openxmlformats.org/officeDocument/2006/relationships" xmlns:p="http://schemas.openxmlformats.org/presentationml/2006/main">
-  <p:cSld>
-    <p:spTree>
-      <p:nvGrpSpPr>
-        <p:cNvPr id="1" name=""/>
-        <p:cNvGrpSpPr/>
-        <p:nvPr/>
-      </p:nvGrpSpPr>
-      <p:grpSpPr>
-        <a:xfrm>
-          <a:off x="0" y="0"/>
-          <a:ext cx="0" cy="0"/>
-          <a:chOff x="0" y="0"/>
-          <a:chExt cx="0" cy="0"/>
-        </a:xfrm>
-      </p:grpSpPr>
-      <p:sp>
-        <p:nvSpPr>
-          <p:cNvPr id="2" name="Title 1">
-            <a:extLst>
-              <a:ext uri="{FF2B5EF4-FFF2-40B4-BE49-F238E27FC236}">
-                <a16:creationId xmlns:a16="http://schemas.microsoft.com/office/drawing/2014/main" id="{8AA4412B-4F4F-4F30-ABFA-C70120097C62}"/>
-              </a:ext>
-            </a:extLst>
-          </p:cNvPr>
-          <p:cNvSpPr>
-            <a:spLocks noGrp="1"/>
-          </p:cNvSpPr>
-          <p:nvPr>
-            <p:ph type="title"/>
-          </p:nvPr>
-        </p:nvSpPr>
-        <p:spPr/>
-        <p:txBody>
-          <a:bodyPr/>
-          <a:lstStyle/>
-          <a:p>
-            <a:r>
-              <a:rPr lang="da-DK" dirty="0"/>
-              <a:t>A closer look a machine learning</a:t>
-            </a:r>
-          </a:p>
-        </p:txBody>
-      </p:sp>
-      <p:sp>
-        <p:nvSpPr>
-          <p:cNvPr id="3" name="Content Placeholder 2">
-            <a:extLst>
-              <a:ext uri="{FF2B5EF4-FFF2-40B4-BE49-F238E27FC236}">
-                <a16:creationId xmlns:a16="http://schemas.microsoft.com/office/drawing/2014/main" id="{25301CB3-7AF8-4977-B266-8E86251C2119}"/>
-              </a:ext>
-            </a:extLst>
-          </p:cNvPr>
-          <p:cNvSpPr>
-            <a:spLocks noGrp="1"/>
-          </p:cNvSpPr>
-          <p:nvPr>
-            <p:ph idx="1"/>
-          </p:nvPr>
-        </p:nvSpPr>
-        <p:spPr>
-          <a:xfrm>
-            <a:off x="838200" y="1343608"/>
-            <a:ext cx="6963561" cy="4833355"/>
-          </a:xfrm>
-        </p:spPr>
-        <p:txBody>
-          <a:bodyPr/>
-          <a:lstStyle/>
-          <a:p>
-            <a:pPr marL="0" indent="0">
-              <a:buNone/>
-            </a:pPr>
-            <a:r>
-              <a:rPr lang="da-DK" dirty="0"/>
-              <a:t>Reimplement 255 and do hypothesis testing on what ”paper features” have an effect</a:t>
-            </a:r>
-          </a:p>
-        </p:txBody>
-      </p:sp>
-      <p:sp>
-        <p:nvSpPr>
-          <p:cNvPr id="4" name="Date Placeholder 3">
-            <a:extLst>
-              <a:ext uri="{FF2B5EF4-FFF2-40B4-BE49-F238E27FC236}">
-                <a16:creationId xmlns:a16="http://schemas.microsoft.com/office/drawing/2014/main" id="{AB7FD719-F9D5-4F4E-A978-0DD3D985E679}"/>
-              </a:ext>
-            </a:extLst>
-          </p:cNvPr>
-          <p:cNvSpPr>
-            <a:spLocks noGrp="1"/>
-          </p:cNvSpPr>
-          <p:nvPr>
-            <p:ph type="dt" sz="half" idx="10"/>
-          </p:nvPr>
-        </p:nvSpPr>
-        <p:spPr/>
-        <p:txBody>
-          <a:bodyPr/>
-          <a:lstStyle/>
-          <a:p>
-            <a:fld id="{019E29B9-5584-4737-9C98-1B926378C778}" type="datetime1">
-              <a:rPr lang="en-US" smtClean="0"/>
-              <a:t>6/21/2021</a:t>
-            </a:fld>
-            <a:endParaRPr lang="da-DK"/>
-          </a:p>
-        </p:txBody>
-      </p:sp>
-      <p:sp>
-        <p:nvSpPr>
-          <p:cNvPr id="5" name="Footer Placeholder 4">
-            <a:extLst>
-              <a:ext uri="{FF2B5EF4-FFF2-40B4-BE49-F238E27FC236}">
-                <a16:creationId xmlns:a16="http://schemas.microsoft.com/office/drawing/2014/main" id="{C3725D9D-5C98-48D9-BF64-307CA6247E7D}"/>
-              </a:ext>
-            </a:extLst>
-          </p:cNvPr>
-          <p:cNvSpPr>
-            <a:spLocks noGrp="1"/>
-          </p:cNvSpPr>
-          <p:nvPr>
-            <p:ph type="ftr" sz="quarter" idx="11"/>
-          </p:nvPr>
-        </p:nvSpPr>
-        <p:spPr/>
-        <p:txBody>
-          <a:bodyPr/>
-          <a:lstStyle/>
-          <a:p>
-            <a:r>
-              <a:rPr lang="da-DK"/>
-              <a:t>Nicki Skafte Detlefsen</a:t>
-            </a:r>
-          </a:p>
-        </p:txBody>
-      </p:sp>
-      <p:sp>
-        <p:nvSpPr>
-          <p:cNvPr id="6" name="Slide Number Placeholder 5">
-            <a:extLst>
-              <a:ext uri="{FF2B5EF4-FFF2-40B4-BE49-F238E27FC236}">
-                <a16:creationId xmlns:a16="http://schemas.microsoft.com/office/drawing/2014/main" id="{4D1F801A-EAA1-43EA-84CE-802318D01317}"/>
-              </a:ext>
-            </a:extLst>
-          </p:cNvPr>
-          <p:cNvSpPr>
-            <a:spLocks noGrp="1"/>
-          </p:cNvSpPr>
-          <p:nvPr>
-            <p:ph type="sldNum" sz="quarter" idx="12"/>
-          </p:nvPr>
-        </p:nvSpPr>
-        <p:spPr/>
-        <p:txBody>
-          <a:bodyPr/>
-          <a:lstStyle/>
-          <a:p>
-            <a:fld id="{F6FEDE24-D50C-481B-A7B4-8AF13899101A}" type="slidenum">
-              <a:rPr lang="da-DK" smtClean="0"/>
-              <a:t>5</a:t>
-            </a:fld>
-            <a:endParaRPr lang="da-DK"/>
-          </a:p>
-        </p:txBody>
-      </p:sp>
-      <p:pic>
-        <p:nvPicPr>
-          <p:cNvPr id="8" name="Picture 7">
-            <a:extLst>
-              <a:ext uri="{FF2B5EF4-FFF2-40B4-BE49-F238E27FC236}">
-                <a16:creationId xmlns:a16="http://schemas.microsoft.com/office/drawing/2014/main" id="{F1F9D9F7-E2CF-492E-9DD9-3A5EC2A91903}"/>
-              </a:ext>
-            </a:extLst>
-          </p:cNvPr>
-          <p:cNvPicPr>
-            <a:picLocks noChangeAspect="1"/>
-          </p:cNvPicPr>
-          <p:nvPr/>
-        </p:nvPicPr>
-        <p:blipFill>
-          <a:blip r:embed="rId2"/>
-          <a:stretch>
-            <a:fillRect/>
-          </a:stretch>
-        </p:blipFill>
-        <p:spPr>
-          <a:xfrm>
-            <a:off x="866862" y="2442364"/>
-            <a:ext cx="4960862" cy="3773152"/>
-          </a:xfrm>
-          <a:prstGeom prst="rect">
-            <a:avLst/>
-          </a:prstGeom>
-        </p:spPr>
-      </p:pic>
-      <p:pic>
-        <p:nvPicPr>
-          <p:cNvPr id="10" name="Picture 9">
-            <a:extLst>
-              <a:ext uri="{FF2B5EF4-FFF2-40B4-BE49-F238E27FC236}">
-                <a16:creationId xmlns:a16="http://schemas.microsoft.com/office/drawing/2014/main" id="{25D780D3-D518-4EE6-9F51-E92993C50DB1}"/>
-              </a:ext>
-            </a:extLst>
-          </p:cNvPr>
-          <p:cNvPicPr>
-            <a:picLocks noChangeAspect="1"/>
-          </p:cNvPicPr>
-          <p:nvPr/>
-        </p:nvPicPr>
-        <p:blipFill>
-          <a:blip r:embed="rId3"/>
-          <a:stretch>
-            <a:fillRect/>
-          </a:stretch>
-        </p:blipFill>
-        <p:spPr>
-          <a:xfrm>
-            <a:off x="7947740" y="874210"/>
-            <a:ext cx="3009900" cy="5772150"/>
-          </a:xfrm>
-          <a:prstGeom prst="rect">
-            <a:avLst/>
-          </a:prstGeom>
-        </p:spPr>
-      </p:pic>
-    </p:spTree>
-    <p:extLst>
-      <p:ext uri="{BB962C8B-B14F-4D97-AF65-F5344CB8AC3E}">
-        <p14:creationId xmlns:p14="http://schemas.microsoft.com/office/powerpoint/2010/main" val="1865320365"/>
-      </p:ext>
-    </p:extLst>
-  </p:cSld>
-  <p:clrMapOvr>
-    <a:masterClrMapping/>
-  </p:clrMapOvr>
-</p:sld>
-</file>
-
-<file path=ppt/slides/slide6.xml><?xml version="1.0" encoding="utf-8"?>
-<p:sld xmlns:a="http://schemas.openxmlformats.org/drawingml/2006/main" xmlns:r="http://schemas.openxmlformats.org/officeDocument/2006/relationships" xmlns:p="http://schemas.openxmlformats.org/presentationml/2006/main">
-  <p:cSld>
-    <p:spTree>
-      <p:nvGrpSpPr>
-        <p:cNvPr id="1" name=""/>
-        <p:cNvGrpSpPr/>
-        <p:nvPr/>
-      </p:nvGrpSpPr>
-      <p:grpSpPr>
-        <a:xfrm>
-          <a:off x="0" y="0"/>
-          <a:ext cx="0" cy="0"/>
-          <a:chOff x="0" y="0"/>
-          <a:chExt cx="0" cy="0"/>
-        </a:xfrm>
-      </p:grpSpPr>
-      <p:sp>
-        <p:nvSpPr>
-          <p:cNvPr id="2" name="Title 1">
-            <a:extLst>
-              <a:ext uri="{FF2B5EF4-FFF2-40B4-BE49-F238E27FC236}">
-                <a16:creationId xmlns:a16="http://schemas.microsoft.com/office/drawing/2014/main" id="{4127F9B6-4C36-482C-94CB-D467FA7451CE}"/>
-              </a:ext>
-            </a:extLst>
-          </p:cNvPr>
-          <p:cNvSpPr>
-            <a:spLocks noGrp="1"/>
-          </p:cNvSpPr>
-          <p:nvPr>
-            <p:ph type="title"/>
-          </p:nvPr>
-        </p:nvSpPr>
-        <p:spPr/>
-        <p:txBody>
-          <a:bodyPr/>
-          <a:lstStyle/>
-          <a:p>
-            <a:r>
-              <a:rPr lang="da-DK" dirty="0"/>
-              <a:t>What is the field trying to do about it?</a:t>
-            </a:r>
-          </a:p>
-        </p:txBody>
-      </p:sp>
-      <p:sp>
-        <p:nvSpPr>
-          <p:cNvPr id="3" name="Content Placeholder 2">
-            <a:extLst>
-              <a:ext uri="{FF2B5EF4-FFF2-40B4-BE49-F238E27FC236}">
-                <a16:creationId xmlns:a16="http://schemas.microsoft.com/office/drawing/2014/main" id="{CA6E8977-FCDE-4374-8F7F-7570B82DAA1E}"/>
-              </a:ext>
-            </a:extLst>
-          </p:cNvPr>
-          <p:cNvSpPr>
-            <a:spLocks noGrp="1"/>
-          </p:cNvSpPr>
-          <p:nvPr>
-            <p:ph idx="1"/>
-          </p:nvPr>
-        </p:nvSpPr>
-        <p:spPr/>
-        <p:txBody>
-          <a:bodyPr/>
-          <a:lstStyle/>
-          <a:p>
-            <a:pPr marL="0" indent="0">
-              <a:buNone/>
-            </a:pPr>
-            <a:r>
-              <a:rPr lang="da-DK" dirty="0">
-                <a:hlinkClick r:id="rId2"/>
-              </a:rPr>
-              <a:t>https://paperswithcode.com/</a:t>
-            </a:r>
-            <a:r>
-              <a:rPr lang="da-DK" dirty="0"/>
-              <a:t>	      Neurips checklist:</a:t>
-            </a:r>
-          </a:p>
-        </p:txBody>
-      </p:sp>
-      <p:sp>
-        <p:nvSpPr>
-          <p:cNvPr id="4" name="Date Placeholder 3">
-            <a:extLst>
-              <a:ext uri="{FF2B5EF4-FFF2-40B4-BE49-F238E27FC236}">
-                <a16:creationId xmlns:a16="http://schemas.microsoft.com/office/drawing/2014/main" id="{8F9DF8B0-C4DC-4FA9-B508-40B00A59477A}"/>
-              </a:ext>
-            </a:extLst>
-          </p:cNvPr>
-          <p:cNvSpPr>
-            <a:spLocks noGrp="1"/>
-          </p:cNvSpPr>
-          <p:nvPr>
-            <p:ph type="dt" sz="half" idx="10"/>
-          </p:nvPr>
-        </p:nvSpPr>
-        <p:spPr/>
-        <p:txBody>
-          <a:bodyPr/>
-          <a:lstStyle/>
-          <a:p>
-            <a:fld id="{019E29B9-5584-4737-9C98-1B926378C778}" type="datetime1">
-              <a:rPr lang="en-US" smtClean="0"/>
-              <a:t>6/21/2021</a:t>
-            </a:fld>
-            <a:endParaRPr lang="da-DK"/>
-          </a:p>
-        </p:txBody>
-      </p:sp>
-      <p:sp>
-        <p:nvSpPr>
-          <p:cNvPr id="5" name="Footer Placeholder 4">
-            <a:extLst>
-              <a:ext uri="{FF2B5EF4-FFF2-40B4-BE49-F238E27FC236}">
-                <a16:creationId xmlns:a16="http://schemas.microsoft.com/office/drawing/2014/main" id="{2B9C72A5-20AB-46A8-BCB6-B6F142C0DA8C}"/>
-              </a:ext>
-            </a:extLst>
-          </p:cNvPr>
-          <p:cNvSpPr>
-            <a:spLocks noGrp="1"/>
-          </p:cNvSpPr>
-          <p:nvPr>
-            <p:ph type="ftr" sz="quarter" idx="11"/>
-          </p:nvPr>
-        </p:nvSpPr>
-        <p:spPr/>
-        <p:txBody>
-          <a:bodyPr/>
-          <a:lstStyle/>
-          <a:p>
-            <a:r>
-              <a:rPr lang="da-DK"/>
-              <a:t>Nicki Skafte Detlefsen</a:t>
-            </a:r>
-          </a:p>
-        </p:txBody>
-      </p:sp>
-      <p:sp>
-        <p:nvSpPr>
-          <p:cNvPr id="6" name="Slide Number Placeholder 5">
-            <a:extLst>
-              <a:ext uri="{FF2B5EF4-FFF2-40B4-BE49-F238E27FC236}">
-                <a16:creationId xmlns:a16="http://schemas.microsoft.com/office/drawing/2014/main" id="{DC25B979-DF36-446F-9A45-FC90E805403A}"/>
-              </a:ext>
-            </a:extLst>
-          </p:cNvPr>
-          <p:cNvSpPr>
-            <a:spLocks noGrp="1"/>
-          </p:cNvSpPr>
-          <p:nvPr>
-            <p:ph type="sldNum" sz="quarter" idx="12"/>
-          </p:nvPr>
-        </p:nvSpPr>
-        <p:spPr/>
-        <p:txBody>
-          <a:bodyPr/>
-          <a:lstStyle/>
-          <a:p>
-            <a:fld id="{F6FEDE24-D50C-481B-A7B4-8AF13899101A}" type="slidenum">
-              <a:rPr lang="da-DK" smtClean="0"/>
-              <a:t>6</a:t>
-            </a:fld>
-            <a:endParaRPr lang="da-DK"/>
-          </a:p>
-        </p:txBody>
-      </p:sp>
-      <p:pic>
-        <p:nvPicPr>
-          <p:cNvPr id="8" name="Picture 7">
-            <a:extLst>
-              <a:ext uri="{FF2B5EF4-FFF2-40B4-BE49-F238E27FC236}">
-                <a16:creationId xmlns:a16="http://schemas.microsoft.com/office/drawing/2014/main" id="{83202E3B-0323-48CC-9E2C-E58E3BC8189C}"/>
-              </a:ext>
-            </a:extLst>
-          </p:cNvPr>
-          <p:cNvPicPr>
-            <a:picLocks noChangeAspect="1"/>
-          </p:cNvPicPr>
-          <p:nvPr/>
-        </p:nvPicPr>
-        <p:blipFill rotWithShape="1">
-          <a:blip r:embed="rId3"/>
-          <a:srcRect r="13142"/>
-          <a:stretch/>
-        </p:blipFill>
-        <p:spPr>
-          <a:xfrm>
-            <a:off x="838200" y="1981777"/>
-            <a:ext cx="4965441" cy="3930242"/>
-          </a:xfrm>
-          <a:prstGeom prst="rect">
-            <a:avLst/>
-          </a:prstGeom>
-        </p:spPr>
-      </p:pic>
-      <p:pic>
-        <p:nvPicPr>
-          <p:cNvPr id="10" name="Picture 9">
-            <a:extLst>
-              <a:ext uri="{FF2B5EF4-FFF2-40B4-BE49-F238E27FC236}">
-                <a16:creationId xmlns:a16="http://schemas.microsoft.com/office/drawing/2014/main" id="{71A4576F-CA9F-49B3-9EB1-BF1A835B5801}"/>
-              </a:ext>
-            </a:extLst>
-          </p:cNvPr>
-          <p:cNvPicPr>
-            <a:picLocks noChangeAspect="1"/>
-          </p:cNvPicPr>
-          <p:nvPr/>
-        </p:nvPicPr>
-        <p:blipFill>
-          <a:blip r:embed="rId4"/>
-          <a:stretch>
-            <a:fillRect/>
-          </a:stretch>
-        </p:blipFill>
-        <p:spPr>
-          <a:xfrm>
-            <a:off x="5948208" y="1884710"/>
-            <a:ext cx="5324783" cy="4027309"/>
-          </a:xfrm>
-          <a:prstGeom prst="rect">
-            <a:avLst/>
-          </a:prstGeom>
-        </p:spPr>
-      </p:pic>
-    </p:spTree>
-    <p:extLst>
-      <p:ext uri="{BB962C8B-B14F-4D97-AF65-F5344CB8AC3E}">
-        <p14:creationId xmlns:p14="http://schemas.microsoft.com/office/powerpoint/2010/main" val="2265073708"/>
-      </p:ext>
-    </p:extLst>
-  </p:cSld>
-  <p:clrMapOvr>
-    <a:masterClrMapping/>
-  </p:clrMapOvr>
-</p:sld>
-</file>
-
-<file path=ppt/slides/slide7.xml><?xml version="1.0" encoding="utf-8"?>
-<p:sld xmlns:a="http://schemas.openxmlformats.org/drawingml/2006/main" xmlns:r="http://schemas.openxmlformats.org/officeDocument/2006/relationships" xmlns:p="http://schemas.openxmlformats.org/presentationml/2006/main">
-  <p:cSld>
-    <p:spTree>
-      <p:nvGrpSpPr>
-        <p:cNvPr id="1" name=""/>
-        <p:cNvGrpSpPr/>
-        <p:nvPr/>
-      </p:nvGrpSpPr>
-      <p:grpSpPr>
-        <a:xfrm>
-          <a:off x="0" y="0"/>
-          <a:ext cx="0" cy="0"/>
-          <a:chOff x="0" y="0"/>
-          <a:chExt cx="0" cy="0"/>
-        </a:xfrm>
-      </p:grpSpPr>
-      <p:sp>
-        <p:nvSpPr>
-          <p:cNvPr id="2" name="Title 1">
-            <a:extLst>
-              <a:ext uri="{FF2B5EF4-FFF2-40B4-BE49-F238E27FC236}">
-                <a16:creationId xmlns:a16="http://schemas.microsoft.com/office/drawing/2014/main" id="{B4FE2F94-B2F7-4E78-BB1E-945C249F7D86}"/>
-              </a:ext>
-            </a:extLst>
-          </p:cNvPr>
-          <p:cNvSpPr>
-            <a:spLocks noGrp="1"/>
-          </p:cNvSpPr>
-          <p:nvPr>
-            <p:ph type="title"/>
-          </p:nvPr>
-        </p:nvSpPr>
-        <p:spPr/>
-        <p:txBody>
-          <a:bodyPr/>
-          <a:lstStyle/>
-          <a:p>
-            <a:r>
-              <a:rPr lang="da-DK" dirty="0"/>
-              <a:t>What can you do about it?</a:t>
-            </a:r>
-          </a:p>
-        </p:txBody>
-      </p:sp>
-      <p:sp>
-        <p:nvSpPr>
-          <p:cNvPr id="3" name="Content Placeholder 2">
-            <a:extLst>
-              <a:ext uri="{FF2B5EF4-FFF2-40B4-BE49-F238E27FC236}">
-                <a16:creationId xmlns:a16="http://schemas.microsoft.com/office/drawing/2014/main" id="{DFAD2168-C8BA-4BFC-87B5-83CB54C8923C}"/>
-              </a:ext>
-            </a:extLst>
-          </p:cNvPr>
-          <p:cNvSpPr>
-            <a:spLocks noGrp="1"/>
-          </p:cNvSpPr>
-          <p:nvPr>
-            <p:ph idx="1"/>
-          </p:nvPr>
-        </p:nvSpPr>
-        <p:spPr>
-          <a:xfrm>
-            <a:off x="838200" y="1343608"/>
-            <a:ext cx="6309838" cy="4833355"/>
-          </a:xfrm>
-        </p:spPr>
-        <p:txBody>
-          <a:bodyPr/>
-          <a:lstStyle/>
-          <a:p>
-            <a:r>
-              <a:rPr lang="da-DK" dirty="0"/>
-              <a:t>Make sure to document everything about our experiments</a:t>
-            </a:r>
-          </a:p>
-        </p:txBody>
-      </p:sp>
-      <p:sp>
-        <p:nvSpPr>
-          <p:cNvPr id="4" name="Date Placeholder 3">
-            <a:extLst>
-              <a:ext uri="{FF2B5EF4-FFF2-40B4-BE49-F238E27FC236}">
-                <a16:creationId xmlns:a16="http://schemas.microsoft.com/office/drawing/2014/main" id="{D7AA5EAE-BCF5-494A-8840-BAB2DB080121}"/>
-              </a:ext>
-            </a:extLst>
-          </p:cNvPr>
-          <p:cNvSpPr>
-            <a:spLocks noGrp="1"/>
-          </p:cNvSpPr>
-          <p:nvPr>
-            <p:ph type="dt" sz="half" idx="10"/>
-          </p:nvPr>
-        </p:nvSpPr>
-        <p:spPr/>
-        <p:txBody>
-          <a:bodyPr/>
-          <a:lstStyle/>
-          <a:p>
-            <a:fld id="{019E29B9-5584-4737-9C98-1B926378C778}" type="datetime1">
-              <a:rPr lang="en-US" smtClean="0"/>
-              <a:t>6/21/2021</a:t>
-            </a:fld>
-            <a:endParaRPr lang="da-DK"/>
-          </a:p>
-        </p:txBody>
-      </p:sp>
-      <p:sp>
-        <p:nvSpPr>
-          <p:cNvPr id="5" name="Footer Placeholder 4">
-            <a:extLst>
-              <a:ext uri="{FF2B5EF4-FFF2-40B4-BE49-F238E27FC236}">
-                <a16:creationId xmlns:a16="http://schemas.microsoft.com/office/drawing/2014/main" id="{C56F4463-0C30-41A6-9157-318B6BF4A1C3}"/>
-              </a:ext>
-            </a:extLst>
-          </p:cNvPr>
-          <p:cNvSpPr>
-            <a:spLocks noGrp="1"/>
-          </p:cNvSpPr>
-          <p:nvPr>
-            <p:ph type="ftr" sz="quarter" idx="11"/>
-          </p:nvPr>
-        </p:nvSpPr>
-        <p:spPr/>
-        <p:txBody>
-          <a:bodyPr/>
-          <a:lstStyle/>
-          <a:p>
-            <a:r>
-              <a:rPr lang="da-DK"/>
-              <a:t>Nicki Skafte Detlefsen</a:t>
-            </a:r>
-          </a:p>
-        </p:txBody>
-      </p:sp>
-      <p:sp>
-        <p:nvSpPr>
-          <p:cNvPr id="6" name="Slide Number Placeholder 5">
-            <a:extLst>
-              <a:ext uri="{FF2B5EF4-FFF2-40B4-BE49-F238E27FC236}">
-                <a16:creationId xmlns:a16="http://schemas.microsoft.com/office/drawing/2014/main" id="{172D4E20-7032-4931-8B36-4F4739850DC7}"/>
-              </a:ext>
-            </a:extLst>
-          </p:cNvPr>
-          <p:cNvSpPr>
-            <a:spLocks noGrp="1"/>
-          </p:cNvSpPr>
-          <p:nvPr>
-            <p:ph type="sldNum" sz="quarter" idx="12"/>
-          </p:nvPr>
-        </p:nvSpPr>
-        <p:spPr/>
-        <p:txBody>
-          <a:bodyPr/>
-          <a:lstStyle/>
-          <a:p>
-            <a:fld id="{F6FEDE24-D50C-481B-A7B4-8AF13899101A}" type="slidenum">
-              <a:rPr lang="da-DK" smtClean="0"/>
-              <a:t>7</a:t>
-            </a:fld>
-            <a:endParaRPr lang="da-DK"/>
-          </a:p>
-        </p:txBody>
-      </p:sp>
-      <p:pic>
-        <p:nvPicPr>
-          <p:cNvPr id="7" name="Picture 6" descr="Diagram&#10;&#10;Description automatically generated">
-            <a:extLst>
-              <a:ext uri="{FF2B5EF4-FFF2-40B4-BE49-F238E27FC236}">
-                <a16:creationId xmlns:a16="http://schemas.microsoft.com/office/drawing/2014/main" id="{A64422B9-7FD2-46C2-9BDE-8322469FD302}"/>
-              </a:ext>
-            </a:extLst>
-          </p:cNvPr>
-          <p:cNvPicPr>
-            <a:picLocks noChangeAspect="1"/>
-          </p:cNvPicPr>
-          <p:nvPr/>
-        </p:nvPicPr>
-        <p:blipFill>
-          <a:blip r:embed="rId2">
-            <a:extLst>
-              <a:ext uri="{28A0092B-C50C-407E-A947-70E740481C1C}">
-                <a14:useLocalDpi xmlns:a14="http://schemas.microsoft.com/office/drawing/2010/main" val="0"/>
-              </a:ext>
-            </a:extLst>
-          </a:blip>
-          <a:stretch>
-            <a:fillRect/>
-          </a:stretch>
-        </p:blipFill>
-        <p:spPr>
-          <a:xfrm>
-            <a:off x="7505700" y="1343608"/>
-            <a:ext cx="4586762" cy="4586762"/>
-          </a:xfrm>
-          <a:prstGeom prst="rect">
-            <a:avLst/>
-          </a:prstGeom>
-        </p:spPr>
-      </p:pic>
-      <p:cxnSp>
-        <p:nvCxnSpPr>
-          <p:cNvPr id="9" name="Straight Arrow Connector 8">
-            <a:extLst>
-              <a:ext uri="{FF2B5EF4-FFF2-40B4-BE49-F238E27FC236}">
-                <a16:creationId xmlns:a16="http://schemas.microsoft.com/office/drawing/2014/main" id="{2F918FF8-0945-40E6-8498-91DBA19409E8}"/>
-              </a:ext>
-            </a:extLst>
-          </p:cNvPr>
-          <p:cNvCxnSpPr/>
-          <p:nvPr/>
-        </p:nvCxnSpPr>
-        <p:spPr>
-          <a:xfrm flipV="1">
-            <a:off x="8190469" y="5379964"/>
-            <a:ext cx="292100" cy="241300"/>
-          </a:xfrm>
-          <a:prstGeom prst="straightConnector1">
-            <a:avLst/>
-          </a:prstGeom>
-          <a:ln w="38100">
-            <a:solidFill>
-              <a:srgbClr val="FF0000"/>
-            </a:solidFill>
-            <a:tailEnd type="triangle"/>
-          </a:ln>
-        </p:spPr>
-        <p:style>
-          <a:lnRef idx="1">
-            <a:schemeClr val="accent1"/>
-          </a:lnRef>
-          <a:fillRef idx="0">
-            <a:schemeClr val="accent1"/>
-          </a:fillRef>
-          <a:effectRef idx="0">
-            <a:schemeClr val="accent1"/>
-          </a:effectRef>
-          <a:fontRef idx="minor">
-            <a:schemeClr val="tx1"/>
-          </a:fontRef>
-        </p:style>
-      </p:cxnSp>
-      <p:sp>
-        <p:nvSpPr>
-          <p:cNvPr id="10" name="TextBox 9">
-            <a:extLst>
-              <a:ext uri="{FF2B5EF4-FFF2-40B4-BE49-F238E27FC236}">
-                <a16:creationId xmlns:a16="http://schemas.microsoft.com/office/drawing/2014/main" id="{57094828-62D9-475E-8D26-8361C5A66639}"/>
-              </a:ext>
-            </a:extLst>
-          </p:cNvPr>
-          <p:cNvSpPr txBox="1"/>
-          <p:nvPr/>
-        </p:nvSpPr>
-        <p:spPr>
-          <a:xfrm>
-            <a:off x="6351031" y="5500614"/>
-            <a:ext cx="2309338" cy="1015663"/>
-          </a:xfrm>
-          <a:prstGeom prst="rect">
-            <a:avLst/>
-          </a:prstGeom>
-          <a:noFill/>
-        </p:spPr>
-        <p:txBody>
-          <a:bodyPr wrap="square" rtlCol="0">
-            <a:spAutoFit/>
-          </a:bodyPr>
-          <a:lstStyle/>
-          <a:p>
-            <a:r>
-              <a:rPr lang="da-DK" sz="2000" dirty="0"/>
-              <a:t>Document this step as thoroughly as possible</a:t>
-            </a:r>
-          </a:p>
-        </p:txBody>
-      </p:sp>
-      <p:graphicFrame>
-        <p:nvGraphicFramePr>
-          <p:cNvPr id="14" name="Diagram 13">
-            <a:extLst>
-              <a:ext uri="{FF2B5EF4-FFF2-40B4-BE49-F238E27FC236}">
-                <a16:creationId xmlns:a16="http://schemas.microsoft.com/office/drawing/2014/main" id="{FF278FC1-7847-4C16-9749-97C4F5E19891}"/>
-              </a:ext>
-            </a:extLst>
-          </p:cNvPr>
-          <p:cNvGraphicFramePr/>
-          <p:nvPr>
-            <p:extLst>
-              <p:ext uri="{D42A27DB-BD31-4B8C-83A1-F6EECF244321}">
-                <p14:modId xmlns:p14="http://schemas.microsoft.com/office/powerpoint/2010/main" val="1994802768"/>
-              </p:ext>
-            </p:extLst>
-          </p:nvPr>
-        </p:nvGraphicFramePr>
-        <p:xfrm>
-          <a:off x="1090654" y="2428848"/>
-          <a:ext cx="4064000" cy="3801533"/>
-        </p:xfrm>
-        <a:graphic>
-          <a:graphicData uri="http://schemas.openxmlformats.org/drawingml/2006/diagram">
-            <dgm:relIds xmlns:dgm="http://schemas.openxmlformats.org/drawingml/2006/diagram" xmlns:r="http://schemas.openxmlformats.org/officeDocument/2006/relationships" r:dm="rId3" r:lo="rId4" r:qs="rId5" r:cs="rId6"/>
-          </a:graphicData>
-        </a:graphic>
-      </p:graphicFrame>
-      <p:sp>
-        <p:nvSpPr>
-          <p:cNvPr id="15" name="TextBox 14">
-            <a:extLst>
-              <a:ext uri="{FF2B5EF4-FFF2-40B4-BE49-F238E27FC236}">
-                <a16:creationId xmlns:a16="http://schemas.microsoft.com/office/drawing/2014/main" id="{C01E454B-439B-4D5C-AD2B-B76C3D1981EF}"/>
-              </a:ext>
-            </a:extLst>
-          </p:cNvPr>
-          <p:cNvSpPr txBox="1"/>
-          <p:nvPr/>
-        </p:nvSpPr>
-        <p:spPr>
-          <a:xfrm>
-            <a:off x="3707110" y="2782669"/>
-            <a:ext cx="2045731" cy="646331"/>
-          </a:xfrm>
-          <a:prstGeom prst="rect">
-            <a:avLst/>
-          </a:prstGeom>
-          <a:noFill/>
-        </p:spPr>
-        <p:txBody>
-          <a:bodyPr wrap="square" rtlCol="0">
-            <a:spAutoFit/>
-          </a:bodyPr>
-          <a:lstStyle/>
-          <a:p>
-            <a:r>
-              <a:rPr lang="da-DK" dirty="0"/>
-              <a:t>Number of devices</a:t>
-            </a:r>
-          </a:p>
-          <a:p>
-            <a:r>
-              <a:rPr lang="da-DK" dirty="0"/>
-              <a:t>Type of devices</a:t>
-            </a:r>
-          </a:p>
-        </p:txBody>
-      </p:sp>
-      <p:sp>
-        <p:nvSpPr>
-          <p:cNvPr id="17" name="TextBox 16">
-            <a:extLst>
-              <a:ext uri="{FF2B5EF4-FFF2-40B4-BE49-F238E27FC236}">
-                <a16:creationId xmlns:a16="http://schemas.microsoft.com/office/drawing/2014/main" id="{CEF4E87D-6813-4986-99C1-A79C43EA0EF7}"/>
-              </a:ext>
-            </a:extLst>
-          </p:cNvPr>
-          <p:cNvSpPr txBox="1"/>
-          <p:nvPr/>
-        </p:nvSpPr>
-        <p:spPr>
-          <a:xfrm>
-            <a:off x="3720750" y="3956474"/>
-            <a:ext cx="2045731" cy="1200329"/>
-          </a:xfrm>
-          <a:prstGeom prst="rect">
-            <a:avLst/>
-          </a:prstGeom>
-          <a:noFill/>
-        </p:spPr>
-        <p:txBody>
-          <a:bodyPr wrap="square" rtlCol="0">
-            <a:spAutoFit/>
-          </a:bodyPr>
-          <a:lstStyle/>
-          <a:p>
-            <a:r>
-              <a:rPr lang="da-DK" dirty="0"/>
-              <a:t>Operating system</a:t>
-            </a:r>
-          </a:p>
-          <a:p>
-            <a:r>
-              <a:rPr lang="da-DK" dirty="0"/>
-              <a:t>Package versions</a:t>
-            </a:r>
-          </a:p>
-          <a:p>
-            <a:endParaRPr lang="da-DK" dirty="0"/>
-          </a:p>
-          <a:p>
-            <a:endParaRPr lang="da-DK" dirty="0"/>
-          </a:p>
-        </p:txBody>
-      </p:sp>
-      <p:sp>
-        <p:nvSpPr>
-          <p:cNvPr id="18" name="TextBox 17">
-            <a:extLst>
-              <a:ext uri="{FF2B5EF4-FFF2-40B4-BE49-F238E27FC236}">
-                <a16:creationId xmlns:a16="http://schemas.microsoft.com/office/drawing/2014/main" id="{4AE58072-44F5-498E-BBD5-ED2151528AF8}"/>
-              </a:ext>
-            </a:extLst>
-          </p:cNvPr>
-          <p:cNvSpPr txBox="1"/>
-          <p:nvPr/>
-        </p:nvSpPr>
-        <p:spPr>
-          <a:xfrm>
-            <a:off x="3690286" y="4986135"/>
-            <a:ext cx="2045731" cy="1754326"/>
-          </a:xfrm>
-          <a:prstGeom prst="rect">
-            <a:avLst/>
-          </a:prstGeom>
-          <a:noFill/>
-        </p:spPr>
-        <p:txBody>
-          <a:bodyPr wrap="square" rtlCol="0">
-            <a:spAutoFit/>
-          </a:bodyPr>
-          <a:lstStyle/>
-          <a:p>
-            <a:r>
-              <a:rPr lang="da-DK" dirty="0"/>
-              <a:t>Runable code</a:t>
-            </a:r>
-          </a:p>
-          <a:p>
-            <a:r>
-              <a:rPr lang="da-DK" dirty="0"/>
-              <a:t>Public data</a:t>
-            </a:r>
-          </a:p>
-          <a:p>
-            <a:r>
-              <a:rPr lang="da-DK" dirty="0"/>
-              <a:t>Precise configuration</a:t>
-            </a:r>
-          </a:p>
-          <a:p>
-            <a:endParaRPr lang="da-DK" dirty="0"/>
-          </a:p>
-          <a:p>
-            <a:endParaRPr lang="da-DK" dirty="0"/>
-          </a:p>
-        </p:txBody>
-      </p:sp>
-      <p:sp>
-        <p:nvSpPr>
-          <p:cNvPr id="19" name="TextBox 18">
-            <a:extLst>
-              <a:ext uri="{FF2B5EF4-FFF2-40B4-BE49-F238E27FC236}">
-                <a16:creationId xmlns:a16="http://schemas.microsoft.com/office/drawing/2014/main" id="{D1315D7B-FE35-421B-A82F-30DC29BA5067}"/>
-              </a:ext>
-            </a:extLst>
-          </p:cNvPr>
-          <p:cNvSpPr txBox="1"/>
-          <p:nvPr/>
-        </p:nvSpPr>
-        <p:spPr>
-          <a:xfrm>
-            <a:off x="312696" y="2806700"/>
-            <a:ext cx="2045731" cy="461665"/>
-          </a:xfrm>
-          <a:prstGeom prst="rect">
-            <a:avLst/>
-          </a:prstGeom>
-          <a:noFill/>
-        </p:spPr>
-        <p:txBody>
-          <a:bodyPr wrap="square" rtlCol="0">
-            <a:spAutoFit/>
-          </a:bodyPr>
-          <a:lstStyle/>
-          <a:p>
-            <a:r>
-              <a:rPr lang="da-DK" sz="2400" dirty="0"/>
-              <a:t>Physical setup</a:t>
-            </a:r>
-          </a:p>
-        </p:txBody>
-      </p:sp>
-      <p:sp>
-        <p:nvSpPr>
-          <p:cNvPr id="20" name="TextBox 19">
-            <a:extLst>
-              <a:ext uri="{FF2B5EF4-FFF2-40B4-BE49-F238E27FC236}">
-                <a16:creationId xmlns:a16="http://schemas.microsoft.com/office/drawing/2014/main" id="{AC2CE774-C004-4B54-AE16-C5CD8DA48102}"/>
-              </a:ext>
-            </a:extLst>
-          </p:cNvPr>
-          <p:cNvSpPr txBox="1"/>
-          <p:nvPr/>
-        </p:nvSpPr>
-        <p:spPr>
-          <a:xfrm>
-            <a:off x="312696" y="3960283"/>
-            <a:ext cx="2045731" cy="461665"/>
-          </a:xfrm>
-          <a:prstGeom prst="rect">
-            <a:avLst/>
-          </a:prstGeom>
-          <a:noFill/>
-        </p:spPr>
-        <p:txBody>
-          <a:bodyPr wrap="square" rtlCol="0">
-            <a:spAutoFit/>
-          </a:bodyPr>
-          <a:lstStyle/>
-          <a:p>
-            <a:r>
-              <a:rPr lang="da-DK" sz="2400" dirty="0"/>
-              <a:t>Software</a:t>
-            </a:r>
-          </a:p>
-        </p:txBody>
-      </p:sp>
-      <p:sp>
-        <p:nvSpPr>
-          <p:cNvPr id="21" name="TextBox 20">
-            <a:extLst>
-              <a:ext uri="{FF2B5EF4-FFF2-40B4-BE49-F238E27FC236}">
-                <a16:creationId xmlns:a16="http://schemas.microsoft.com/office/drawing/2014/main" id="{BCCC0E05-0C7C-424D-A8D9-D32AD55CBFB5}"/>
-              </a:ext>
-            </a:extLst>
-          </p:cNvPr>
-          <p:cNvSpPr txBox="1"/>
-          <p:nvPr/>
-        </p:nvSpPr>
-        <p:spPr>
-          <a:xfrm>
-            <a:off x="312696" y="5315948"/>
-            <a:ext cx="2045731" cy="461665"/>
-          </a:xfrm>
-          <a:prstGeom prst="rect">
-            <a:avLst/>
-          </a:prstGeom>
-          <a:noFill/>
-        </p:spPr>
-        <p:txBody>
-          <a:bodyPr wrap="square" rtlCol="0">
-            <a:spAutoFit/>
-          </a:bodyPr>
-          <a:lstStyle/>
-          <a:p>
-            <a:r>
-              <a:rPr lang="da-DK" sz="2400" dirty="0"/>
-              <a:t>Code</a:t>
-            </a:r>
-          </a:p>
-        </p:txBody>
-      </p:sp>
-    </p:spTree>
-    <p:extLst>
-      <p:ext uri="{BB962C8B-B14F-4D97-AF65-F5344CB8AC3E}">
-        <p14:creationId xmlns:p14="http://schemas.microsoft.com/office/powerpoint/2010/main" val="621665520"/>
-      </p:ext>
-    </p:extLst>
-  </p:cSld>
-  <p:clrMapOvr>
-    <a:masterClrMapping/>
-  </p:clrMapOvr>
-</p:sld>
-</file>
-
-<file path=ppt/slides/slide8.xml><?xml version="1.0" encoding="utf-8"?>
-<p:sld xmlns:a="http://schemas.openxmlformats.org/drawingml/2006/main" xmlns:r="http://schemas.openxmlformats.org/officeDocument/2006/relationships" xmlns:p="http://schemas.openxmlformats.org/presentationml/2006/main">
-  <p:cSld>
-    <p:spTree>
-      <p:nvGrpSpPr>
-        <p:cNvPr id="1" name=""/>
-        <p:cNvGrpSpPr/>
-        <p:nvPr/>
-      </p:nvGrpSpPr>
-      <p:grpSpPr>
-        <a:xfrm>
-          <a:off x="0" y="0"/>
-          <a:ext cx="0" cy="0"/>
-          <a:chOff x="0" y="0"/>
-          <a:chExt cx="0" cy="0"/>
-        </a:xfrm>
-      </p:grpSpPr>
-      <p:sp>
-        <p:nvSpPr>
-          <p:cNvPr id="2" name="Title 1">
-            <a:extLst>
-              <a:ext uri="{FF2B5EF4-FFF2-40B4-BE49-F238E27FC236}">
-                <a16:creationId xmlns:a16="http://schemas.microsoft.com/office/drawing/2014/main" id="{BD1408E1-A369-44FF-B8DA-B0DA3C6CE9DA}"/>
-              </a:ext>
-            </a:extLst>
-          </p:cNvPr>
-          <p:cNvSpPr>
-            <a:spLocks noGrp="1"/>
-          </p:cNvSpPr>
-          <p:nvPr>
-            <p:ph type="title"/>
-          </p:nvPr>
-        </p:nvSpPr>
-        <p:spPr/>
-        <p:txBody>
-          <a:bodyPr/>
-          <a:lstStyle/>
-          <a:p>
-            <a:r>
-              <a:rPr lang="da-DK" dirty="0"/>
-              <a:t>Closer look</a:t>
-            </a:r>
-          </a:p>
-        </p:txBody>
-      </p:sp>
-      <p:sp>
-        <p:nvSpPr>
-          <p:cNvPr id="4" name="Date Placeholder 3">
-            <a:extLst>
-              <a:ext uri="{FF2B5EF4-FFF2-40B4-BE49-F238E27FC236}">
-                <a16:creationId xmlns:a16="http://schemas.microsoft.com/office/drawing/2014/main" id="{8722E1AF-803F-4B31-8560-12F403F6566B}"/>
-              </a:ext>
-            </a:extLst>
-          </p:cNvPr>
-          <p:cNvSpPr>
-            <a:spLocks noGrp="1"/>
-          </p:cNvSpPr>
-          <p:nvPr>
-            <p:ph type="dt" sz="half" idx="10"/>
-          </p:nvPr>
-        </p:nvSpPr>
-        <p:spPr/>
-        <p:txBody>
-          <a:bodyPr/>
-          <a:lstStyle/>
-          <a:p>
-            <a:fld id="{019E29B9-5584-4737-9C98-1B926378C778}" type="datetime1">
-              <a:rPr lang="en-US" smtClean="0"/>
-              <a:t>6/21/2021</a:t>
-            </a:fld>
-            <a:endParaRPr lang="da-DK"/>
-          </a:p>
-        </p:txBody>
-      </p:sp>
-      <p:sp>
-        <p:nvSpPr>
-          <p:cNvPr id="5" name="Footer Placeholder 4">
-            <a:extLst>
-              <a:ext uri="{FF2B5EF4-FFF2-40B4-BE49-F238E27FC236}">
-                <a16:creationId xmlns:a16="http://schemas.microsoft.com/office/drawing/2014/main" id="{FA6A3941-6547-4C5A-ABC2-9485DF47E521}"/>
-              </a:ext>
-            </a:extLst>
-          </p:cNvPr>
-          <p:cNvSpPr>
-            <a:spLocks noGrp="1"/>
-          </p:cNvSpPr>
-          <p:nvPr>
-            <p:ph type="ftr" sz="quarter" idx="11"/>
-          </p:nvPr>
-        </p:nvSpPr>
-        <p:spPr/>
-        <p:txBody>
-          <a:bodyPr/>
-          <a:lstStyle/>
-          <a:p>
-            <a:r>
-              <a:rPr lang="da-DK"/>
-              <a:t>Nicki Skafte Detlefsen</a:t>
-            </a:r>
-          </a:p>
-        </p:txBody>
-      </p:sp>
-      <p:sp>
-        <p:nvSpPr>
-          <p:cNvPr id="6" name="Slide Number Placeholder 5">
-            <a:extLst>
-              <a:ext uri="{FF2B5EF4-FFF2-40B4-BE49-F238E27FC236}">
-                <a16:creationId xmlns:a16="http://schemas.microsoft.com/office/drawing/2014/main" id="{F06CB5EA-3F45-496A-9DFA-12D47BB071EA}"/>
-              </a:ext>
-            </a:extLst>
-          </p:cNvPr>
-          <p:cNvSpPr>
-            <a:spLocks noGrp="1"/>
-          </p:cNvSpPr>
-          <p:nvPr>
-            <p:ph type="sldNum" sz="quarter" idx="12"/>
-          </p:nvPr>
-        </p:nvSpPr>
-        <p:spPr/>
-        <p:txBody>
-          <a:bodyPr/>
-          <a:lstStyle/>
-          <a:p>
-            <a:fld id="{F6FEDE24-D50C-481B-A7B4-8AF13899101A}" type="slidenum">
-              <a:rPr lang="da-DK" smtClean="0"/>
-              <a:t>8</a:t>
-            </a:fld>
-            <a:endParaRPr lang="da-DK"/>
-          </a:p>
-        </p:txBody>
-      </p:sp>
-      <p:sp>
-        <p:nvSpPr>
-          <p:cNvPr id="7" name="Date Placeholder 3">
-            <a:extLst>
-              <a:ext uri="{FF2B5EF4-FFF2-40B4-BE49-F238E27FC236}">
-                <a16:creationId xmlns:a16="http://schemas.microsoft.com/office/drawing/2014/main" id="{422077D6-3F2D-448A-AE76-C30BC6E7FF7C}"/>
-              </a:ext>
-            </a:extLst>
-          </p:cNvPr>
-          <p:cNvSpPr txBox="1">
-            <a:spLocks/>
-          </p:cNvSpPr>
-          <p:nvPr/>
-        </p:nvSpPr>
-        <p:spPr>
-          <a:xfrm>
-            <a:off x="838200" y="6356350"/>
-            <a:ext cx="2743200" cy="365125"/>
-          </a:xfrm>
-          <a:prstGeom prst="rect">
-            <a:avLst/>
-          </a:prstGeom>
-        </p:spPr>
-        <p:txBody>
-          <a:bodyPr vert="horz" lIns="91440" tIns="45720" rIns="91440" bIns="45720" rtlCol="0" anchor="ctr"/>
-          <a:lstStyle>
-            <a:defPPr>
-              <a:defRPr lang="da-DK"/>
-            </a:defPPr>
-            <a:lvl1pPr marL="0" algn="l" defTabSz="914400" rtl="0" eaLnBrk="1" latinLnBrk="0" hangingPunct="1">
-              <a:defRPr sz="1200" kern="1200">
-                <a:solidFill>
-                  <a:schemeClr val="tx1">
-                    <a:tint val="75000"/>
-                  </a:schemeClr>
-                </a:solidFill>
-                <a:latin typeface="+mn-lt"/>
-                <a:ea typeface="+mn-ea"/>
-                <a:cs typeface="+mn-cs"/>
-              </a:defRPr>
-            </a:lvl1pPr>
-            <a:lvl2pPr marL="457200" algn="l" defTabSz="914400" rtl="0" eaLnBrk="1" latinLnBrk="0" hangingPunct="1">
-              <a:defRPr sz="1800" kern="1200">
-                <a:solidFill>
-                  <a:schemeClr val="tx1"/>
-                </a:solidFill>
-                <a:latin typeface="+mn-lt"/>
-                <a:ea typeface="+mn-ea"/>
-                <a:cs typeface="+mn-cs"/>
-              </a:defRPr>
-            </a:lvl2pPr>
-            <a:lvl3pPr marL="914400" algn="l" defTabSz="914400" rtl="0" eaLnBrk="1" latinLnBrk="0" hangingPunct="1">
-              <a:defRPr sz="1800" kern="1200">
-                <a:solidFill>
-                  <a:schemeClr val="tx1"/>
-                </a:solidFill>
-                <a:latin typeface="+mn-lt"/>
-                <a:ea typeface="+mn-ea"/>
-                <a:cs typeface="+mn-cs"/>
-              </a:defRPr>
-            </a:lvl3pPr>
-            <a:lvl4pPr marL="1371600" algn="l" defTabSz="914400" rtl="0" eaLnBrk="1" latinLnBrk="0" hangingPunct="1">
-              <a:defRPr sz="1800" kern="1200">
-                <a:solidFill>
-                  <a:schemeClr val="tx1"/>
-                </a:solidFill>
-                <a:latin typeface="+mn-lt"/>
-                <a:ea typeface="+mn-ea"/>
-                <a:cs typeface="+mn-cs"/>
-              </a:defRPr>
-            </a:lvl4pPr>
-            <a:lvl5pPr marL="1828800" algn="l" defTabSz="914400" rtl="0" eaLnBrk="1" latinLnBrk="0" hangingPunct="1">
-              <a:defRPr sz="1800" kern="1200">
-                <a:solidFill>
-                  <a:schemeClr val="tx1"/>
-                </a:solidFill>
-                <a:latin typeface="+mn-lt"/>
-                <a:ea typeface="+mn-ea"/>
-                <a:cs typeface="+mn-cs"/>
-              </a:defRPr>
-            </a:lvl5pPr>
-            <a:lvl6pPr marL="2286000" algn="l" defTabSz="914400" rtl="0" eaLnBrk="1" latinLnBrk="0" hangingPunct="1">
-              <a:defRPr sz="1800" kern="1200">
-                <a:solidFill>
-                  <a:schemeClr val="tx1"/>
-                </a:solidFill>
-                <a:latin typeface="+mn-lt"/>
-                <a:ea typeface="+mn-ea"/>
-                <a:cs typeface="+mn-cs"/>
-              </a:defRPr>
-            </a:lvl6pPr>
-            <a:lvl7pPr marL="2743200" algn="l" defTabSz="914400" rtl="0" eaLnBrk="1" latinLnBrk="0" hangingPunct="1">
-              <a:defRPr sz="1800" kern="1200">
-                <a:solidFill>
-                  <a:schemeClr val="tx1"/>
-                </a:solidFill>
-                <a:latin typeface="+mn-lt"/>
-                <a:ea typeface="+mn-ea"/>
-                <a:cs typeface="+mn-cs"/>
-              </a:defRPr>
-            </a:lvl7pPr>
-            <a:lvl8pPr marL="3200400" algn="l" defTabSz="914400" rtl="0" eaLnBrk="1" latinLnBrk="0" hangingPunct="1">
-              <a:defRPr sz="1800" kern="1200">
-                <a:solidFill>
-                  <a:schemeClr val="tx1"/>
-                </a:solidFill>
-                <a:latin typeface="+mn-lt"/>
-                <a:ea typeface="+mn-ea"/>
-                <a:cs typeface="+mn-cs"/>
-              </a:defRPr>
-            </a:lvl8pPr>
-            <a:lvl9pPr marL="3657600" algn="l" defTabSz="914400" rtl="0" eaLnBrk="1" latinLnBrk="0" hangingPunct="1">
-              <a:defRPr sz="1800" kern="1200">
-                <a:solidFill>
-                  <a:schemeClr val="tx1"/>
-                </a:solidFill>
-                <a:latin typeface="+mn-lt"/>
-                <a:ea typeface="+mn-ea"/>
-                <a:cs typeface="+mn-cs"/>
-              </a:defRPr>
-            </a:lvl9pPr>
-          </a:lstStyle>
-          <a:p>
-            <a:fld id="{019E29B9-5584-4737-9C98-1B926378C778}" type="datetime1">
-              <a:rPr lang="en-US" smtClean="0"/>
-              <a:pPr/>
-              <a:t>6/21/2021</a:t>
-            </a:fld>
-            <a:endParaRPr lang="da-DK"/>
-          </a:p>
-        </p:txBody>
-      </p:sp>
-      <p:graphicFrame>
-        <p:nvGraphicFramePr>
-          <p:cNvPr id="8" name="Diagram 7">
-            <a:extLst>
-              <a:ext uri="{FF2B5EF4-FFF2-40B4-BE49-F238E27FC236}">
-                <a16:creationId xmlns:a16="http://schemas.microsoft.com/office/drawing/2014/main" id="{0FE59469-8FE4-4B7C-9E0C-CBA1FD121F34}"/>
-              </a:ext>
-            </a:extLst>
-          </p:cNvPr>
-          <p:cNvGraphicFramePr/>
-          <p:nvPr>
-            <p:extLst>
-              <p:ext uri="{D42A27DB-BD31-4B8C-83A1-F6EECF244321}">
-                <p14:modId xmlns:p14="http://schemas.microsoft.com/office/powerpoint/2010/main" val="654398020"/>
-              </p:ext>
-            </p:extLst>
-          </p:nvPr>
-        </p:nvGraphicFramePr>
-        <p:xfrm>
-          <a:off x="1179554" y="1528233"/>
-          <a:ext cx="4064000" cy="3801533"/>
-        </p:xfrm>
-        <a:graphic>
-          <a:graphicData uri="http://schemas.openxmlformats.org/drawingml/2006/diagram">
-            <dgm:relIds xmlns:dgm="http://schemas.openxmlformats.org/drawingml/2006/diagram" xmlns:r="http://schemas.openxmlformats.org/officeDocument/2006/relationships" r:dm="rId2" r:lo="rId3" r:qs="rId4" r:cs="rId5"/>
-          </a:graphicData>
-        </a:graphic>
-      </p:graphicFrame>
-      <p:sp>
-        <p:nvSpPr>
-          <p:cNvPr id="9" name="TextBox 8">
-            <a:extLst>
-              <a:ext uri="{FF2B5EF4-FFF2-40B4-BE49-F238E27FC236}">
-                <a16:creationId xmlns:a16="http://schemas.microsoft.com/office/drawing/2014/main" id="{078ECFD0-E8B3-4F94-AE03-8896D4F798B3}"/>
-              </a:ext>
-            </a:extLst>
-          </p:cNvPr>
-          <p:cNvSpPr txBox="1"/>
-          <p:nvPr/>
-        </p:nvSpPr>
-        <p:spPr>
-          <a:xfrm>
-            <a:off x="3796010" y="1882054"/>
-            <a:ext cx="2045731" cy="646331"/>
-          </a:xfrm>
-          <a:prstGeom prst="rect">
-            <a:avLst/>
-          </a:prstGeom>
-          <a:noFill/>
-        </p:spPr>
-        <p:txBody>
-          <a:bodyPr wrap="square" rtlCol="0">
-            <a:spAutoFit/>
-          </a:bodyPr>
-          <a:lstStyle/>
-          <a:p>
-            <a:r>
-              <a:rPr lang="da-DK" dirty="0"/>
-              <a:t>Number of devices</a:t>
-            </a:r>
-          </a:p>
-          <a:p>
-            <a:r>
-              <a:rPr lang="da-DK" dirty="0"/>
-              <a:t>Type of devices</a:t>
-            </a:r>
-          </a:p>
-        </p:txBody>
-      </p:sp>
-      <p:sp>
-        <p:nvSpPr>
-          <p:cNvPr id="10" name="TextBox 9">
-            <a:extLst>
-              <a:ext uri="{FF2B5EF4-FFF2-40B4-BE49-F238E27FC236}">
-                <a16:creationId xmlns:a16="http://schemas.microsoft.com/office/drawing/2014/main" id="{67A0E144-36F3-4A6F-96A6-36E5B5FCC068}"/>
-              </a:ext>
-            </a:extLst>
-          </p:cNvPr>
-          <p:cNvSpPr txBox="1"/>
-          <p:nvPr/>
-        </p:nvSpPr>
-        <p:spPr>
-          <a:xfrm>
-            <a:off x="3809650" y="3055859"/>
-            <a:ext cx="2045731" cy="1200329"/>
-          </a:xfrm>
-          <a:prstGeom prst="rect">
-            <a:avLst/>
-          </a:prstGeom>
-          <a:noFill/>
-        </p:spPr>
-        <p:txBody>
-          <a:bodyPr wrap="square" rtlCol="0">
-            <a:spAutoFit/>
-          </a:bodyPr>
-          <a:lstStyle/>
-          <a:p>
-            <a:r>
-              <a:rPr lang="da-DK" dirty="0"/>
-              <a:t>Operating system</a:t>
-            </a:r>
-          </a:p>
-          <a:p>
-            <a:r>
-              <a:rPr lang="da-DK" dirty="0"/>
-              <a:t>Package versions</a:t>
-            </a:r>
-          </a:p>
-          <a:p>
-            <a:endParaRPr lang="da-DK" dirty="0"/>
-          </a:p>
-          <a:p>
-            <a:endParaRPr lang="da-DK" dirty="0"/>
-          </a:p>
-        </p:txBody>
-      </p:sp>
-      <p:sp>
-        <p:nvSpPr>
-          <p:cNvPr id="11" name="TextBox 10">
-            <a:extLst>
-              <a:ext uri="{FF2B5EF4-FFF2-40B4-BE49-F238E27FC236}">
-                <a16:creationId xmlns:a16="http://schemas.microsoft.com/office/drawing/2014/main" id="{A108AD5B-2DDE-4551-88AA-58BECE89FA9E}"/>
-              </a:ext>
-            </a:extLst>
-          </p:cNvPr>
-          <p:cNvSpPr txBox="1"/>
-          <p:nvPr/>
-        </p:nvSpPr>
-        <p:spPr>
-          <a:xfrm>
-            <a:off x="3809650" y="4112229"/>
-            <a:ext cx="2743200" cy="1754326"/>
-          </a:xfrm>
-          <a:prstGeom prst="rect">
-            <a:avLst/>
-          </a:prstGeom>
-          <a:noFill/>
-        </p:spPr>
-        <p:txBody>
-          <a:bodyPr wrap="square" rtlCol="0">
-            <a:spAutoFit/>
-          </a:bodyPr>
-          <a:lstStyle/>
-          <a:p>
-            <a:r>
-              <a:rPr lang="da-DK" dirty="0"/>
-              <a:t>Runable code</a:t>
-            </a:r>
-          </a:p>
-          <a:p>
-            <a:r>
-              <a:rPr lang="da-DK" dirty="0"/>
-              <a:t>Public data</a:t>
-            </a:r>
-          </a:p>
-          <a:p>
-            <a:r>
-              <a:rPr lang="da-DK" dirty="0"/>
-              <a:t>Precise configuration</a:t>
-            </a:r>
-          </a:p>
-          <a:p>
-            <a:r>
-              <a:rPr lang="da-DK" dirty="0"/>
-              <a:t>Seed</a:t>
-            </a:r>
-          </a:p>
-          <a:p>
-            <a:endParaRPr lang="da-DK" dirty="0"/>
-          </a:p>
-          <a:p>
-            <a:endParaRPr lang="da-DK" dirty="0"/>
-          </a:p>
-        </p:txBody>
-      </p:sp>
-      <p:sp>
-        <p:nvSpPr>
-          <p:cNvPr id="12" name="TextBox 11">
-            <a:extLst>
-              <a:ext uri="{FF2B5EF4-FFF2-40B4-BE49-F238E27FC236}">
-                <a16:creationId xmlns:a16="http://schemas.microsoft.com/office/drawing/2014/main" id="{C675B3FD-F26C-4369-AC94-CFC575B4554A}"/>
-              </a:ext>
-            </a:extLst>
-          </p:cNvPr>
-          <p:cNvSpPr txBox="1"/>
-          <p:nvPr/>
-        </p:nvSpPr>
-        <p:spPr>
-          <a:xfrm>
-            <a:off x="401596" y="1906085"/>
-            <a:ext cx="2045731" cy="461665"/>
-          </a:xfrm>
-          <a:prstGeom prst="rect">
-            <a:avLst/>
-          </a:prstGeom>
-          <a:noFill/>
-        </p:spPr>
-        <p:txBody>
-          <a:bodyPr wrap="square" rtlCol="0">
-            <a:spAutoFit/>
-          </a:bodyPr>
-          <a:lstStyle/>
-          <a:p>
-            <a:r>
-              <a:rPr lang="da-DK" sz="2400" dirty="0"/>
-              <a:t>Physical setup</a:t>
-            </a:r>
-          </a:p>
-        </p:txBody>
-      </p:sp>
-      <p:sp>
-        <p:nvSpPr>
-          <p:cNvPr id="13" name="TextBox 12">
-            <a:extLst>
-              <a:ext uri="{FF2B5EF4-FFF2-40B4-BE49-F238E27FC236}">
-                <a16:creationId xmlns:a16="http://schemas.microsoft.com/office/drawing/2014/main" id="{D7552622-558F-4320-BD3C-F1B812D1894E}"/>
-              </a:ext>
-            </a:extLst>
-          </p:cNvPr>
-          <p:cNvSpPr txBox="1"/>
-          <p:nvPr/>
-        </p:nvSpPr>
-        <p:spPr>
-          <a:xfrm>
-            <a:off x="401596" y="3059668"/>
-            <a:ext cx="2045731" cy="461665"/>
-          </a:xfrm>
-          <a:prstGeom prst="rect">
-            <a:avLst/>
-          </a:prstGeom>
-          <a:noFill/>
-        </p:spPr>
-        <p:txBody>
-          <a:bodyPr wrap="square" rtlCol="0">
-            <a:spAutoFit/>
-          </a:bodyPr>
-          <a:lstStyle/>
-          <a:p>
-            <a:r>
-              <a:rPr lang="da-DK" sz="2400" dirty="0"/>
-              <a:t>Software</a:t>
-            </a:r>
-          </a:p>
-        </p:txBody>
-      </p:sp>
-      <p:sp>
-        <p:nvSpPr>
-          <p:cNvPr id="14" name="TextBox 13">
-            <a:extLst>
-              <a:ext uri="{FF2B5EF4-FFF2-40B4-BE49-F238E27FC236}">
-                <a16:creationId xmlns:a16="http://schemas.microsoft.com/office/drawing/2014/main" id="{B6BCF57B-A009-4967-9817-B5931B698E53}"/>
-              </a:ext>
-            </a:extLst>
-          </p:cNvPr>
-          <p:cNvSpPr txBox="1"/>
-          <p:nvPr/>
-        </p:nvSpPr>
-        <p:spPr>
-          <a:xfrm>
-            <a:off x="401596" y="4415333"/>
-            <a:ext cx="2045731" cy="461665"/>
-          </a:xfrm>
-          <a:prstGeom prst="rect">
-            <a:avLst/>
-          </a:prstGeom>
-          <a:noFill/>
-        </p:spPr>
-        <p:txBody>
-          <a:bodyPr wrap="square" rtlCol="0">
-            <a:spAutoFit/>
-          </a:bodyPr>
-          <a:lstStyle/>
-          <a:p>
-            <a:r>
-              <a:rPr lang="da-DK" sz="2400" dirty="0"/>
-              <a:t>Code</a:t>
-            </a:r>
-          </a:p>
-        </p:txBody>
-      </p:sp>
-      <p:sp>
-        <p:nvSpPr>
-          <p:cNvPr id="15" name="Right Brace 14">
-            <a:extLst>
-              <a:ext uri="{FF2B5EF4-FFF2-40B4-BE49-F238E27FC236}">
-                <a16:creationId xmlns:a16="http://schemas.microsoft.com/office/drawing/2014/main" id="{530BA4D0-5C2D-4842-B0F2-5C8DFE7EEF22}"/>
-              </a:ext>
-            </a:extLst>
-          </p:cNvPr>
-          <p:cNvSpPr/>
-          <p:nvPr/>
-        </p:nvSpPr>
-        <p:spPr>
-          <a:xfrm>
-            <a:off x="5841741" y="1882054"/>
-            <a:ext cx="343159" cy="684010"/>
-          </a:xfrm>
-          <a:prstGeom prst="rightBrace">
-            <a:avLst/>
-          </a:prstGeom>
-        </p:spPr>
-        <p:style>
-          <a:lnRef idx="1">
-            <a:schemeClr val="accent1"/>
-          </a:lnRef>
-          <a:fillRef idx="0">
-            <a:schemeClr val="accent1"/>
-          </a:fillRef>
-          <a:effectRef idx="0">
-            <a:schemeClr val="accent1"/>
-          </a:effectRef>
-          <a:fontRef idx="minor">
-            <a:schemeClr val="tx1"/>
-          </a:fontRef>
-        </p:style>
-        <p:txBody>
-          <a:bodyPr rtlCol="0" anchor="ctr"/>
-          <a:lstStyle/>
-          <a:p>
-            <a:pPr algn="ctr"/>
-            <a:endParaRPr lang="da-DK"/>
-          </a:p>
-        </p:txBody>
-      </p:sp>
-      <p:sp>
-        <p:nvSpPr>
-          <p:cNvPr id="16" name="TextBox 15">
-            <a:extLst>
-              <a:ext uri="{FF2B5EF4-FFF2-40B4-BE49-F238E27FC236}">
-                <a16:creationId xmlns:a16="http://schemas.microsoft.com/office/drawing/2014/main" id="{88705585-6C97-476F-BDEE-006CCF363832}"/>
-              </a:ext>
-            </a:extLst>
-          </p:cNvPr>
-          <p:cNvSpPr txBox="1"/>
-          <p:nvPr/>
-        </p:nvSpPr>
-        <p:spPr>
-          <a:xfrm>
-            <a:off x="6287528" y="2021724"/>
-            <a:ext cx="2743200" cy="369332"/>
-          </a:xfrm>
-          <a:prstGeom prst="rect">
-            <a:avLst/>
-          </a:prstGeom>
-          <a:noFill/>
-        </p:spPr>
-        <p:txBody>
-          <a:bodyPr wrap="square" rtlCol="0">
-            <a:spAutoFit/>
-          </a:bodyPr>
-          <a:lstStyle/>
-          <a:p>
-            <a:r>
-              <a:rPr lang="da-DK" dirty="0"/>
-              <a:t>Easy to document</a:t>
-            </a:r>
-          </a:p>
-        </p:txBody>
-      </p:sp>
-      <p:sp>
-        <p:nvSpPr>
-          <p:cNvPr id="17" name="TextBox 16">
-            <a:extLst>
-              <a:ext uri="{FF2B5EF4-FFF2-40B4-BE49-F238E27FC236}">
-                <a16:creationId xmlns:a16="http://schemas.microsoft.com/office/drawing/2014/main" id="{C50CD89C-B5C5-433E-959D-A45F90C42EEA}"/>
-              </a:ext>
-            </a:extLst>
-          </p:cNvPr>
-          <p:cNvSpPr txBox="1"/>
-          <p:nvPr/>
-        </p:nvSpPr>
-        <p:spPr>
-          <a:xfrm>
-            <a:off x="6287528" y="3172490"/>
-            <a:ext cx="2743200" cy="369332"/>
-          </a:xfrm>
-          <a:prstGeom prst="rect">
-            <a:avLst/>
-          </a:prstGeom>
-          <a:noFill/>
-        </p:spPr>
-        <p:txBody>
-          <a:bodyPr wrap="square" rtlCol="0">
-            <a:spAutoFit/>
-          </a:bodyPr>
-          <a:lstStyle/>
-          <a:p>
-            <a:r>
-              <a:rPr lang="da-DK" dirty="0"/>
-              <a:t>Ask Conda</a:t>
-            </a:r>
-          </a:p>
-        </p:txBody>
-      </p:sp>
-      <p:sp>
-        <p:nvSpPr>
-          <p:cNvPr id="18" name="Right Brace 17">
-            <a:extLst>
-              <a:ext uri="{FF2B5EF4-FFF2-40B4-BE49-F238E27FC236}">
-                <a16:creationId xmlns:a16="http://schemas.microsoft.com/office/drawing/2014/main" id="{0725C537-417C-4100-A2F0-94B8725B6AD4}"/>
-              </a:ext>
-            </a:extLst>
-          </p:cNvPr>
-          <p:cNvSpPr/>
-          <p:nvPr/>
-        </p:nvSpPr>
-        <p:spPr>
-          <a:xfrm>
-            <a:off x="5790426" y="3089448"/>
-            <a:ext cx="445787" cy="566575"/>
-          </a:xfrm>
-          <a:prstGeom prst="rightBrace">
-            <a:avLst/>
-          </a:prstGeom>
-        </p:spPr>
-        <p:style>
-          <a:lnRef idx="1">
-            <a:schemeClr val="accent1"/>
-          </a:lnRef>
-          <a:fillRef idx="0">
-            <a:schemeClr val="accent1"/>
-          </a:fillRef>
-          <a:effectRef idx="0">
-            <a:schemeClr val="accent1"/>
-          </a:effectRef>
-          <a:fontRef idx="minor">
-            <a:schemeClr val="tx1"/>
-          </a:fontRef>
-        </p:style>
-        <p:txBody>
-          <a:bodyPr rtlCol="0" anchor="ctr"/>
-          <a:lstStyle/>
-          <a:p>
-            <a:pPr algn="ctr"/>
-            <a:endParaRPr lang="da-DK"/>
-          </a:p>
-        </p:txBody>
-      </p:sp>
-      <p:sp>
-        <p:nvSpPr>
-          <p:cNvPr id="25" name="Right Brace 24">
-            <a:extLst>
-              <a:ext uri="{FF2B5EF4-FFF2-40B4-BE49-F238E27FC236}">
-                <a16:creationId xmlns:a16="http://schemas.microsoft.com/office/drawing/2014/main" id="{F4762FCD-85FD-4EBE-915A-7CF9A3A5F040}"/>
-              </a:ext>
-            </a:extLst>
-          </p:cNvPr>
-          <p:cNvSpPr/>
-          <p:nvPr/>
-        </p:nvSpPr>
-        <p:spPr>
-          <a:xfrm>
-            <a:off x="5790425" y="4177540"/>
-            <a:ext cx="445787" cy="1135018"/>
-          </a:xfrm>
-          <a:prstGeom prst="rightBrace">
-            <a:avLst/>
-          </a:prstGeom>
-        </p:spPr>
-        <p:style>
-          <a:lnRef idx="1">
-            <a:schemeClr val="accent1"/>
-          </a:lnRef>
-          <a:fillRef idx="0">
-            <a:schemeClr val="accent1"/>
-          </a:fillRef>
-          <a:effectRef idx="0">
-            <a:schemeClr val="accent1"/>
-          </a:effectRef>
-          <a:fontRef idx="minor">
-            <a:schemeClr val="tx1"/>
-          </a:fontRef>
-        </p:style>
-        <p:txBody>
-          <a:bodyPr rtlCol="0" anchor="ctr"/>
-          <a:lstStyle/>
-          <a:p>
-            <a:pPr algn="ctr"/>
-            <a:endParaRPr lang="da-DK"/>
-          </a:p>
-        </p:txBody>
-      </p:sp>
-      <p:sp>
-        <p:nvSpPr>
-          <p:cNvPr id="26" name="TextBox 25">
-            <a:extLst>
-              <a:ext uri="{FF2B5EF4-FFF2-40B4-BE49-F238E27FC236}">
-                <a16:creationId xmlns:a16="http://schemas.microsoft.com/office/drawing/2014/main" id="{1EEBF5AC-EA2B-49AD-B644-61E352618551}"/>
-              </a:ext>
-            </a:extLst>
-          </p:cNvPr>
-          <p:cNvSpPr txBox="1"/>
-          <p:nvPr/>
-        </p:nvSpPr>
-        <p:spPr>
-          <a:xfrm>
-            <a:off x="6274825" y="4560383"/>
-            <a:ext cx="2743200" cy="369332"/>
-          </a:xfrm>
-          <a:prstGeom prst="rect">
-            <a:avLst/>
-          </a:prstGeom>
-          <a:noFill/>
-        </p:spPr>
-        <p:txBody>
-          <a:bodyPr wrap="square" rtlCol="0">
-            <a:spAutoFit/>
-          </a:bodyPr>
-          <a:lstStyle/>
-          <a:p>
-            <a:r>
-              <a:rPr lang="da-DK" dirty="0"/>
-              <a:t>This is your job</a:t>
-            </a:r>
-          </a:p>
-        </p:txBody>
-      </p:sp>
-      <p:sp>
-        <p:nvSpPr>
-          <p:cNvPr id="27" name="Rectangle 26">
-            <a:extLst>
-              <a:ext uri="{FF2B5EF4-FFF2-40B4-BE49-F238E27FC236}">
-                <a16:creationId xmlns:a16="http://schemas.microsoft.com/office/drawing/2014/main" id="{5AC68EE1-DA05-4076-B5CA-CA026563921C}"/>
-              </a:ext>
-            </a:extLst>
-          </p:cNvPr>
-          <p:cNvSpPr/>
-          <p:nvPr/>
-        </p:nvSpPr>
-        <p:spPr>
-          <a:xfrm>
-            <a:off x="3852471" y="4657790"/>
-            <a:ext cx="2045731" cy="337609"/>
-          </a:xfrm>
-          <a:prstGeom prst="rect">
-            <a:avLst/>
-          </a:prstGeom>
-          <a:noFill/>
-          <a:ln w="38100">
-            <a:solidFill>
-              <a:srgbClr val="FF0000"/>
-            </a:solidFill>
-          </a:ln>
-        </p:spPr>
-        <p:style>
-          <a:lnRef idx="2">
-            <a:schemeClr val="accent1">
-              <a:shade val="50000"/>
-            </a:schemeClr>
-          </a:lnRef>
-          <a:fillRef idx="1">
-            <a:schemeClr val="accent1"/>
-          </a:fillRef>
-          <a:effectRef idx="0">
-            <a:schemeClr val="accent1"/>
-          </a:effectRef>
-          <a:fontRef idx="minor">
-            <a:schemeClr val="lt1"/>
-          </a:fontRef>
-        </p:style>
-        <p:txBody>
-          <a:bodyPr rtlCol="0" anchor="ctr"/>
-          <a:lstStyle/>
-          <a:p>
-            <a:pPr algn="ctr"/>
-            <a:endParaRPr lang="da-DK"/>
-          </a:p>
-        </p:txBody>
-      </p:sp>
-      <p:pic>
-        <p:nvPicPr>
-          <p:cNvPr id="21" name="Picture 20">
-            <a:extLst>
-              <a:ext uri="{FF2B5EF4-FFF2-40B4-BE49-F238E27FC236}">
-                <a16:creationId xmlns:a16="http://schemas.microsoft.com/office/drawing/2014/main" id="{8C57C2CB-41FE-4147-A788-939955BBD0B2}"/>
-              </a:ext>
-            </a:extLst>
-          </p:cNvPr>
-          <p:cNvPicPr>
-            <a:picLocks noChangeAspect="1"/>
-          </p:cNvPicPr>
-          <p:nvPr/>
-        </p:nvPicPr>
-        <p:blipFill>
-          <a:blip r:embed="rId7"/>
-          <a:stretch>
-            <a:fillRect/>
-          </a:stretch>
-        </p:blipFill>
-        <p:spPr>
-          <a:xfrm>
-            <a:off x="8071538" y="848626"/>
-            <a:ext cx="3009900" cy="5772150"/>
-          </a:xfrm>
-          <a:prstGeom prst="rect">
-            <a:avLst/>
-          </a:prstGeom>
-        </p:spPr>
-      </p:pic>
-      <p:sp>
-        <p:nvSpPr>
-          <p:cNvPr id="3" name="Rectangle 2">
-            <a:extLst>
-              <a:ext uri="{FF2B5EF4-FFF2-40B4-BE49-F238E27FC236}">
-                <a16:creationId xmlns:a16="http://schemas.microsoft.com/office/drawing/2014/main" id="{3411BD2C-217A-4CF1-80BB-3DC12AEDB735}"/>
-              </a:ext>
-            </a:extLst>
-          </p:cNvPr>
-          <p:cNvSpPr/>
-          <p:nvPr/>
-        </p:nvSpPr>
-        <p:spPr>
-          <a:xfrm>
-            <a:off x="10039266" y="4001687"/>
-            <a:ext cx="973180" cy="221083"/>
-          </a:xfrm>
-          <a:prstGeom prst="rect">
-            <a:avLst/>
-          </a:prstGeom>
-          <a:noFill/>
-          <a:ln w="38100">
-            <a:solidFill>
-              <a:srgbClr val="FF0000"/>
-            </a:solidFill>
-          </a:ln>
-        </p:spPr>
-        <p:style>
-          <a:lnRef idx="2">
-            <a:schemeClr val="accent1">
-              <a:shade val="50000"/>
-            </a:schemeClr>
-          </a:lnRef>
-          <a:fillRef idx="1">
-            <a:schemeClr val="accent1"/>
-          </a:fillRef>
-          <a:effectRef idx="0">
-            <a:schemeClr val="accent1"/>
-          </a:effectRef>
-          <a:fontRef idx="minor">
-            <a:schemeClr val="lt1"/>
-          </a:fontRef>
-        </p:style>
-        <p:txBody>
-          <a:bodyPr rtlCol="0" anchor="ctr"/>
-          <a:lstStyle/>
-          <a:p>
-            <a:pPr algn="ctr"/>
-            <a:endParaRPr lang="da-DK"/>
-          </a:p>
-        </p:txBody>
-      </p:sp>
-    </p:spTree>
-    <p:extLst>
-      <p:ext uri="{BB962C8B-B14F-4D97-AF65-F5344CB8AC3E}">
-        <p14:creationId xmlns:p14="http://schemas.microsoft.com/office/powerpoint/2010/main" val="3197957672"/>
-      </p:ext>
-    </p:extLst>
-  </p:cSld>
-  <p:clrMapOvr>
-    <a:masterClrMapping/>
-  </p:clrMapOvr>
-  <p:timing>
-    <p:tnLst>
-      <p:par>
-        <p:cTn id="1" dur="indefinite" restart="never" nodeType="tmRoot">
-          <p:childTnLst>
-            <p:seq concurrent="1" nextAc="seek">
-              <p:cTn id="2" dur="indefinite" nodeType="mainSeq">
-                <p:childTnLst>
-                  <p:par>
-                    <p:cTn id="3" fill="hold">
-                      <p:stCondLst>
-                        <p:cond delay="indefinite"/>
-                      </p:stCondLst>
-                      <p:childTnLst>
-                        <p:par>
-                          <p:cTn id="4" fill="hold">
-                            <p:stCondLst>
-                              <p:cond delay="0"/>
-                            </p:stCondLst>
-                            <p:childTnLst>
-                              <p:par>
-                                <p:cTn id="5" presetID="1" presetClass="entr" presetSubtype="0" fill="hold" grpId="0" nodeType="clickEffect">
-                                  <p:stCondLst>
-                                    <p:cond delay="0"/>
-                                  </p:stCondLst>
-                                  <p:childTnLst>
-                                    <p:set>
-                                      <p:cBhvr>
-                                        <p:cTn id="6" dur="1" fill="hold">
-                                          <p:stCondLst>
-                                            <p:cond delay="0"/>
-                                          </p:stCondLst>
-                                        </p:cTn>
-                                        <p:tgtEl>
-                                          <p:spTgt spid="27"/>
-                                        </p:tgtEl>
-                                        <p:attrNameLst>
-                                          <p:attrName>style.visibility</p:attrName>
-                                        </p:attrNameLst>
-                                      </p:cBhvr>
-                                      <p:to>
-                                        <p:strVal val="visible"/>
-                                      </p:to>
-                                    </p:set>
-                                  </p:childTnLst>
-                                </p:cTn>
-                              </p:par>
-                            </p:childTnLst>
-                          </p:cTn>
-                        </p:par>
-                      </p:childTnLst>
-                    </p:cTn>
-                  </p:par>
-                </p:childTnLst>
-              </p:cTn>
-              <p:prevCondLst>
-                <p:cond evt="onPrev" delay="0">
-                  <p:tgtEl>
-                    <p:sldTgt/>
-                  </p:tgtEl>
-                </p:cond>
-              </p:prevCondLst>
-              <p:nextCondLst>
-                <p:cond evt="onNext" delay="0">
-                  <p:tgtEl>
-                    <p:sldTgt/>
-                  </p:tgtEl>
-                </p:cond>
-              </p:nextCondLst>
-            </p:seq>
-          </p:childTnLst>
-        </p:cTn>
-      </p:par>
-    </p:tnLst>
-    <p:bldLst>
-      <p:bldP spid="27" grpId="0" animBg="1"/>
-    </p:bldLst>
-  </p:timing>
-</p:sld>
-</file>
-
-<file path=ppt/slides/slide9.xml><?xml version="1.0" encoding="utf-8"?>
-<p:sld xmlns:a="http://schemas.openxmlformats.org/drawingml/2006/main" xmlns:r="http://schemas.openxmlformats.org/officeDocument/2006/relationships" xmlns:p="http://schemas.openxmlformats.org/presentationml/2006/main">
-  <p:cSld>
-    <p:spTree>
-      <p:nvGrpSpPr>
-        <p:cNvPr id="1" name=""/>
-        <p:cNvGrpSpPr/>
-        <p:nvPr/>
-      </p:nvGrpSpPr>
-      <p:grpSpPr>
-        <a:xfrm>
-          <a:off x="0" y="0"/>
-          <a:ext cx="0" cy="0"/>
-          <a:chOff x="0" y="0"/>
-          <a:chExt cx="0" cy="0"/>
-        </a:xfrm>
-      </p:grpSpPr>
-      <p:sp>
-        <p:nvSpPr>
-          <p:cNvPr id="2" name="Title 1">
-            <a:extLst>
-              <a:ext uri="{FF2B5EF4-FFF2-40B4-BE49-F238E27FC236}">
-                <a16:creationId xmlns:a16="http://schemas.microsoft.com/office/drawing/2014/main" id="{6CDB011C-FAF5-495A-AD71-AA7F91A34791}"/>
-              </a:ext>
-            </a:extLst>
-          </p:cNvPr>
-          <p:cNvSpPr>
-            <a:spLocks noGrp="1"/>
-          </p:cNvSpPr>
-          <p:nvPr>
-            <p:ph type="title"/>
-          </p:nvPr>
-        </p:nvSpPr>
-        <p:spPr/>
-        <p:txBody>
-          <a:bodyPr/>
-          <a:lstStyle/>
-          <a:p>
-            <a:r>
-              <a:rPr lang="da-DK" dirty="0"/>
-              <a:t>Configurations</a:t>
-            </a:r>
-          </a:p>
-        </p:txBody>
-      </p:sp>
-      <p:sp>
-        <p:nvSpPr>
-          <p:cNvPr id="3" name="Content Placeholder 2">
-            <a:extLst>
-              <a:ext uri="{FF2B5EF4-FFF2-40B4-BE49-F238E27FC236}">
-                <a16:creationId xmlns:a16="http://schemas.microsoft.com/office/drawing/2014/main" id="{640C97E3-7761-4A1A-A1A0-6BF6CA95D16A}"/>
-              </a:ext>
-            </a:extLst>
-          </p:cNvPr>
-          <p:cNvSpPr>
-            <a:spLocks noGrp="1"/>
-          </p:cNvSpPr>
-          <p:nvPr>
-            <p:ph idx="1"/>
-          </p:nvPr>
-        </p:nvSpPr>
-        <p:spPr/>
-        <p:txBody>
-          <a:bodyPr>
-            <a:normAutofit/>
-          </a:bodyPr>
-          <a:lstStyle/>
-          <a:p>
-            <a:pPr marL="0" indent="0">
-              <a:buNone/>
-            </a:pPr>
-            <a:r>
-              <a:rPr lang="da-DK" dirty="0"/>
-              <a:t>There is a lot of subjective choices that we do when running experiments, most noteable the hyperparameters.</a:t>
-            </a:r>
-          </a:p>
-          <a:p>
-            <a:pPr marL="0" indent="0">
-              <a:buNone/>
-            </a:pPr>
-            <a:endParaRPr lang="da-DK" dirty="0"/>
-          </a:p>
-        </p:txBody>
-      </p:sp>
-      <p:sp>
-        <p:nvSpPr>
-          <p:cNvPr id="4" name="Date Placeholder 3">
-            <a:extLst>
-              <a:ext uri="{FF2B5EF4-FFF2-40B4-BE49-F238E27FC236}">
-                <a16:creationId xmlns:a16="http://schemas.microsoft.com/office/drawing/2014/main" id="{CF0485D1-030E-4964-9405-3339E0BA6F0B}"/>
-              </a:ext>
-            </a:extLst>
-          </p:cNvPr>
-          <p:cNvSpPr>
-            <a:spLocks noGrp="1"/>
-          </p:cNvSpPr>
-          <p:nvPr>
-            <p:ph type="dt" sz="half" idx="10"/>
-          </p:nvPr>
-        </p:nvSpPr>
-        <p:spPr/>
-        <p:txBody>
-          <a:bodyPr/>
-          <a:lstStyle/>
-          <a:p>
-            <a:fld id="{019E29B9-5584-4737-9C98-1B926378C778}" type="datetime1">
-              <a:rPr lang="en-US" smtClean="0"/>
-              <a:t>6/21/2021</a:t>
-            </a:fld>
-            <a:endParaRPr lang="da-DK"/>
-          </a:p>
-        </p:txBody>
-      </p:sp>
-      <p:sp>
-        <p:nvSpPr>
-          <p:cNvPr id="5" name="Footer Placeholder 4">
-            <a:extLst>
-              <a:ext uri="{FF2B5EF4-FFF2-40B4-BE49-F238E27FC236}">
-                <a16:creationId xmlns:a16="http://schemas.microsoft.com/office/drawing/2014/main" id="{EEE2B6F6-5C48-481C-A5D7-D3E149C12AEA}"/>
-              </a:ext>
-            </a:extLst>
-          </p:cNvPr>
-          <p:cNvSpPr>
-            <a:spLocks noGrp="1"/>
-          </p:cNvSpPr>
-          <p:nvPr>
-            <p:ph type="ftr" sz="quarter" idx="11"/>
-          </p:nvPr>
-        </p:nvSpPr>
-        <p:spPr/>
-        <p:txBody>
-          <a:bodyPr/>
-          <a:lstStyle/>
-          <a:p>
-            <a:r>
-              <a:rPr lang="da-DK"/>
-              <a:t>Nicki Skafte Detlefsen</a:t>
-            </a:r>
-          </a:p>
-        </p:txBody>
-      </p:sp>
-      <p:sp>
-        <p:nvSpPr>
-          <p:cNvPr id="6" name="Slide Number Placeholder 5">
-            <a:extLst>
-              <a:ext uri="{FF2B5EF4-FFF2-40B4-BE49-F238E27FC236}">
-                <a16:creationId xmlns:a16="http://schemas.microsoft.com/office/drawing/2014/main" id="{18DD814B-F583-46DE-A6A1-A6F0E1FB0605}"/>
-              </a:ext>
-            </a:extLst>
-          </p:cNvPr>
-          <p:cNvSpPr>
-            <a:spLocks noGrp="1"/>
-          </p:cNvSpPr>
-          <p:nvPr>
-            <p:ph type="sldNum" sz="quarter" idx="12"/>
-          </p:nvPr>
-        </p:nvSpPr>
-        <p:spPr/>
-        <p:txBody>
-          <a:bodyPr/>
-          <a:lstStyle/>
-          <a:p>
-            <a:fld id="{F6FEDE24-D50C-481B-A7B4-8AF13899101A}" type="slidenum">
-              <a:rPr lang="da-DK" smtClean="0"/>
-              <a:t>9</a:t>
             </a:fld>
             <a:endParaRPr lang="da-DK"/>
           </a:p>
@@ -13364,6 +9624,4110 @@
     <p:extLst>
       <p:ext uri="{BB962C8B-B14F-4D97-AF65-F5344CB8AC3E}">
         <p14:creationId xmlns:p14="http://schemas.microsoft.com/office/powerpoint/2010/main" val="3037718661"/>
+      </p:ext>
+    </p:extLst>
+  </p:cSld>
+  <p:clrMapOvr>
+    <a:masterClrMapping/>
+  </p:clrMapOvr>
+</p:sld>
+</file>
+
+<file path=ppt/slides/slide11.xml><?xml version="1.0" encoding="utf-8"?>
+<p:sld xmlns:a="http://schemas.openxmlformats.org/drawingml/2006/main" xmlns:r="http://schemas.openxmlformats.org/officeDocument/2006/relationships" xmlns:p="http://schemas.openxmlformats.org/presentationml/2006/main">
+  <p:cSld>
+    <p:spTree>
+      <p:nvGrpSpPr>
+        <p:cNvPr id="1" name=""/>
+        <p:cNvGrpSpPr/>
+        <p:nvPr/>
+      </p:nvGrpSpPr>
+      <p:grpSpPr>
+        <a:xfrm>
+          <a:off x="0" y="0"/>
+          <a:ext cx="0" cy="0"/>
+          <a:chOff x="0" y="0"/>
+          <a:chExt cx="0" cy="0"/>
+        </a:xfrm>
+      </p:grpSpPr>
+      <p:sp>
+        <p:nvSpPr>
+          <p:cNvPr id="3" name="Content Placeholder 2">
+            <a:extLst>
+              <a:ext uri="{FF2B5EF4-FFF2-40B4-BE49-F238E27FC236}">
+                <a16:creationId xmlns:a16="http://schemas.microsoft.com/office/drawing/2014/main" id="{30FE8B02-0463-4D95-AB56-30BA23119AAC}"/>
+              </a:ext>
+            </a:extLst>
+          </p:cNvPr>
+          <p:cNvSpPr>
+            <a:spLocks noGrp="1"/>
+          </p:cNvSpPr>
+          <p:nvPr>
+            <p:ph idx="1"/>
+          </p:nvPr>
+        </p:nvSpPr>
+        <p:spPr/>
+        <p:txBody>
+          <a:bodyPr/>
+          <a:lstStyle/>
+          <a:p>
+            <a:pPr marL="0" indent="0" algn="ctr">
+              <a:buNone/>
+            </a:pPr>
+            <a:endParaRPr lang="en-US" i="1" dirty="0"/>
+          </a:p>
+          <a:p>
+            <a:pPr marL="0" indent="0" algn="ctr">
+              <a:buNone/>
+            </a:pPr>
+            <a:r>
+              <a:rPr lang="en-US" i="1" dirty="0"/>
+              <a:t>A framework for elegantly configuring complex applications.</a:t>
+            </a:r>
+          </a:p>
+          <a:p>
+            <a:pPr marL="0" indent="0" algn="ctr">
+              <a:buNone/>
+            </a:pPr>
+            <a:r>
+              <a:rPr lang="en-US" dirty="0">
+                <a:hlinkClick r:id="rId2"/>
+              </a:rPr>
+              <a:t>https://github.com/facebookresearch/hydra</a:t>
+            </a:r>
+            <a:endParaRPr lang="en-US" dirty="0"/>
+          </a:p>
+          <a:p>
+            <a:pPr marL="0" indent="0" algn="ctr">
+              <a:buNone/>
+            </a:pPr>
+            <a:endParaRPr lang="en-US" dirty="0"/>
+          </a:p>
+          <a:p>
+            <a:pPr marL="0" indent="0">
+              <a:buNone/>
+            </a:pPr>
+            <a:r>
+              <a:rPr lang="en-US" dirty="0"/>
+              <a:t>Correctly using configuration files makes sure that everything is documented</a:t>
+            </a:r>
+          </a:p>
+          <a:p>
+            <a:pPr marL="0" indent="0">
+              <a:buNone/>
+            </a:pPr>
+            <a:r>
+              <a:rPr lang="en-US" u="sng" dirty="0"/>
+              <a:t>Example:</a:t>
+            </a:r>
+          </a:p>
+          <a:p>
+            <a:pPr marL="0" indent="0">
+              <a:buNone/>
+            </a:pPr>
+            <a:endParaRPr lang="en-US" dirty="0"/>
+          </a:p>
+        </p:txBody>
+      </p:sp>
+      <p:sp>
+        <p:nvSpPr>
+          <p:cNvPr id="4" name="Date Placeholder 3">
+            <a:extLst>
+              <a:ext uri="{FF2B5EF4-FFF2-40B4-BE49-F238E27FC236}">
+                <a16:creationId xmlns:a16="http://schemas.microsoft.com/office/drawing/2014/main" id="{386E6561-5811-4831-9A70-B9C397D06125}"/>
+              </a:ext>
+            </a:extLst>
+          </p:cNvPr>
+          <p:cNvSpPr>
+            <a:spLocks noGrp="1"/>
+          </p:cNvSpPr>
+          <p:nvPr>
+            <p:ph type="dt" sz="half" idx="10"/>
+          </p:nvPr>
+        </p:nvSpPr>
+        <p:spPr/>
+        <p:txBody>
+          <a:bodyPr/>
+          <a:lstStyle/>
+          <a:p>
+            <a:fld id="{019E29B9-5584-4737-9C98-1B926378C778}" type="datetime1">
+              <a:rPr lang="en-US" smtClean="0"/>
+              <a:t>1/4/2022</a:t>
+            </a:fld>
+            <a:endParaRPr lang="da-DK"/>
+          </a:p>
+        </p:txBody>
+      </p:sp>
+      <p:sp>
+        <p:nvSpPr>
+          <p:cNvPr id="5" name="Footer Placeholder 4">
+            <a:extLst>
+              <a:ext uri="{FF2B5EF4-FFF2-40B4-BE49-F238E27FC236}">
+                <a16:creationId xmlns:a16="http://schemas.microsoft.com/office/drawing/2014/main" id="{0A4AB652-F75E-4A6E-8F07-42A66DC5DE87}"/>
+              </a:ext>
+            </a:extLst>
+          </p:cNvPr>
+          <p:cNvSpPr>
+            <a:spLocks noGrp="1"/>
+          </p:cNvSpPr>
+          <p:nvPr>
+            <p:ph type="ftr" sz="quarter" idx="11"/>
+          </p:nvPr>
+        </p:nvSpPr>
+        <p:spPr/>
+        <p:txBody>
+          <a:bodyPr/>
+          <a:lstStyle/>
+          <a:p>
+            <a:r>
+              <a:rPr lang="da-DK"/>
+              <a:t>Nicki Skafte Detlefsen</a:t>
+            </a:r>
+          </a:p>
+        </p:txBody>
+      </p:sp>
+      <p:sp>
+        <p:nvSpPr>
+          <p:cNvPr id="6" name="Slide Number Placeholder 5">
+            <a:extLst>
+              <a:ext uri="{FF2B5EF4-FFF2-40B4-BE49-F238E27FC236}">
+                <a16:creationId xmlns:a16="http://schemas.microsoft.com/office/drawing/2014/main" id="{12A5B660-225E-47D0-8A49-500C8FDACE2D}"/>
+              </a:ext>
+            </a:extLst>
+          </p:cNvPr>
+          <p:cNvSpPr>
+            <a:spLocks noGrp="1"/>
+          </p:cNvSpPr>
+          <p:nvPr>
+            <p:ph type="sldNum" sz="quarter" idx="12"/>
+          </p:nvPr>
+        </p:nvSpPr>
+        <p:spPr/>
+        <p:txBody>
+          <a:bodyPr/>
+          <a:lstStyle/>
+          <a:p>
+            <a:fld id="{F6FEDE24-D50C-481B-A7B4-8AF13899101A}" type="slidenum">
+              <a:rPr lang="da-DK" smtClean="0"/>
+              <a:t>11</a:t>
+            </a:fld>
+            <a:endParaRPr lang="da-DK"/>
+          </a:p>
+        </p:txBody>
+      </p:sp>
+      <p:pic>
+        <p:nvPicPr>
+          <p:cNvPr id="14" name="Picture 13" descr="A picture containing text, tableware, plate, dishware&#10;&#10;Description automatically generated">
+            <a:extLst>
+              <a:ext uri="{FF2B5EF4-FFF2-40B4-BE49-F238E27FC236}">
+                <a16:creationId xmlns:a16="http://schemas.microsoft.com/office/drawing/2014/main" id="{03386FE9-286D-4F57-84AD-BF02DAE80C50}"/>
+              </a:ext>
+            </a:extLst>
+          </p:cNvPr>
+          <p:cNvPicPr>
+            <a:picLocks noChangeAspect="1"/>
+          </p:cNvPicPr>
+          <p:nvPr/>
+        </p:nvPicPr>
+        <p:blipFill>
+          <a:blip r:embed="rId3">
+            <a:extLst>
+              <a:ext uri="{28A0092B-C50C-407E-A947-70E740481C1C}">
+                <a14:useLocalDpi xmlns:a14="http://schemas.microsoft.com/office/drawing/2010/main" val="0"/>
+              </a:ext>
+            </a:extLst>
+          </a:blip>
+          <a:stretch>
+            <a:fillRect/>
+          </a:stretch>
+        </p:blipFill>
+        <p:spPr>
+          <a:xfrm>
+            <a:off x="4438665" y="47817"/>
+            <a:ext cx="3314670" cy="1657335"/>
+          </a:xfrm>
+          <a:prstGeom prst="rect">
+            <a:avLst/>
+          </a:prstGeom>
+        </p:spPr>
+      </p:pic>
+      <p:pic>
+        <p:nvPicPr>
+          <p:cNvPr id="8" name="Picture 7" descr="A picture containing shape&#10;&#10;Description automatically generated">
+            <a:extLst>
+              <a:ext uri="{FF2B5EF4-FFF2-40B4-BE49-F238E27FC236}">
+                <a16:creationId xmlns:a16="http://schemas.microsoft.com/office/drawing/2014/main" id="{B7C65A35-B062-4395-8694-9F3AFAB334FB}"/>
+              </a:ext>
+            </a:extLst>
+          </p:cNvPr>
+          <p:cNvPicPr>
+            <a:picLocks noChangeAspect="1"/>
+          </p:cNvPicPr>
+          <p:nvPr/>
+        </p:nvPicPr>
+        <p:blipFill rotWithShape="1">
+          <a:blip r:embed="rId4">
+            <a:extLst>
+              <a:ext uri="{28A0092B-C50C-407E-A947-70E740481C1C}">
+                <a14:useLocalDpi xmlns:a14="http://schemas.microsoft.com/office/drawing/2010/main" val="0"/>
+              </a:ext>
+            </a:extLst>
+          </a:blip>
+          <a:srcRect r="64396"/>
+          <a:stretch/>
+        </p:blipFill>
+        <p:spPr>
+          <a:xfrm>
+            <a:off x="966409" y="4799401"/>
+            <a:ext cx="2299305" cy="1371600"/>
+          </a:xfrm>
+          <a:prstGeom prst="rect">
+            <a:avLst/>
+          </a:prstGeom>
+        </p:spPr>
+      </p:pic>
+      <p:pic>
+        <p:nvPicPr>
+          <p:cNvPr id="10" name="Picture 9" descr="Text&#10;&#10;Description automatically generated with medium confidence">
+            <a:extLst>
+              <a:ext uri="{FF2B5EF4-FFF2-40B4-BE49-F238E27FC236}">
+                <a16:creationId xmlns:a16="http://schemas.microsoft.com/office/drawing/2014/main" id="{A76AC388-79E8-4440-B356-44AD12D2A3DA}"/>
+              </a:ext>
+            </a:extLst>
+          </p:cNvPr>
+          <p:cNvPicPr>
+            <a:picLocks noChangeAspect="1"/>
+          </p:cNvPicPr>
+          <p:nvPr/>
+        </p:nvPicPr>
+        <p:blipFill>
+          <a:blip r:embed="rId5">
+            <a:extLst>
+              <a:ext uri="{28A0092B-C50C-407E-A947-70E740481C1C}">
+                <a14:useLocalDpi xmlns:a14="http://schemas.microsoft.com/office/drawing/2010/main" val="0"/>
+              </a:ext>
+            </a:extLst>
+          </a:blip>
+          <a:stretch>
+            <a:fillRect/>
+          </a:stretch>
+        </p:blipFill>
+        <p:spPr>
+          <a:xfrm>
+            <a:off x="4876800" y="4342201"/>
+            <a:ext cx="6477000" cy="1828800"/>
+          </a:xfrm>
+          <a:prstGeom prst="rect">
+            <a:avLst/>
+          </a:prstGeom>
+        </p:spPr>
+      </p:pic>
+    </p:spTree>
+    <p:extLst>
+      <p:ext uri="{BB962C8B-B14F-4D97-AF65-F5344CB8AC3E}">
+        <p14:creationId xmlns:p14="http://schemas.microsoft.com/office/powerpoint/2010/main" val="2807158215"/>
+      </p:ext>
+    </p:extLst>
+  </p:cSld>
+  <p:clrMapOvr>
+    <a:masterClrMapping/>
+  </p:clrMapOvr>
+</p:sld>
+</file>
+
+<file path=ppt/slides/slide12.xml><?xml version="1.0" encoding="utf-8"?>
+<p:sld xmlns:a="http://schemas.openxmlformats.org/drawingml/2006/main" xmlns:r="http://schemas.openxmlformats.org/officeDocument/2006/relationships" xmlns:p="http://schemas.openxmlformats.org/presentationml/2006/main">
+  <p:cSld>
+    <p:spTree>
+      <p:nvGrpSpPr>
+        <p:cNvPr id="1" name=""/>
+        <p:cNvGrpSpPr/>
+        <p:nvPr/>
+      </p:nvGrpSpPr>
+      <p:grpSpPr>
+        <a:xfrm>
+          <a:off x="0" y="0"/>
+          <a:ext cx="0" cy="0"/>
+          <a:chOff x="0" y="0"/>
+          <a:chExt cx="0" cy="0"/>
+        </a:xfrm>
+      </p:grpSpPr>
+      <p:sp>
+        <p:nvSpPr>
+          <p:cNvPr id="2" name="Title 1">
+            <a:extLst>
+              <a:ext uri="{FF2B5EF4-FFF2-40B4-BE49-F238E27FC236}">
+                <a16:creationId xmlns:a16="http://schemas.microsoft.com/office/drawing/2014/main" id="{137EA8E7-F4DC-43BD-B19F-B49BCBDC67CD}"/>
+              </a:ext>
+            </a:extLst>
+          </p:cNvPr>
+          <p:cNvSpPr>
+            <a:spLocks noGrp="1"/>
+          </p:cNvSpPr>
+          <p:nvPr>
+            <p:ph type="title"/>
+          </p:nvPr>
+        </p:nvSpPr>
+        <p:spPr/>
+        <p:txBody>
+          <a:bodyPr/>
+          <a:lstStyle/>
+          <a:p>
+            <a:r>
+              <a:rPr lang="da-DK" dirty="0"/>
+              <a:t>Other frameworks</a:t>
+            </a:r>
+          </a:p>
+        </p:txBody>
+      </p:sp>
+      <p:sp>
+        <p:nvSpPr>
+          <p:cNvPr id="3" name="Content Placeholder 2">
+            <a:extLst>
+              <a:ext uri="{FF2B5EF4-FFF2-40B4-BE49-F238E27FC236}">
+                <a16:creationId xmlns:a16="http://schemas.microsoft.com/office/drawing/2014/main" id="{F38C3EFA-AFD8-45A3-B545-3954B06F7E17}"/>
+              </a:ext>
+            </a:extLst>
+          </p:cNvPr>
+          <p:cNvSpPr>
+            <a:spLocks noGrp="1"/>
+          </p:cNvSpPr>
+          <p:nvPr>
+            <p:ph idx="1"/>
+          </p:nvPr>
+        </p:nvSpPr>
+        <p:spPr/>
+        <p:txBody>
+          <a:bodyPr/>
+          <a:lstStyle/>
+          <a:p>
+            <a:endParaRPr lang="da-DK" dirty="0">
+              <a:hlinkClick r:id="rId2"/>
+            </a:endParaRPr>
+          </a:p>
+          <a:p>
+            <a:r>
+              <a:rPr lang="da-DK" dirty="0">
+                <a:hlinkClick r:id="rId2"/>
+              </a:rPr>
+              <a:t>https://github.com/IDSIA/sacred</a:t>
+            </a:r>
+            <a:endParaRPr lang="da-DK" dirty="0"/>
+          </a:p>
+          <a:p>
+            <a:endParaRPr lang="da-DK" dirty="0">
+              <a:hlinkClick r:id="rId3"/>
+            </a:endParaRPr>
+          </a:p>
+          <a:p>
+            <a:endParaRPr lang="da-DK" dirty="0">
+              <a:hlinkClick r:id="rId3"/>
+            </a:endParaRPr>
+          </a:p>
+          <a:p>
+            <a:r>
+              <a:rPr lang="da-DK" dirty="0">
+                <a:hlinkClick r:id="rId3"/>
+              </a:rPr>
+              <a:t>https://mlflow.org/</a:t>
+            </a:r>
+            <a:endParaRPr lang="da-DK" dirty="0"/>
+          </a:p>
+          <a:p>
+            <a:endParaRPr lang="da-DK" dirty="0"/>
+          </a:p>
+          <a:p>
+            <a:pPr marL="0" indent="0">
+              <a:buNone/>
+            </a:pPr>
+            <a:endParaRPr lang="da-DK" dirty="0"/>
+          </a:p>
+        </p:txBody>
+      </p:sp>
+      <p:sp>
+        <p:nvSpPr>
+          <p:cNvPr id="4" name="Date Placeholder 3">
+            <a:extLst>
+              <a:ext uri="{FF2B5EF4-FFF2-40B4-BE49-F238E27FC236}">
+                <a16:creationId xmlns:a16="http://schemas.microsoft.com/office/drawing/2014/main" id="{E8518486-FFDB-4867-9F76-326C9BA339A4}"/>
+              </a:ext>
+            </a:extLst>
+          </p:cNvPr>
+          <p:cNvSpPr>
+            <a:spLocks noGrp="1"/>
+          </p:cNvSpPr>
+          <p:nvPr>
+            <p:ph type="dt" sz="half" idx="10"/>
+          </p:nvPr>
+        </p:nvSpPr>
+        <p:spPr/>
+        <p:txBody>
+          <a:bodyPr/>
+          <a:lstStyle/>
+          <a:p>
+            <a:fld id="{019E29B9-5584-4737-9C98-1B926378C778}" type="datetime1">
+              <a:rPr lang="en-US" smtClean="0"/>
+              <a:t>1/4/2022</a:t>
+            </a:fld>
+            <a:endParaRPr lang="da-DK"/>
+          </a:p>
+        </p:txBody>
+      </p:sp>
+      <p:sp>
+        <p:nvSpPr>
+          <p:cNvPr id="5" name="Footer Placeholder 4">
+            <a:extLst>
+              <a:ext uri="{FF2B5EF4-FFF2-40B4-BE49-F238E27FC236}">
+                <a16:creationId xmlns:a16="http://schemas.microsoft.com/office/drawing/2014/main" id="{7120C5F5-650D-4B22-9BC6-1B33E4EE3ACC}"/>
+              </a:ext>
+            </a:extLst>
+          </p:cNvPr>
+          <p:cNvSpPr>
+            <a:spLocks noGrp="1"/>
+          </p:cNvSpPr>
+          <p:nvPr>
+            <p:ph type="ftr" sz="quarter" idx="11"/>
+          </p:nvPr>
+        </p:nvSpPr>
+        <p:spPr/>
+        <p:txBody>
+          <a:bodyPr/>
+          <a:lstStyle/>
+          <a:p>
+            <a:r>
+              <a:rPr lang="da-DK"/>
+              <a:t>Nicki Skafte Detlefsen</a:t>
+            </a:r>
+          </a:p>
+        </p:txBody>
+      </p:sp>
+      <p:sp>
+        <p:nvSpPr>
+          <p:cNvPr id="6" name="Slide Number Placeholder 5">
+            <a:extLst>
+              <a:ext uri="{FF2B5EF4-FFF2-40B4-BE49-F238E27FC236}">
+                <a16:creationId xmlns:a16="http://schemas.microsoft.com/office/drawing/2014/main" id="{C7D46A3B-6ABF-4194-9779-703BF6E77D6E}"/>
+              </a:ext>
+            </a:extLst>
+          </p:cNvPr>
+          <p:cNvSpPr>
+            <a:spLocks noGrp="1"/>
+          </p:cNvSpPr>
+          <p:nvPr>
+            <p:ph type="sldNum" sz="quarter" idx="12"/>
+          </p:nvPr>
+        </p:nvSpPr>
+        <p:spPr/>
+        <p:txBody>
+          <a:bodyPr/>
+          <a:lstStyle/>
+          <a:p>
+            <a:fld id="{F6FEDE24-D50C-481B-A7B4-8AF13899101A}" type="slidenum">
+              <a:rPr lang="da-DK" smtClean="0"/>
+              <a:t>12</a:t>
+            </a:fld>
+            <a:endParaRPr lang="da-DK"/>
+          </a:p>
+        </p:txBody>
+      </p:sp>
+    </p:spTree>
+    <p:extLst>
+      <p:ext uri="{BB962C8B-B14F-4D97-AF65-F5344CB8AC3E}">
+        <p14:creationId xmlns:p14="http://schemas.microsoft.com/office/powerpoint/2010/main" val="4228679766"/>
+      </p:ext>
+    </p:extLst>
+  </p:cSld>
+  <p:clrMapOvr>
+    <a:masterClrMapping/>
+  </p:clrMapOvr>
+</p:sld>
+</file>
+
+<file path=ppt/slides/slide13.xml><?xml version="1.0" encoding="utf-8"?>
+<p:sld xmlns:a="http://schemas.openxmlformats.org/drawingml/2006/main" xmlns:r="http://schemas.openxmlformats.org/officeDocument/2006/relationships" xmlns:p="http://schemas.openxmlformats.org/presentationml/2006/main">
+  <p:cSld>
+    <p:spTree>
+      <p:nvGrpSpPr>
+        <p:cNvPr id="1" name=""/>
+        <p:cNvGrpSpPr/>
+        <p:nvPr/>
+      </p:nvGrpSpPr>
+      <p:grpSpPr>
+        <a:xfrm>
+          <a:off x="0" y="0"/>
+          <a:ext cx="0" cy="0"/>
+          <a:chOff x="0" y="0"/>
+          <a:chExt cx="0" cy="0"/>
+        </a:xfrm>
+      </p:grpSpPr>
+      <p:sp>
+        <p:nvSpPr>
+          <p:cNvPr id="2" name="Title 1">
+            <a:extLst>
+              <a:ext uri="{FF2B5EF4-FFF2-40B4-BE49-F238E27FC236}">
+                <a16:creationId xmlns:a16="http://schemas.microsoft.com/office/drawing/2014/main" id="{127853A8-BEFE-49B1-9EED-912729E28F9A}"/>
+              </a:ext>
+            </a:extLst>
+          </p:cNvPr>
+          <p:cNvSpPr>
+            <a:spLocks noGrp="1"/>
+          </p:cNvSpPr>
+          <p:nvPr>
+            <p:ph type="title"/>
+          </p:nvPr>
+        </p:nvSpPr>
+        <p:spPr/>
+        <p:txBody>
+          <a:bodyPr/>
+          <a:lstStyle/>
+          <a:p>
+            <a:r>
+              <a:rPr lang="da-DK" dirty="0"/>
+              <a:t>Meme of the day</a:t>
+            </a:r>
+          </a:p>
+        </p:txBody>
+      </p:sp>
+      <p:pic>
+        <p:nvPicPr>
+          <p:cNvPr id="8" name="Content Placeholder 7">
+            <a:extLst>
+              <a:ext uri="{FF2B5EF4-FFF2-40B4-BE49-F238E27FC236}">
+                <a16:creationId xmlns:a16="http://schemas.microsoft.com/office/drawing/2014/main" id="{AA224218-8412-4636-B833-730FFA15090E}"/>
+              </a:ext>
+            </a:extLst>
+          </p:cNvPr>
+          <p:cNvPicPr>
+            <a:picLocks noGrp="1" noChangeAspect="1"/>
+          </p:cNvPicPr>
+          <p:nvPr>
+            <p:ph idx="1"/>
+          </p:nvPr>
+        </p:nvPicPr>
+        <p:blipFill rotWithShape="1">
+          <a:blip r:embed="rId2">
+            <a:extLst>
+              <a:ext uri="{28A0092B-C50C-407E-A947-70E740481C1C}">
+                <a14:useLocalDpi xmlns:a14="http://schemas.microsoft.com/office/drawing/2010/main" val="0"/>
+              </a:ext>
+            </a:extLst>
+          </a:blip>
+          <a:srcRect l="1242" r="1874"/>
+          <a:stretch/>
+        </p:blipFill>
+        <p:spPr>
+          <a:xfrm>
+            <a:off x="4444905" y="1096627"/>
+            <a:ext cx="3178573" cy="5256321"/>
+          </a:xfrm>
+        </p:spPr>
+      </p:pic>
+      <p:sp>
+        <p:nvSpPr>
+          <p:cNvPr id="4" name="Date Placeholder 3">
+            <a:extLst>
+              <a:ext uri="{FF2B5EF4-FFF2-40B4-BE49-F238E27FC236}">
+                <a16:creationId xmlns:a16="http://schemas.microsoft.com/office/drawing/2014/main" id="{58D298BC-82B3-4328-90DE-40BCFBDE23C3}"/>
+              </a:ext>
+            </a:extLst>
+          </p:cNvPr>
+          <p:cNvSpPr>
+            <a:spLocks noGrp="1"/>
+          </p:cNvSpPr>
+          <p:nvPr>
+            <p:ph type="dt" sz="half" idx="10"/>
+          </p:nvPr>
+        </p:nvSpPr>
+        <p:spPr/>
+        <p:txBody>
+          <a:bodyPr/>
+          <a:lstStyle/>
+          <a:p>
+            <a:fld id="{019E29B9-5584-4737-9C98-1B926378C778}" type="datetime1">
+              <a:rPr lang="en-US" smtClean="0"/>
+              <a:t>1/4/2022</a:t>
+            </a:fld>
+            <a:endParaRPr lang="da-DK"/>
+          </a:p>
+        </p:txBody>
+      </p:sp>
+      <p:sp>
+        <p:nvSpPr>
+          <p:cNvPr id="5" name="Footer Placeholder 4">
+            <a:extLst>
+              <a:ext uri="{FF2B5EF4-FFF2-40B4-BE49-F238E27FC236}">
+                <a16:creationId xmlns:a16="http://schemas.microsoft.com/office/drawing/2014/main" id="{D4BD9CCA-658A-4656-9130-18CDBF930570}"/>
+              </a:ext>
+            </a:extLst>
+          </p:cNvPr>
+          <p:cNvSpPr>
+            <a:spLocks noGrp="1"/>
+          </p:cNvSpPr>
+          <p:nvPr>
+            <p:ph type="ftr" sz="quarter" idx="11"/>
+          </p:nvPr>
+        </p:nvSpPr>
+        <p:spPr/>
+        <p:txBody>
+          <a:bodyPr/>
+          <a:lstStyle/>
+          <a:p>
+            <a:r>
+              <a:rPr lang="da-DK"/>
+              <a:t>Nicki Skafte Detlefsen</a:t>
+            </a:r>
+          </a:p>
+        </p:txBody>
+      </p:sp>
+      <p:sp>
+        <p:nvSpPr>
+          <p:cNvPr id="6" name="Slide Number Placeholder 5">
+            <a:extLst>
+              <a:ext uri="{FF2B5EF4-FFF2-40B4-BE49-F238E27FC236}">
+                <a16:creationId xmlns:a16="http://schemas.microsoft.com/office/drawing/2014/main" id="{9DD3A813-5E73-44EC-9DCA-BF606A596DF9}"/>
+              </a:ext>
+            </a:extLst>
+          </p:cNvPr>
+          <p:cNvSpPr>
+            <a:spLocks noGrp="1"/>
+          </p:cNvSpPr>
+          <p:nvPr>
+            <p:ph type="sldNum" sz="quarter" idx="12"/>
+          </p:nvPr>
+        </p:nvSpPr>
+        <p:spPr/>
+        <p:txBody>
+          <a:bodyPr/>
+          <a:lstStyle/>
+          <a:p>
+            <a:fld id="{F6FEDE24-D50C-481B-A7B4-8AF13899101A}" type="slidenum">
+              <a:rPr lang="da-DK" smtClean="0"/>
+              <a:t>13</a:t>
+            </a:fld>
+            <a:endParaRPr lang="da-DK"/>
+          </a:p>
+        </p:txBody>
+      </p:sp>
+    </p:spTree>
+    <p:extLst>
+      <p:ext uri="{BB962C8B-B14F-4D97-AF65-F5344CB8AC3E}">
+        <p14:creationId xmlns:p14="http://schemas.microsoft.com/office/powerpoint/2010/main" val="23490720"/>
+      </p:ext>
+    </p:extLst>
+  </p:cSld>
+  <p:clrMapOvr>
+    <a:masterClrMapping/>
+  </p:clrMapOvr>
+</p:sld>
+</file>
+
+<file path=ppt/slides/slide2.xml><?xml version="1.0" encoding="utf-8"?>
+<p:sld xmlns:a="http://schemas.openxmlformats.org/drawingml/2006/main" xmlns:r="http://schemas.openxmlformats.org/officeDocument/2006/relationships" xmlns:p="http://schemas.openxmlformats.org/presentationml/2006/main">
+  <p:cSld>
+    <p:spTree>
+      <p:nvGrpSpPr>
+        <p:cNvPr id="1" name=""/>
+        <p:cNvGrpSpPr/>
+        <p:nvPr/>
+      </p:nvGrpSpPr>
+      <p:grpSpPr>
+        <a:xfrm>
+          <a:off x="0" y="0"/>
+          <a:ext cx="0" cy="0"/>
+          <a:chOff x="0" y="0"/>
+          <a:chExt cx="0" cy="0"/>
+        </a:xfrm>
+      </p:grpSpPr>
+      <p:sp>
+        <p:nvSpPr>
+          <p:cNvPr id="2" name="Title 1">
+            <a:extLst>
+              <a:ext uri="{FF2B5EF4-FFF2-40B4-BE49-F238E27FC236}">
+                <a16:creationId xmlns:a16="http://schemas.microsoft.com/office/drawing/2014/main" id="{94882A16-5DC0-418B-9649-71D626B51021}"/>
+              </a:ext>
+            </a:extLst>
+          </p:cNvPr>
+          <p:cNvSpPr>
+            <a:spLocks noGrp="1"/>
+          </p:cNvSpPr>
+          <p:nvPr>
+            <p:ph type="title"/>
+          </p:nvPr>
+        </p:nvSpPr>
+        <p:spPr/>
+        <p:txBody>
+          <a:bodyPr/>
+          <a:lstStyle/>
+          <a:p>
+            <a:r>
+              <a:rPr lang="da-DK" dirty="0"/>
+              <a:t>What is it?</a:t>
+            </a:r>
+          </a:p>
+        </p:txBody>
+      </p:sp>
+      <p:sp>
+        <p:nvSpPr>
+          <p:cNvPr id="3" name="Content Placeholder 2">
+            <a:extLst>
+              <a:ext uri="{FF2B5EF4-FFF2-40B4-BE49-F238E27FC236}">
+                <a16:creationId xmlns:a16="http://schemas.microsoft.com/office/drawing/2014/main" id="{B180E806-30A0-4B8E-8283-5136FC799D27}"/>
+              </a:ext>
+            </a:extLst>
+          </p:cNvPr>
+          <p:cNvSpPr>
+            <a:spLocks noGrp="1"/>
+          </p:cNvSpPr>
+          <p:nvPr>
+            <p:ph idx="1"/>
+          </p:nvPr>
+        </p:nvSpPr>
+        <p:spPr>
+          <a:xfrm>
+            <a:off x="838200" y="1343608"/>
+            <a:ext cx="6477000" cy="4833355"/>
+          </a:xfrm>
+        </p:spPr>
+        <p:txBody>
+          <a:bodyPr/>
+          <a:lstStyle/>
+          <a:p>
+            <a:r>
+              <a:rPr lang="da-DK" dirty="0"/>
+              <a:t>Being able to reproduce other peoples experimental results is an essential part of the scientific method</a:t>
+            </a:r>
+          </a:p>
+          <a:p>
+            <a:r>
+              <a:rPr lang="da-DK" dirty="0"/>
+              <a:t>Well known problem thoughout most fields (physics, chemestry, biology and computer science)</a:t>
+            </a:r>
+          </a:p>
+          <a:p>
+            <a:r>
+              <a:rPr lang="da-DK" dirty="0"/>
+              <a:t>With the rise of deep learning, the problem has only been made worse due to competition</a:t>
+            </a:r>
+          </a:p>
+        </p:txBody>
+      </p:sp>
+      <p:sp>
+        <p:nvSpPr>
+          <p:cNvPr id="4" name="Date Placeholder 3">
+            <a:extLst>
+              <a:ext uri="{FF2B5EF4-FFF2-40B4-BE49-F238E27FC236}">
+                <a16:creationId xmlns:a16="http://schemas.microsoft.com/office/drawing/2014/main" id="{9127BE0C-2F4C-4E85-A178-639F99BFA36B}"/>
+              </a:ext>
+            </a:extLst>
+          </p:cNvPr>
+          <p:cNvSpPr>
+            <a:spLocks noGrp="1"/>
+          </p:cNvSpPr>
+          <p:nvPr>
+            <p:ph type="dt" sz="half" idx="10"/>
+          </p:nvPr>
+        </p:nvSpPr>
+        <p:spPr/>
+        <p:txBody>
+          <a:bodyPr/>
+          <a:lstStyle/>
+          <a:p>
+            <a:fld id="{019E29B9-5584-4737-9C98-1B926378C778}" type="datetime1">
+              <a:rPr lang="en-US" smtClean="0"/>
+              <a:t>1/4/2022</a:t>
+            </a:fld>
+            <a:endParaRPr lang="da-DK"/>
+          </a:p>
+        </p:txBody>
+      </p:sp>
+      <p:sp>
+        <p:nvSpPr>
+          <p:cNvPr id="5" name="Footer Placeholder 4">
+            <a:extLst>
+              <a:ext uri="{FF2B5EF4-FFF2-40B4-BE49-F238E27FC236}">
+                <a16:creationId xmlns:a16="http://schemas.microsoft.com/office/drawing/2014/main" id="{A8D1A9A6-1FD7-4170-B0A1-5F745343A44A}"/>
+              </a:ext>
+            </a:extLst>
+          </p:cNvPr>
+          <p:cNvSpPr>
+            <a:spLocks noGrp="1"/>
+          </p:cNvSpPr>
+          <p:nvPr>
+            <p:ph type="ftr" sz="quarter" idx="11"/>
+          </p:nvPr>
+        </p:nvSpPr>
+        <p:spPr/>
+        <p:txBody>
+          <a:bodyPr/>
+          <a:lstStyle/>
+          <a:p>
+            <a:r>
+              <a:rPr lang="da-DK"/>
+              <a:t>Nicki Skafte Detlefsen</a:t>
+            </a:r>
+          </a:p>
+        </p:txBody>
+      </p:sp>
+      <p:sp>
+        <p:nvSpPr>
+          <p:cNvPr id="6" name="Slide Number Placeholder 5">
+            <a:extLst>
+              <a:ext uri="{FF2B5EF4-FFF2-40B4-BE49-F238E27FC236}">
+                <a16:creationId xmlns:a16="http://schemas.microsoft.com/office/drawing/2014/main" id="{FC3DB8A4-9C12-4C02-BEFF-F626D26CA260}"/>
+              </a:ext>
+            </a:extLst>
+          </p:cNvPr>
+          <p:cNvSpPr>
+            <a:spLocks noGrp="1"/>
+          </p:cNvSpPr>
+          <p:nvPr>
+            <p:ph type="sldNum" sz="quarter" idx="12"/>
+          </p:nvPr>
+        </p:nvSpPr>
+        <p:spPr/>
+        <p:txBody>
+          <a:bodyPr/>
+          <a:lstStyle/>
+          <a:p>
+            <a:fld id="{F6FEDE24-D50C-481B-A7B4-8AF13899101A}" type="slidenum">
+              <a:rPr lang="da-DK" smtClean="0"/>
+              <a:t>2</a:t>
+            </a:fld>
+            <a:endParaRPr lang="da-DK"/>
+          </a:p>
+        </p:txBody>
+      </p:sp>
+      <p:pic>
+        <p:nvPicPr>
+          <p:cNvPr id="8" name="Picture 7" descr="Diagram&#10;&#10;Description automatically generated">
+            <a:extLst>
+              <a:ext uri="{FF2B5EF4-FFF2-40B4-BE49-F238E27FC236}">
+                <a16:creationId xmlns:a16="http://schemas.microsoft.com/office/drawing/2014/main" id="{4A16BE5E-32A2-46DF-B889-D28611E2A247}"/>
+              </a:ext>
+            </a:extLst>
+          </p:cNvPr>
+          <p:cNvPicPr>
+            <a:picLocks noChangeAspect="1"/>
+          </p:cNvPicPr>
+          <p:nvPr/>
+        </p:nvPicPr>
+        <p:blipFill>
+          <a:blip r:embed="rId2">
+            <a:extLst>
+              <a:ext uri="{28A0092B-C50C-407E-A947-70E740481C1C}">
+                <a14:useLocalDpi xmlns:a14="http://schemas.microsoft.com/office/drawing/2010/main" val="0"/>
+              </a:ext>
+            </a:extLst>
+          </a:blip>
+          <a:stretch>
+            <a:fillRect/>
+          </a:stretch>
+        </p:blipFill>
+        <p:spPr>
+          <a:xfrm>
+            <a:off x="7315200" y="1343608"/>
+            <a:ext cx="4586762" cy="4586762"/>
+          </a:xfrm>
+          <a:prstGeom prst="rect">
+            <a:avLst/>
+          </a:prstGeom>
+        </p:spPr>
+      </p:pic>
+      <p:cxnSp>
+        <p:nvCxnSpPr>
+          <p:cNvPr id="10" name="Straight Connector 9">
+            <a:extLst>
+              <a:ext uri="{FF2B5EF4-FFF2-40B4-BE49-F238E27FC236}">
+                <a16:creationId xmlns:a16="http://schemas.microsoft.com/office/drawing/2014/main" id="{0B235389-4757-427C-BD3C-E68A6C9B9C12}"/>
+              </a:ext>
+            </a:extLst>
+          </p:cNvPr>
+          <p:cNvCxnSpPr/>
+          <p:nvPr/>
+        </p:nvCxnSpPr>
+        <p:spPr>
+          <a:xfrm>
+            <a:off x="7715250" y="4622800"/>
+            <a:ext cx="952500" cy="0"/>
+          </a:xfrm>
+          <a:prstGeom prst="line">
+            <a:avLst/>
+          </a:prstGeom>
+          <a:ln w="38100">
+            <a:solidFill>
+              <a:srgbClr val="FF0000"/>
+            </a:solidFill>
+          </a:ln>
+        </p:spPr>
+        <p:style>
+          <a:lnRef idx="1">
+            <a:schemeClr val="accent1"/>
+          </a:lnRef>
+          <a:fillRef idx="0">
+            <a:schemeClr val="accent1"/>
+          </a:fillRef>
+          <a:effectRef idx="0">
+            <a:schemeClr val="accent1"/>
+          </a:effectRef>
+          <a:fontRef idx="minor">
+            <a:schemeClr val="tx1"/>
+          </a:fontRef>
+        </p:style>
+      </p:cxnSp>
+      <p:cxnSp>
+        <p:nvCxnSpPr>
+          <p:cNvPr id="11" name="Straight Connector 10">
+            <a:extLst>
+              <a:ext uri="{FF2B5EF4-FFF2-40B4-BE49-F238E27FC236}">
+                <a16:creationId xmlns:a16="http://schemas.microsoft.com/office/drawing/2014/main" id="{85B202E3-B8B6-4F10-9CCE-E17C714E9ECE}"/>
+              </a:ext>
+            </a:extLst>
+          </p:cNvPr>
+          <p:cNvCxnSpPr>
+            <a:cxnSpLocks/>
+          </p:cNvCxnSpPr>
+          <p:nvPr/>
+        </p:nvCxnSpPr>
+        <p:spPr>
+          <a:xfrm flipV="1">
+            <a:off x="7937500" y="4279900"/>
+            <a:ext cx="508000" cy="647700"/>
+          </a:xfrm>
+          <a:prstGeom prst="line">
+            <a:avLst/>
+          </a:prstGeom>
+          <a:ln w="38100">
+            <a:solidFill>
+              <a:srgbClr val="FF0000"/>
+            </a:solidFill>
+          </a:ln>
+        </p:spPr>
+        <p:style>
+          <a:lnRef idx="1">
+            <a:schemeClr val="accent1"/>
+          </a:lnRef>
+          <a:fillRef idx="0">
+            <a:schemeClr val="accent1"/>
+          </a:fillRef>
+          <a:effectRef idx="0">
+            <a:schemeClr val="accent1"/>
+          </a:effectRef>
+          <a:fontRef idx="minor">
+            <a:schemeClr val="tx1"/>
+          </a:fontRef>
+        </p:style>
+      </p:cxnSp>
+      <p:sp>
+        <p:nvSpPr>
+          <p:cNvPr id="16" name="TextBox 15">
+            <a:extLst>
+              <a:ext uri="{FF2B5EF4-FFF2-40B4-BE49-F238E27FC236}">
+                <a16:creationId xmlns:a16="http://schemas.microsoft.com/office/drawing/2014/main" id="{4F6BADF9-BC1A-43F2-A3E2-8548DF45F2C5}"/>
+              </a:ext>
+            </a:extLst>
+          </p:cNvPr>
+          <p:cNvSpPr txBox="1"/>
+          <p:nvPr/>
+        </p:nvSpPr>
+        <p:spPr>
+          <a:xfrm>
+            <a:off x="7327900" y="5892581"/>
+            <a:ext cx="2730500" cy="400110"/>
+          </a:xfrm>
+          <a:prstGeom prst="rect">
+            <a:avLst/>
+          </a:prstGeom>
+          <a:noFill/>
+        </p:spPr>
+        <p:txBody>
+          <a:bodyPr wrap="square" rtlCol="0">
+            <a:spAutoFit/>
+          </a:bodyPr>
+          <a:lstStyle/>
+          <a:p>
+            <a:r>
+              <a:rPr lang="da-DK" sz="2000" dirty="0"/>
+              <a:t>This is where it breaks</a:t>
+            </a:r>
+          </a:p>
+        </p:txBody>
+      </p:sp>
+      <p:cxnSp>
+        <p:nvCxnSpPr>
+          <p:cNvPr id="18" name="Straight Arrow Connector 17">
+            <a:extLst>
+              <a:ext uri="{FF2B5EF4-FFF2-40B4-BE49-F238E27FC236}">
+                <a16:creationId xmlns:a16="http://schemas.microsoft.com/office/drawing/2014/main" id="{70AE2DD0-2156-4756-9211-C807B29F07C5}"/>
+              </a:ext>
+            </a:extLst>
+          </p:cNvPr>
+          <p:cNvCxnSpPr/>
+          <p:nvPr/>
+        </p:nvCxnSpPr>
+        <p:spPr>
+          <a:xfrm flipV="1">
+            <a:off x="7937500" y="4927600"/>
+            <a:ext cx="215900" cy="964982"/>
+          </a:xfrm>
+          <a:prstGeom prst="straightConnector1">
+            <a:avLst/>
+          </a:prstGeom>
+          <a:ln w="38100">
+            <a:solidFill>
+              <a:srgbClr val="FF0000"/>
+            </a:solidFill>
+            <a:tailEnd type="triangle"/>
+          </a:ln>
+        </p:spPr>
+        <p:style>
+          <a:lnRef idx="1">
+            <a:schemeClr val="accent1"/>
+          </a:lnRef>
+          <a:fillRef idx="0">
+            <a:schemeClr val="accent1"/>
+          </a:fillRef>
+          <a:effectRef idx="0">
+            <a:schemeClr val="accent1"/>
+          </a:effectRef>
+          <a:fontRef idx="minor">
+            <a:schemeClr val="tx1"/>
+          </a:fontRef>
+        </p:style>
+      </p:cxnSp>
+    </p:spTree>
+    <p:extLst>
+      <p:ext uri="{BB962C8B-B14F-4D97-AF65-F5344CB8AC3E}">
+        <p14:creationId xmlns:p14="http://schemas.microsoft.com/office/powerpoint/2010/main" val="2284084431"/>
+      </p:ext>
+    </p:extLst>
+  </p:cSld>
+  <p:clrMapOvr>
+    <a:masterClrMapping/>
+  </p:clrMapOvr>
+</p:sld>
+</file>
+
+<file path=ppt/slides/slide3.xml><?xml version="1.0" encoding="utf-8"?>
+<p:sld xmlns:a="http://schemas.openxmlformats.org/drawingml/2006/main" xmlns:r="http://schemas.openxmlformats.org/officeDocument/2006/relationships" xmlns:p="http://schemas.openxmlformats.org/presentationml/2006/main">
+  <p:cSld>
+    <p:spTree>
+      <p:nvGrpSpPr>
+        <p:cNvPr id="1" name=""/>
+        <p:cNvGrpSpPr/>
+        <p:nvPr/>
+      </p:nvGrpSpPr>
+      <p:grpSpPr>
+        <a:xfrm>
+          <a:off x="0" y="0"/>
+          <a:ext cx="0" cy="0"/>
+          <a:chOff x="0" y="0"/>
+          <a:chExt cx="0" cy="0"/>
+        </a:xfrm>
+      </p:grpSpPr>
+      <p:sp>
+        <p:nvSpPr>
+          <p:cNvPr id="2" name="Title 1">
+            <a:extLst>
+              <a:ext uri="{FF2B5EF4-FFF2-40B4-BE49-F238E27FC236}">
+                <a16:creationId xmlns:a16="http://schemas.microsoft.com/office/drawing/2014/main" id="{B78D1520-F227-45A0-A452-5CE68CEFC737}"/>
+              </a:ext>
+            </a:extLst>
+          </p:cNvPr>
+          <p:cNvSpPr>
+            <a:spLocks noGrp="1"/>
+          </p:cNvSpPr>
+          <p:nvPr>
+            <p:ph type="title"/>
+          </p:nvPr>
+        </p:nvSpPr>
+        <p:spPr/>
+        <p:txBody>
+          <a:bodyPr/>
+          <a:lstStyle/>
+          <a:p>
+            <a:r>
+              <a:rPr lang="da-DK" dirty="0"/>
+              <a:t>Why do we need reproduceability at all?</a:t>
+            </a:r>
+          </a:p>
+        </p:txBody>
+      </p:sp>
+      <p:sp>
+        <p:nvSpPr>
+          <p:cNvPr id="3" name="Content Placeholder 2">
+            <a:extLst>
+              <a:ext uri="{FF2B5EF4-FFF2-40B4-BE49-F238E27FC236}">
+                <a16:creationId xmlns:a16="http://schemas.microsoft.com/office/drawing/2014/main" id="{68A69F30-680E-4A69-A902-1881249DAD14}"/>
+              </a:ext>
+            </a:extLst>
+          </p:cNvPr>
+          <p:cNvSpPr>
+            <a:spLocks noGrp="1"/>
+          </p:cNvSpPr>
+          <p:nvPr>
+            <p:ph idx="1"/>
+          </p:nvPr>
+        </p:nvSpPr>
+        <p:spPr>
+          <a:xfrm>
+            <a:off x="838199" y="1343608"/>
+            <a:ext cx="5378043" cy="4833355"/>
+          </a:xfrm>
+        </p:spPr>
+        <p:txBody>
+          <a:bodyPr/>
+          <a:lstStyle/>
+          <a:p>
+            <a:pPr marL="0" indent="0">
+              <a:buNone/>
+            </a:pPr>
+            <a:r>
+              <a:rPr lang="da-DK" dirty="0"/>
+              <a:t>Reproduceability is a key component in </a:t>
+            </a:r>
+            <a:r>
+              <a:rPr lang="da-DK" i="1" dirty="0"/>
+              <a:t>Trustworthy ML</a:t>
+            </a:r>
+          </a:p>
+          <a:p>
+            <a:pPr marL="0" indent="0" algn="ctr">
+              <a:buNone/>
+            </a:pPr>
+            <a:endParaRPr lang="da-DK" dirty="0"/>
+          </a:p>
+          <a:p>
+            <a:pPr marL="0" indent="0" algn="ctr">
+              <a:buNone/>
+            </a:pPr>
+            <a:endParaRPr lang="da-DK" dirty="0"/>
+          </a:p>
+          <a:p>
+            <a:pPr marL="0" indent="0">
+              <a:buNone/>
+            </a:pPr>
+            <a:r>
+              <a:rPr lang="da-DK" u="sng" dirty="0"/>
+              <a:t>Case: </a:t>
+            </a:r>
+          </a:p>
+          <a:p>
+            <a:pPr marL="0" indent="0">
+              <a:buNone/>
+            </a:pPr>
+            <a:r>
+              <a:rPr lang="da-DK" dirty="0"/>
+              <a:t>Imaging an AI agent used for dinostics. Without reproduceability two persons with the exact same symtomes could get different diagnosis</a:t>
+            </a:r>
+          </a:p>
+        </p:txBody>
+      </p:sp>
+      <p:sp>
+        <p:nvSpPr>
+          <p:cNvPr id="4" name="Date Placeholder 3">
+            <a:extLst>
+              <a:ext uri="{FF2B5EF4-FFF2-40B4-BE49-F238E27FC236}">
+                <a16:creationId xmlns:a16="http://schemas.microsoft.com/office/drawing/2014/main" id="{BF011858-F6E4-462F-A1A5-D3A0CBE5B5C7}"/>
+              </a:ext>
+            </a:extLst>
+          </p:cNvPr>
+          <p:cNvSpPr>
+            <a:spLocks noGrp="1"/>
+          </p:cNvSpPr>
+          <p:nvPr>
+            <p:ph type="dt" sz="half" idx="10"/>
+          </p:nvPr>
+        </p:nvSpPr>
+        <p:spPr/>
+        <p:txBody>
+          <a:bodyPr/>
+          <a:lstStyle/>
+          <a:p>
+            <a:fld id="{019E29B9-5584-4737-9C98-1B926378C778}" type="datetime1">
+              <a:rPr lang="en-US" smtClean="0"/>
+              <a:t>1/4/2022</a:t>
+            </a:fld>
+            <a:endParaRPr lang="da-DK"/>
+          </a:p>
+        </p:txBody>
+      </p:sp>
+      <p:sp>
+        <p:nvSpPr>
+          <p:cNvPr id="5" name="Footer Placeholder 4">
+            <a:extLst>
+              <a:ext uri="{FF2B5EF4-FFF2-40B4-BE49-F238E27FC236}">
+                <a16:creationId xmlns:a16="http://schemas.microsoft.com/office/drawing/2014/main" id="{D3E718E0-B526-4688-A9A8-C8BD34115241}"/>
+              </a:ext>
+            </a:extLst>
+          </p:cNvPr>
+          <p:cNvSpPr>
+            <a:spLocks noGrp="1"/>
+          </p:cNvSpPr>
+          <p:nvPr>
+            <p:ph type="ftr" sz="quarter" idx="11"/>
+          </p:nvPr>
+        </p:nvSpPr>
+        <p:spPr/>
+        <p:txBody>
+          <a:bodyPr/>
+          <a:lstStyle/>
+          <a:p>
+            <a:r>
+              <a:rPr lang="da-DK"/>
+              <a:t>Nicki Skafte Detlefsen</a:t>
+            </a:r>
+          </a:p>
+        </p:txBody>
+      </p:sp>
+      <p:sp>
+        <p:nvSpPr>
+          <p:cNvPr id="6" name="Slide Number Placeholder 5">
+            <a:extLst>
+              <a:ext uri="{FF2B5EF4-FFF2-40B4-BE49-F238E27FC236}">
+                <a16:creationId xmlns:a16="http://schemas.microsoft.com/office/drawing/2014/main" id="{F9554614-DB84-46A0-A7B4-A0DB09E20ECA}"/>
+              </a:ext>
+            </a:extLst>
+          </p:cNvPr>
+          <p:cNvSpPr>
+            <a:spLocks noGrp="1"/>
+          </p:cNvSpPr>
+          <p:nvPr>
+            <p:ph type="sldNum" sz="quarter" idx="12"/>
+          </p:nvPr>
+        </p:nvSpPr>
+        <p:spPr/>
+        <p:txBody>
+          <a:bodyPr/>
+          <a:lstStyle/>
+          <a:p>
+            <a:fld id="{F6FEDE24-D50C-481B-A7B4-8AF13899101A}" type="slidenum">
+              <a:rPr lang="da-DK" smtClean="0"/>
+              <a:t>3</a:t>
+            </a:fld>
+            <a:endParaRPr lang="da-DK"/>
+          </a:p>
+        </p:txBody>
+      </p:sp>
+      <p:pic>
+        <p:nvPicPr>
+          <p:cNvPr id="8" name="Picture 7" descr="Diagram&#10;&#10;Description automatically generated">
+            <a:extLst>
+              <a:ext uri="{FF2B5EF4-FFF2-40B4-BE49-F238E27FC236}">
+                <a16:creationId xmlns:a16="http://schemas.microsoft.com/office/drawing/2014/main" id="{00F564B3-C29C-492D-A0F1-33163CF7BB3A}"/>
+              </a:ext>
+            </a:extLst>
+          </p:cNvPr>
+          <p:cNvPicPr>
+            <a:picLocks noChangeAspect="1"/>
+          </p:cNvPicPr>
+          <p:nvPr/>
+        </p:nvPicPr>
+        <p:blipFill rotWithShape="1">
+          <a:blip r:embed="rId2">
+            <a:extLst>
+              <a:ext uri="{28A0092B-C50C-407E-A947-70E740481C1C}">
+                <a14:useLocalDpi xmlns:a14="http://schemas.microsoft.com/office/drawing/2010/main" val="0"/>
+              </a:ext>
+            </a:extLst>
+          </a:blip>
+          <a:srcRect t="4503"/>
+          <a:stretch/>
+        </p:blipFill>
+        <p:spPr>
+          <a:xfrm>
+            <a:off x="6075583" y="1208692"/>
+            <a:ext cx="5850212" cy="4856206"/>
+          </a:xfrm>
+          <a:prstGeom prst="rect">
+            <a:avLst/>
+          </a:prstGeom>
+        </p:spPr>
+      </p:pic>
+      <p:sp>
+        <p:nvSpPr>
+          <p:cNvPr id="9" name="TextBox 8">
+            <a:extLst>
+              <a:ext uri="{FF2B5EF4-FFF2-40B4-BE49-F238E27FC236}">
+                <a16:creationId xmlns:a16="http://schemas.microsoft.com/office/drawing/2014/main" id="{FF24478C-8520-41EB-89D2-7CA997087D9A}"/>
+              </a:ext>
+            </a:extLst>
+          </p:cNvPr>
+          <p:cNvSpPr txBox="1"/>
+          <p:nvPr/>
+        </p:nvSpPr>
+        <p:spPr>
+          <a:xfrm>
+            <a:off x="6426310" y="5990369"/>
+            <a:ext cx="5217610" cy="253916"/>
+          </a:xfrm>
+          <a:prstGeom prst="rect">
+            <a:avLst/>
+          </a:prstGeom>
+          <a:noFill/>
+        </p:spPr>
+        <p:txBody>
+          <a:bodyPr wrap="square" rtlCol="0">
+            <a:spAutoFit/>
+          </a:bodyPr>
+          <a:lstStyle/>
+          <a:p>
+            <a:r>
+              <a:rPr lang="da-DK" sz="1050" dirty="0"/>
+              <a:t>From </a:t>
+            </a:r>
+            <a:r>
+              <a:rPr lang="da-DK" sz="1050" dirty="0">
+                <a:hlinkClick r:id="rId3"/>
+              </a:rPr>
+              <a:t>https://towardsdatascience.com/reproducible-machine-learning-cf1841606805</a:t>
+            </a:r>
+            <a:r>
+              <a:rPr lang="da-DK" sz="1050" dirty="0"/>
+              <a:t> </a:t>
+            </a:r>
+          </a:p>
+        </p:txBody>
+      </p:sp>
+    </p:spTree>
+    <p:extLst>
+      <p:ext uri="{BB962C8B-B14F-4D97-AF65-F5344CB8AC3E}">
+        <p14:creationId xmlns:p14="http://schemas.microsoft.com/office/powerpoint/2010/main" val="195552452"/>
+      </p:ext>
+    </p:extLst>
+  </p:cSld>
+  <p:clrMapOvr>
+    <a:masterClrMapping/>
+  </p:clrMapOvr>
+</p:sld>
+</file>
+
+<file path=ppt/slides/slide4.xml><?xml version="1.0" encoding="utf-8"?>
+<p:sld xmlns:a="http://schemas.openxmlformats.org/drawingml/2006/main" xmlns:r="http://schemas.openxmlformats.org/officeDocument/2006/relationships" xmlns:p="http://schemas.openxmlformats.org/presentationml/2006/main">
+  <p:cSld>
+    <p:spTree>
+      <p:nvGrpSpPr>
+        <p:cNvPr id="1" name=""/>
+        <p:cNvGrpSpPr/>
+        <p:nvPr/>
+      </p:nvGrpSpPr>
+      <p:grpSpPr>
+        <a:xfrm>
+          <a:off x="0" y="0"/>
+          <a:ext cx="0" cy="0"/>
+          <a:chOff x="0" y="0"/>
+          <a:chExt cx="0" cy="0"/>
+        </a:xfrm>
+      </p:grpSpPr>
+      <p:sp>
+        <p:nvSpPr>
+          <p:cNvPr id="2" name="Title 1">
+            <a:extLst>
+              <a:ext uri="{FF2B5EF4-FFF2-40B4-BE49-F238E27FC236}">
+                <a16:creationId xmlns:a16="http://schemas.microsoft.com/office/drawing/2014/main" id="{4F4ADC5D-1759-4FF3-AD74-4E6363AB8D3B}"/>
+              </a:ext>
+            </a:extLst>
+          </p:cNvPr>
+          <p:cNvSpPr>
+            <a:spLocks noGrp="1"/>
+          </p:cNvSpPr>
+          <p:nvPr>
+            <p:ph type="title"/>
+          </p:nvPr>
+        </p:nvSpPr>
+        <p:spPr/>
+        <p:txBody>
+          <a:bodyPr/>
+          <a:lstStyle/>
+          <a:p>
+            <a:r>
+              <a:rPr lang="da-DK" dirty="0"/>
+              <a:t>How bad is it?</a:t>
+            </a:r>
+          </a:p>
+        </p:txBody>
+      </p:sp>
+      <p:sp>
+        <p:nvSpPr>
+          <p:cNvPr id="3" name="Content Placeholder 2">
+            <a:extLst>
+              <a:ext uri="{FF2B5EF4-FFF2-40B4-BE49-F238E27FC236}">
+                <a16:creationId xmlns:a16="http://schemas.microsoft.com/office/drawing/2014/main" id="{EE87017C-96A2-405C-8796-47F576C2409F}"/>
+              </a:ext>
+            </a:extLst>
+          </p:cNvPr>
+          <p:cNvSpPr>
+            <a:spLocks noGrp="1"/>
+          </p:cNvSpPr>
+          <p:nvPr>
+            <p:ph idx="1"/>
+          </p:nvPr>
+        </p:nvSpPr>
+        <p:spPr/>
+        <p:txBody>
+          <a:bodyPr>
+            <a:normAutofit/>
+          </a:bodyPr>
+          <a:lstStyle/>
+          <a:p>
+            <a:pPr marL="0" indent="0">
+              <a:buNone/>
+            </a:pPr>
+            <a:r>
+              <a:rPr lang="da-DK" dirty="0"/>
+              <a:t>Wow its bad...</a:t>
+            </a:r>
+          </a:p>
+          <a:p>
+            <a:pPr marL="0" indent="0">
+              <a:buNone/>
+            </a:pPr>
+            <a:endParaRPr lang="da-DK" dirty="0"/>
+          </a:p>
+          <a:p>
+            <a:pPr marL="0" indent="0">
+              <a:buNone/>
+            </a:pPr>
+            <a:endParaRPr lang="da-DK" dirty="0"/>
+          </a:p>
+          <a:p>
+            <a:pPr marL="0" indent="0">
+              <a:buNone/>
+            </a:pPr>
+            <a:endParaRPr lang="da-DK" dirty="0"/>
+          </a:p>
+          <a:p>
+            <a:pPr marL="0" indent="0">
+              <a:buNone/>
+            </a:pPr>
+            <a:endParaRPr lang="da-DK" dirty="0"/>
+          </a:p>
+          <a:p>
+            <a:pPr marL="0" indent="0">
+              <a:buNone/>
+            </a:pPr>
+            <a:endParaRPr lang="da-DK" dirty="0"/>
+          </a:p>
+          <a:p>
+            <a:pPr marL="0" indent="0">
+              <a:buNone/>
+            </a:pPr>
+            <a:endParaRPr lang="da-DK" dirty="0"/>
+          </a:p>
+          <a:p>
+            <a:pPr marL="0" indent="0">
+              <a:buNone/>
+            </a:pPr>
+            <a:endParaRPr lang="da-DK" dirty="0"/>
+          </a:p>
+          <a:p>
+            <a:pPr marL="0" indent="0">
+              <a:buNone/>
+            </a:pPr>
+            <a:r>
+              <a:rPr lang="da-DK" dirty="0"/>
+              <a:t>Machine learning around 26% </a:t>
+            </a:r>
+            <a:r>
+              <a:rPr lang="da-DK" sz="1400" dirty="0"/>
+              <a:t>(</a:t>
+            </a:r>
+            <a:r>
+              <a:rPr lang="da-DK" sz="1400" dirty="0">
+                <a:hlinkClick r:id="rId2"/>
+              </a:rPr>
+              <a:t>https://www.aaai.org/GuideBook2018/17248-73943-GB.pdf</a:t>
+            </a:r>
+            <a:r>
+              <a:rPr lang="da-DK" sz="1400" dirty="0"/>
+              <a:t>) </a:t>
+            </a:r>
+            <a:endParaRPr lang="da-DK" dirty="0"/>
+          </a:p>
+        </p:txBody>
+      </p:sp>
+      <p:sp>
+        <p:nvSpPr>
+          <p:cNvPr id="4" name="Date Placeholder 3">
+            <a:extLst>
+              <a:ext uri="{FF2B5EF4-FFF2-40B4-BE49-F238E27FC236}">
+                <a16:creationId xmlns:a16="http://schemas.microsoft.com/office/drawing/2014/main" id="{CC95FC45-EA11-443E-AF10-24A48AA04FAB}"/>
+              </a:ext>
+            </a:extLst>
+          </p:cNvPr>
+          <p:cNvSpPr>
+            <a:spLocks noGrp="1"/>
+          </p:cNvSpPr>
+          <p:nvPr>
+            <p:ph type="dt" sz="half" idx="10"/>
+          </p:nvPr>
+        </p:nvSpPr>
+        <p:spPr/>
+        <p:txBody>
+          <a:bodyPr/>
+          <a:lstStyle/>
+          <a:p>
+            <a:fld id="{019E29B9-5584-4737-9C98-1B926378C778}" type="datetime1">
+              <a:rPr lang="en-US" smtClean="0"/>
+              <a:t>1/4/2022</a:t>
+            </a:fld>
+            <a:endParaRPr lang="da-DK"/>
+          </a:p>
+        </p:txBody>
+      </p:sp>
+      <p:sp>
+        <p:nvSpPr>
+          <p:cNvPr id="5" name="Footer Placeholder 4">
+            <a:extLst>
+              <a:ext uri="{FF2B5EF4-FFF2-40B4-BE49-F238E27FC236}">
+                <a16:creationId xmlns:a16="http://schemas.microsoft.com/office/drawing/2014/main" id="{CA2EDF50-82AB-43BF-8ADA-5C7B4F35C624}"/>
+              </a:ext>
+            </a:extLst>
+          </p:cNvPr>
+          <p:cNvSpPr>
+            <a:spLocks noGrp="1"/>
+          </p:cNvSpPr>
+          <p:nvPr>
+            <p:ph type="ftr" sz="quarter" idx="11"/>
+          </p:nvPr>
+        </p:nvSpPr>
+        <p:spPr/>
+        <p:txBody>
+          <a:bodyPr/>
+          <a:lstStyle/>
+          <a:p>
+            <a:r>
+              <a:rPr lang="da-DK"/>
+              <a:t>Nicki Skafte Detlefsen</a:t>
+            </a:r>
+          </a:p>
+        </p:txBody>
+      </p:sp>
+      <p:sp>
+        <p:nvSpPr>
+          <p:cNvPr id="6" name="Slide Number Placeholder 5">
+            <a:extLst>
+              <a:ext uri="{FF2B5EF4-FFF2-40B4-BE49-F238E27FC236}">
+                <a16:creationId xmlns:a16="http://schemas.microsoft.com/office/drawing/2014/main" id="{BBCF1445-FA06-45E0-A6F0-A1A7CCD3C2BF}"/>
+              </a:ext>
+            </a:extLst>
+          </p:cNvPr>
+          <p:cNvSpPr>
+            <a:spLocks noGrp="1"/>
+          </p:cNvSpPr>
+          <p:nvPr>
+            <p:ph type="sldNum" sz="quarter" idx="12"/>
+          </p:nvPr>
+        </p:nvSpPr>
+        <p:spPr/>
+        <p:txBody>
+          <a:bodyPr/>
+          <a:lstStyle/>
+          <a:p>
+            <a:fld id="{F6FEDE24-D50C-481B-A7B4-8AF13899101A}" type="slidenum">
+              <a:rPr lang="da-DK" smtClean="0"/>
+              <a:t>4</a:t>
+            </a:fld>
+            <a:endParaRPr lang="da-DK"/>
+          </a:p>
+        </p:txBody>
+      </p:sp>
+      <p:pic>
+        <p:nvPicPr>
+          <p:cNvPr id="8" name="Picture 7">
+            <a:extLst>
+              <a:ext uri="{FF2B5EF4-FFF2-40B4-BE49-F238E27FC236}">
+                <a16:creationId xmlns:a16="http://schemas.microsoft.com/office/drawing/2014/main" id="{8C771C8E-18FC-4113-98B6-009624DC9D35}"/>
+              </a:ext>
+            </a:extLst>
+          </p:cNvPr>
+          <p:cNvPicPr>
+            <a:picLocks noChangeAspect="1"/>
+          </p:cNvPicPr>
+          <p:nvPr/>
+        </p:nvPicPr>
+        <p:blipFill>
+          <a:blip r:embed="rId3">
+            <a:extLst>
+              <a:ext uri="{28A0092B-C50C-407E-A947-70E740481C1C}">
+                <a14:useLocalDpi xmlns:a14="http://schemas.microsoft.com/office/drawing/2010/main" val="0"/>
+              </a:ext>
+            </a:extLst>
+          </a:blip>
+          <a:stretch>
+            <a:fillRect/>
+          </a:stretch>
+        </p:blipFill>
+        <p:spPr>
+          <a:xfrm>
+            <a:off x="2833167" y="1768591"/>
+            <a:ext cx="6525666" cy="2953798"/>
+          </a:xfrm>
+          <a:prstGeom prst="rect">
+            <a:avLst/>
+          </a:prstGeom>
+        </p:spPr>
+      </p:pic>
+      <p:sp>
+        <p:nvSpPr>
+          <p:cNvPr id="10" name="TextBox 9">
+            <a:extLst>
+              <a:ext uri="{FF2B5EF4-FFF2-40B4-BE49-F238E27FC236}">
+                <a16:creationId xmlns:a16="http://schemas.microsoft.com/office/drawing/2014/main" id="{D488CF05-6AC9-4979-A91F-7ECA7FE1A531}"/>
+              </a:ext>
+            </a:extLst>
+          </p:cNvPr>
+          <p:cNvSpPr txBox="1"/>
+          <p:nvPr/>
+        </p:nvSpPr>
+        <p:spPr>
+          <a:xfrm>
+            <a:off x="2081598" y="4717110"/>
+            <a:ext cx="8305799" cy="369332"/>
+          </a:xfrm>
+          <a:prstGeom prst="rect">
+            <a:avLst/>
+          </a:prstGeom>
+          <a:noFill/>
+        </p:spPr>
+        <p:txBody>
+          <a:bodyPr wrap="square">
+            <a:spAutoFit/>
+          </a:bodyPr>
+          <a:lstStyle/>
+          <a:p>
+            <a:r>
+              <a:rPr lang="da-DK" b="0" dirty="0">
+                <a:effectLst/>
+                <a:hlinkClick r:id="rId4"/>
+              </a:rPr>
+              <a:t>https://www.nature.com/news/1-500-scientists-lift-the-lid-on-reproducibility-1.19970</a:t>
+            </a:r>
+            <a:endParaRPr lang="da-DK" dirty="0"/>
+          </a:p>
+        </p:txBody>
+      </p:sp>
+    </p:spTree>
+    <p:extLst>
+      <p:ext uri="{BB962C8B-B14F-4D97-AF65-F5344CB8AC3E}">
+        <p14:creationId xmlns:p14="http://schemas.microsoft.com/office/powerpoint/2010/main" val="1491635178"/>
+      </p:ext>
+    </p:extLst>
+  </p:cSld>
+  <p:clrMapOvr>
+    <a:masterClrMapping/>
+  </p:clrMapOvr>
+</p:sld>
+</file>
+
+<file path=ppt/slides/slide5.xml><?xml version="1.0" encoding="utf-8"?>
+<p:sld xmlns:a="http://schemas.openxmlformats.org/drawingml/2006/main" xmlns:r="http://schemas.openxmlformats.org/officeDocument/2006/relationships" xmlns:p="http://schemas.openxmlformats.org/presentationml/2006/main">
+  <p:cSld>
+    <p:spTree>
+      <p:nvGrpSpPr>
+        <p:cNvPr id="1" name=""/>
+        <p:cNvGrpSpPr/>
+        <p:nvPr/>
+      </p:nvGrpSpPr>
+      <p:grpSpPr>
+        <a:xfrm>
+          <a:off x="0" y="0"/>
+          <a:ext cx="0" cy="0"/>
+          <a:chOff x="0" y="0"/>
+          <a:chExt cx="0" cy="0"/>
+        </a:xfrm>
+      </p:grpSpPr>
+      <p:sp>
+        <p:nvSpPr>
+          <p:cNvPr id="2" name="Title 1">
+            <a:extLst>
+              <a:ext uri="{FF2B5EF4-FFF2-40B4-BE49-F238E27FC236}">
+                <a16:creationId xmlns:a16="http://schemas.microsoft.com/office/drawing/2014/main" id="{8AA4412B-4F4F-4F30-ABFA-C70120097C62}"/>
+              </a:ext>
+            </a:extLst>
+          </p:cNvPr>
+          <p:cNvSpPr>
+            <a:spLocks noGrp="1"/>
+          </p:cNvSpPr>
+          <p:nvPr>
+            <p:ph type="title"/>
+          </p:nvPr>
+        </p:nvSpPr>
+        <p:spPr/>
+        <p:txBody>
+          <a:bodyPr/>
+          <a:lstStyle/>
+          <a:p>
+            <a:r>
+              <a:rPr lang="da-DK" dirty="0"/>
+              <a:t>A closer look a machine learning</a:t>
+            </a:r>
+          </a:p>
+        </p:txBody>
+      </p:sp>
+      <p:sp>
+        <p:nvSpPr>
+          <p:cNvPr id="3" name="Content Placeholder 2">
+            <a:extLst>
+              <a:ext uri="{FF2B5EF4-FFF2-40B4-BE49-F238E27FC236}">
+                <a16:creationId xmlns:a16="http://schemas.microsoft.com/office/drawing/2014/main" id="{25301CB3-7AF8-4977-B266-8E86251C2119}"/>
+              </a:ext>
+            </a:extLst>
+          </p:cNvPr>
+          <p:cNvSpPr>
+            <a:spLocks noGrp="1"/>
+          </p:cNvSpPr>
+          <p:nvPr>
+            <p:ph idx="1"/>
+          </p:nvPr>
+        </p:nvSpPr>
+        <p:spPr>
+          <a:xfrm>
+            <a:off x="838200" y="1343608"/>
+            <a:ext cx="6963561" cy="4833355"/>
+          </a:xfrm>
+        </p:spPr>
+        <p:txBody>
+          <a:bodyPr/>
+          <a:lstStyle/>
+          <a:p>
+            <a:pPr marL="0" indent="0">
+              <a:buNone/>
+            </a:pPr>
+            <a:r>
+              <a:rPr lang="da-DK" dirty="0"/>
+              <a:t>Reimplement 255 and do hypothesis testing on what ”paper features” have an effect</a:t>
+            </a:r>
+          </a:p>
+        </p:txBody>
+      </p:sp>
+      <p:sp>
+        <p:nvSpPr>
+          <p:cNvPr id="4" name="Date Placeholder 3">
+            <a:extLst>
+              <a:ext uri="{FF2B5EF4-FFF2-40B4-BE49-F238E27FC236}">
+                <a16:creationId xmlns:a16="http://schemas.microsoft.com/office/drawing/2014/main" id="{AB7FD719-F9D5-4F4E-A978-0DD3D985E679}"/>
+              </a:ext>
+            </a:extLst>
+          </p:cNvPr>
+          <p:cNvSpPr>
+            <a:spLocks noGrp="1"/>
+          </p:cNvSpPr>
+          <p:nvPr>
+            <p:ph type="dt" sz="half" idx="10"/>
+          </p:nvPr>
+        </p:nvSpPr>
+        <p:spPr/>
+        <p:txBody>
+          <a:bodyPr/>
+          <a:lstStyle/>
+          <a:p>
+            <a:fld id="{019E29B9-5584-4737-9C98-1B926378C778}" type="datetime1">
+              <a:rPr lang="en-US" smtClean="0"/>
+              <a:t>1/4/2022</a:t>
+            </a:fld>
+            <a:endParaRPr lang="da-DK"/>
+          </a:p>
+        </p:txBody>
+      </p:sp>
+      <p:sp>
+        <p:nvSpPr>
+          <p:cNvPr id="5" name="Footer Placeholder 4">
+            <a:extLst>
+              <a:ext uri="{FF2B5EF4-FFF2-40B4-BE49-F238E27FC236}">
+                <a16:creationId xmlns:a16="http://schemas.microsoft.com/office/drawing/2014/main" id="{C3725D9D-5C98-48D9-BF64-307CA6247E7D}"/>
+              </a:ext>
+            </a:extLst>
+          </p:cNvPr>
+          <p:cNvSpPr>
+            <a:spLocks noGrp="1"/>
+          </p:cNvSpPr>
+          <p:nvPr>
+            <p:ph type="ftr" sz="quarter" idx="11"/>
+          </p:nvPr>
+        </p:nvSpPr>
+        <p:spPr/>
+        <p:txBody>
+          <a:bodyPr/>
+          <a:lstStyle/>
+          <a:p>
+            <a:r>
+              <a:rPr lang="da-DK"/>
+              <a:t>Nicki Skafte Detlefsen</a:t>
+            </a:r>
+          </a:p>
+        </p:txBody>
+      </p:sp>
+      <p:sp>
+        <p:nvSpPr>
+          <p:cNvPr id="6" name="Slide Number Placeholder 5">
+            <a:extLst>
+              <a:ext uri="{FF2B5EF4-FFF2-40B4-BE49-F238E27FC236}">
+                <a16:creationId xmlns:a16="http://schemas.microsoft.com/office/drawing/2014/main" id="{4D1F801A-EAA1-43EA-84CE-802318D01317}"/>
+              </a:ext>
+            </a:extLst>
+          </p:cNvPr>
+          <p:cNvSpPr>
+            <a:spLocks noGrp="1"/>
+          </p:cNvSpPr>
+          <p:nvPr>
+            <p:ph type="sldNum" sz="quarter" idx="12"/>
+          </p:nvPr>
+        </p:nvSpPr>
+        <p:spPr/>
+        <p:txBody>
+          <a:bodyPr/>
+          <a:lstStyle/>
+          <a:p>
+            <a:fld id="{F6FEDE24-D50C-481B-A7B4-8AF13899101A}" type="slidenum">
+              <a:rPr lang="da-DK" smtClean="0"/>
+              <a:t>5</a:t>
+            </a:fld>
+            <a:endParaRPr lang="da-DK"/>
+          </a:p>
+        </p:txBody>
+      </p:sp>
+      <p:pic>
+        <p:nvPicPr>
+          <p:cNvPr id="8" name="Picture 7">
+            <a:extLst>
+              <a:ext uri="{FF2B5EF4-FFF2-40B4-BE49-F238E27FC236}">
+                <a16:creationId xmlns:a16="http://schemas.microsoft.com/office/drawing/2014/main" id="{F1F9D9F7-E2CF-492E-9DD9-3A5EC2A91903}"/>
+              </a:ext>
+            </a:extLst>
+          </p:cNvPr>
+          <p:cNvPicPr>
+            <a:picLocks noChangeAspect="1"/>
+          </p:cNvPicPr>
+          <p:nvPr/>
+        </p:nvPicPr>
+        <p:blipFill>
+          <a:blip r:embed="rId2"/>
+          <a:stretch>
+            <a:fillRect/>
+          </a:stretch>
+        </p:blipFill>
+        <p:spPr>
+          <a:xfrm>
+            <a:off x="866862" y="2442364"/>
+            <a:ext cx="4960862" cy="3773152"/>
+          </a:xfrm>
+          <a:prstGeom prst="rect">
+            <a:avLst/>
+          </a:prstGeom>
+        </p:spPr>
+      </p:pic>
+      <p:pic>
+        <p:nvPicPr>
+          <p:cNvPr id="10" name="Picture 9">
+            <a:extLst>
+              <a:ext uri="{FF2B5EF4-FFF2-40B4-BE49-F238E27FC236}">
+                <a16:creationId xmlns:a16="http://schemas.microsoft.com/office/drawing/2014/main" id="{25D780D3-D518-4EE6-9F51-E92993C50DB1}"/>
+              </a:ext>
+            </a:extLst>
+          </p:cNvPr>
+          <p:cNvPicPr>
+            <a:picLocks noChangeAspect="1"/>
+          </p:cNvPicPr>
+          <p:nvPr/>
+        </p:nvPicPr>
+        <p:blipFill>
+          <a:blip r:embed="rId3"/>
+          <a:stretch>
+            <a:fillRect/>
+          </a:stretch>
+        </p:blipFill>
+        <p:spPr>
+          <a:xfrm>
+            <a:off x="7947740" y="874210"/>
+            <a:ext cx="3009900" cy="5772150"/>
+          </a:xfrm>
+          <a:prstGeom prst="rect">
+            <a:avLst/>
+          </a:prstGeom>
+        </p:spPr>
+      </p:pic>
+    </p:spTree>
+    <p:extLst>
+      <p:ext uri="{BB962C8B-B14F-4D97-AF65-F5344CB8AC3E}">
+        <p14:creationId xmlns:p14="http://schemas.microsoft.com/office/powerpoint/2010/main" val="1865320365"/>
+      </p:ext>
+    </p:extLst>
+  </p:cSld>
+  <p:clrMapOvr>
+    <a:masterClrMapping/>
+  </p:clrMapOvr>
+</p:sld>
+</file>
+
+<file path=ppt/slides/slide6.xml><?xml version="1.0" encoding="utf-8"?>
+<p:sld xmlns:a="http://schemas.openxmlformats.org/drawingml/2006/main" xmlns:r="http://schemas.openxmlformats.org/officeDocument/2006/relationships" xmlns:p="http://schemas.openxmlformats.org/presentationml/2006/main">
+  <p:cSld>
+    <p:spTree>
+      <p:nvGrpSpPr>
+        <p:cNvPr id="1" name=""/>
+        <p:cNvGrpSpPr/>
+        <p:nvPr/>
+      </p:nvGrpSpPr>
+      <p:grpSpPr>
+        <a:xfrm>
+          <a:off x="0" y="0"/>
+          <a:ext cx="0" cy="0"/>
+          <a:chOff x="0" y="0"/>
+          <a:chExt cx="0" cy="0"/>
+        </a:xfrm>
+      </p:grpSpPr>
+      <p:sp>
+        <p:nvSpPr>
+          <p:cNvPr id="2" name="Title 1">
+            <a:extLst>
+              <a:ext uri="{FF2B5EF4-FFF2-40B4-BE49-F238E27FC236}">
+                <a16:creationId xmlns:a16="http://schemas.microsoft.com/office/drawing/2014/main" id="{4127F9B6-4C36-482C-94CB-D467FA7451CE}"/>
+              </a:ext>
+            </a:extLst>
+          </p:cNvPr>
+          <p:cNvSpPr>
+            <a:spLocks noGrp="1"/>
+          </p:cNvSpPr>
+          <p:nvPr>
+            <p:ph type="title"/>
+          </p:nvPr>
+        </p:nvSpPr>
+        <p:spPr/>
+        <p:txBody>
+          <a:bodyPr/>
+          <a:lstStyle/>
+          <a:p>
+            <a:r>
+              <a:rPr lang="da-DK" dirty="0"/>
+              <a:t>What is the field trying to do about it?</a:t>
+            </a:r>
+          </a:p>
+        </p:txBody>
+      </p:sp>
+      <p:sp>
+        <p:nvSpPr>
+          <p:cNvPr id="3" name="Content Placeholder 2">
+            <a:extLst>
+              <a:ext uri="{FF2B5EF4-FFF2-40B4-BE49-F238E27FC236}">
+                <a16:creationId xmlns:a16="http://schemas.microsoft.com/office/drawing/2014/main" id="{CA6E8977-FCDE-4374-8F7F-7570B82DAA1E}"/>
+              </a:ext>
+            </a:extLst>
+          </p:cNvPr>
+          <p:cNvSpPr>
+            <a:spLocks noGrp="1"/>
+          </p:cNvSpPr>
+          <p:nvPr>
+            <p:ph idx="1"/>
+          </p:nvPr>
+        </p:nvSpPr>
+        <p:spPr/>
+        <p:txBody>
+          <a:bodyPr/>
+          <a:lstStyle/>
+          <a:p>
+            <a:pPr marL="0" indent="0">
+              <a:buNone/>
+            </a:pPr>
+            <a:r>
+              <a:rPr lang="da-DK" dirty="0">
+                <a:hlinkClick r:id="rId2"/>
+              </a:rPr>
+              <a:t>https://paperswithcode.com/</a:t>
+            </a:r>
+            <a:r>
+              <a:rPr lang="da-DK" dirty="0"/>
+              <a:t>	      Neurips checklist:</a:t>
+            </a:r>
+          </a:p>
+        </p:txBody>
+      </p:sp>
+      <p:sp>
+        <p:nvSpPr>
+          <p:cNvPr id="4" name="Date Placeholder 3">
+            <a:extLst>
+              <a:ext uri="{FF2B5EF4-FFF2-40B4-BE49-F238E27FC236}">
+                <a16:creationId xmlns:a16="http://schemas.microsoft.com/office/drawing/2014/main" id="{8F9DF8B0-C4DC-4FA9-B508-40B00A59477A}"/>
+              </a:ext>
+            </a:extLst>
+          </p:cNvPr>
+          <p:cNvSpPr>
+            <a:spLocks noGrp="1"/>
+          </p:cNvSpPr>
+          <p:nvPr>
+            <p:ph type="dt" sz="half" idx="10"/>
+          </p:nvPr>
+        </p:nvSpPr>
+        <p:spPr/>
+        <p:txBody>
+          <a:bodyPr/>
+          <a:lstStyle/>
+          <a:p>
+            <a:fld id="{019E29B9-5584-4737-9C98-1B926378C778}" type="datetime1">
+              <a:rPr lang="en-US" smtClean="0"/>
+              <a:t>1/4/2022</a:t>
+            </a:fld>
+            <a:endParaRPr lang="da-DK"/>
+          </a:p>
+        </p:txBody>
+      </p:sp>
+      <p:sp>
+        <p:nvSpPr>
+          <p:cNvPr id="5" name="Footer Placeholder 4">
+            <a:extLst>
+              <a:ext uri="{FF2B5EF4-FFF2-40B4-BE49-F238E27FC236}">
+                <a16:creationId xmlns:a16="http://schemas.microsoft.com/office/drawing/2014/main" id="{2B9C72A5-20AB-46A8-BCB6-B6F142C0DA8C}"/>
+              </a:ext>
+            </a:extLst>
+          </p:cNvPr>
+          <p:cNvSpPr>
+            <a:spLocks noGrp="1"/>
+          </p:cNvSpPr>
+          <p:nvPr>
+            <p:ph type="ftr" sz="quarter" idx="11"/>
+          </p:nvPr>
+        </p:nvSpPr>
+        <p:spPr/>
+        <p:txBody>
+          <a:bodyPr/>
+          <a:lstStyle/>
+          <a:p>
+            <a:r>
+              <a:rPr lang="da-DK"/>
+              <a:t>Nicki Skafte Detlefsen</a:t>
+            </a:r>
+          </a:p>
+        </p:txBody>
+      </p:sp>
+      <p:sp>
+        <p:nvSpPr>
+          <p:cNvPr id="6" name="Slide Number Placeholder 5">
+            <a:extLst>
+              <a:ext uri="{FF2B5EF4-FFF2-40B4-BE49-F238E27FC236}">
+                <a16:creationId xmlns:a16="http://schemas.microsoft.com/office/drawing/2014/main" id="{DC25B979-DF36-446F-9A45-FC90E805403A}"/>
+              </a:ext>
+            </a:extLst>
+          </p:cNvPr>
+          <p:cNvSpPr>
+            <a:spLocks noGrp="1"/>
+          </p:cNvSpPr>
+          <p:nvPr>
+            <p:ph type="sldNum" sz="quarter" idx="12"/>
+          </p:nvPr>
+        </p:nvSpPr>
+        <p:spPr/>
+        <p:txBody>
+          <a:bodyPr/>
+          <a:lstStyle/>
+          <a:p>
+            <a:fld id="{F6FEDE24-D50C-481B-A7B4-8AF13899101A}" type="slidenum">
+              <a:rPr lang="da-DK" smtClean="0"/>
+              <a:t>6</a:t>
+            </a:fld>
+            <a:endParaRPr lang="da-DK"/>
+          </a:p>
+        </p:txBody>
+      </p:sp>
+      <p:pic>
+        <p:nvPicPr>
+          <p:cNvPr id="8" name="Picture 7">
+            <a:extLst>
+              <a:ext uri="{FF2B5EF4-FFF2-40B4-BE49-F238E27FC236}">
+                <a16:creationId xmlns:a16="http://schemas.microsoft.com/office/drawing/2014/main" id="{83202E3B-0323-48CC-9E2C-E58E3BC8189C}"/>
+              </a:ext>
+            </a:extLst>
+          </p:cNvPr>
+          <p:cNvPicPr>
+            <a:picLocks noChangeAspect="1"/>
+          </p:cNvPicPr>
+          <p:nvPr/>
+        </p:nvPicPr>
+        <p:blipFill rotWithShape="1">
+          <a:blip r:embed="rId3"/>
+          <a:srcRect r="13142"/>
+          <a:stretch/>
+        </p:blipFill>
+        <p:spPr>
+          <a:xfrm>
+            <a:off x="838200" y="1981777"/>
+            <a:ext cx="4965441" cy="3930242"/>
+          </a:xfrm>
+          <a:prstGeom prst="rect">
+            <a:avLst/>
+          </a:prstGeom>
+        </p:spPr>
+      </p:pic>
+      <p:pic>
+        <p:nvPicPr>
+          <p:cNvPr id="10" name="Picture 9">
+            <a:extLst>
+              <a:ext uri="{FF2B5EF4-FFF2-40B4-BE49-F238E27FC236}">
+                <a16:creationId xmlns:a16="http://schemas.microsoft.com/office/drawing/2014/main" id="{71A4576F-CA9F-49B3-9EB1-BF1A835B5801}"/>
+              </a:ext>
+            </a:extLst>
+          </p:cNvPr>
+          <p:cNvPicPr>
+            <a:picLocks noChangeAspect="1"/>
+          </p:cNvPicPr>
+          <p:nvPr/>
+        </p:nvPicPr>
+        <p:blipFill>
+          <a:blip r:embed="rId4"/>
+          <a:stretch>
+            <a:fillRect/>
+          </a:stretch>
+        </p:blipFill>
+        <p:spPr>
+          <a:xfrm>
+            <a:off x="5948208" y="1884710"/>
+            <a:ext cx="5324783" cy="4027309"/>
+          </a:xfrm>
+          <a:prstGeom prst="rect">
+            <a:avLst/>
+          </a:prstGeom>
+        </p:spPr>
+      </p:pic>
+    </p:spTree>
+    <p:extLst>
+      <p:ext uri="{BB962C8B-B14F-4D97-AF65-F5344CB8AC3E}">
+        <p14:creationId xmlns:p14="http://schemas.microsoft.com/office/powerpoint/2010/main" val="2265073708"/>
+      </p:ext>
+    </p:extLst>
+  </p:cSld>
+  <p:clrMapOvr>
+    <a:masterClrMapping/>
+  </p:clrMapOvr>
+</p:sld>
+</file>
+
+<file path=ppt/slides/slide7.xml><?xml version="1.0" encoding="utf-8"?>
+<p:sld xmlns:a="http://schemas.openxmlformats.org/drawingml/2006/main" xmlns:r="http://schemas.openxmlformats.org/officeDocument/2006/relationships" xmlns:p="http://schemas.openxmlformats.org/presentationml/2006/main">
+  <p:cSld>
+    <p:spTree>
+      <p:nvGrpSpPr>
+        <p:cNvPr id="1" name=""/>
+        <p:cNvGrpSpPr/>
+        <p:nvPr/>
+      </p:nvGrpSpPr>
+      <p:grpSpPr>
+        <a:xfrm>
+          <a:off x="0" y="0"/>
+          <a:ext cx="0" cy="0"/>
+          <a:chOff x="0" y="0"/>
+          <a:chExt cx="0" cy="0"/>
+        </a:xfrm>
+      </p:grpSpPr>
+      <p:sp>
+        <p:nvSpPr>
+          <p:cNvPr id="2" name="Title 1">
+            <a:extLst>
+              <a:ext uri="{FF2B5EF4-FFF2-40B4-BE49-F238E27FC236}">
+                <a16:creationId xmlns:a16="http://schemas.microsoft.com/office/drawing/2014/main" id="{B4FE2F94-B2F7-4E78-BB1E-945C249F7D86}"/>
+              </a:ext>
+            </a:extLst>
+          </p:cNvPr>
+          <p:cNvSpPr>
+            <a:spLocks noGrp="1"/>
+          </p:cNvSpPr>
+          <p:nvPr>
+            <p:ph type="title"/>
+          </p:nvPr>
+        </p:nvSpPr>
+        <p:spPr/>
+        <p:txBody>
+          <a:bodyPr/>
+          <a:lstStyle/>
+          <a:p>
+            <a:r>
+              <a:rPr lang="da-DK" dirty="0"/>
+              <a:t>What can you do about it?</a:t>
+            </a:r>
+          </a:p>
+        </p:txBody>
+      </p:sp>
+      <p:sp>
+        <p:nvSpPr>
+          <p:cNvPr id="3" name="Content Placeholder 2">
+            <a:extLst>
+              <a:ext uri="{FF2B5EF4-FFF2-40B4-BE49-F238E27FC236}">
+                <a16:creationId xmlns:a16="http://schemas.microsoft.com/office/drawing/2014/main" id="{DFAD2168-C8BA-4BFC-87B5-83CB54C8923C}"/>
+              </a:ext>
+            </a:extLst>
+          </p:cNvPr>
+          <p:cNvSpPr>
+            <a:spLocks noGrp="1"/>
+          </p:cNvSpPr>
+          <p:nvPr>
+            <p:ph idx="1"/>
+          </p:nvPr>
+        </p:nvSpPr>
+        <p:spPr>
+          <a:xfrm>
+            <a:off x="838200" y="1343608"/>
+            <a:ext cx="6309838" cy="4833355"/>
+          </a:xfrm>
+        </p:spPr>
+        <p:txBody>
+          <a:bodyPr/>
+          <a:lstStyle/>
+          <a:p>
+            <a:r>
+              <a:rPr lang="da-DK" dirty="0"/>
+              <a:t>Make sure to document everything about our experiments</a:t>
+            </a:r>
+          </a:p>
+        </p:txBody>
+      </p:sp>
+      <p:sp>
+        <p:nvSpPr>
+          <p:cNvPr id="4" name="Date Placeholder 3">
+            <a:extLst>
+              <a:ext uri="{FF2B5EF4-FFF2-40B4-BE49-F238E27FC236}">
+                <a16:creationId xmlns:a16="http://schemas.microsoft.com/office/drawing/2014/main" id="{D7AA5EAE-BCF5-494A-8840-BAB2DB080121}"/>
+              </a:ext>
+            </a:extLst>
+          </p:cNvPr>
+          <p:cNvSpPr>
+            <a:spLocks noGrp="1"/>
+          </p:cNvSpPr>
+          <p:nvPr>
+            <p:ph type="dt" sz="half" idx="10"/>
+          </p:nvPr>
+        </p:nvSpPr>
+        <p:spPr/>
+        <p:txBody>
+          <a:bodyPr/>
+          <a:lstStyle/>
+          <a:p>
+            <a:fld id="{019E29B9-5584-4737-9C98-1B926378C778}" type="datetime1">
+              <a:rPr lang="en-US" smtClean="0"/>
+              <a:t>1/4/2022</a:t>
+            </a:fld>
+            <a:endParaRPr lang="da-DK"/>
+          </a:p>
+        </p:txBody>
+      </p:sp>
+      <p:sp>
+        <p:nvSpPr>
+          <p:cNvPr id="5" name="Footer Placeholder 4">
+            <a:extLst>
+              <a:ext uri="{FF2B5EF4-FFF2-40B4-BE49-F238E27FC236}">
+                <a16:creationId xmlns:a16="http://schemas.microsoft.com/office/drawing/2014/main" id="{C56F4463-0C30-41A6-9157-318B6BF4A1C3}"/>
+              </a:ext>
+            </a:extLst>
+          </p:cNvPr>
+          <p:cNvSpPr>
+            <a:spLocks noGrp="1"/>
+          </p:cNvSpPr>
+          <p:nvPr>
+            <p:ph type="ftr" sz="quarter" idx="11"/>
+          </p:nvPr>
+        </p:nvSpPr>
+        <p:spPr/>
+        <p:txBody>
+          <a:bodyPr/>
+          <a:lstStyle/>
+          <a:p>
+            <a:r>
+              <a:rPr lang="da-DK"/>
+              <a:t>Nicki Skafte Detlefsen</a:t>
+            </a:r>
+          </a:p>
+        </p:txBody>
+      </p:sp>
+      <p:sp>
+        <p:nvSpPr>
+          <p:cNvPr id="6" name="Slide Number Placeholder 5">
+            <a:extLst>
+              <a:ext uri="{FF2B5EF4-FFF2-40B4-BE49-F238E27FC236}">
+                <a16:creationId xmlns:a16="http://schemas.microsoft.com/office/drawing/2014/main" id="{172D4E20-7032-4931-8B36-4F4739850DC7}"/>
+              </a:ext>
+            </a:extLst>
+          </p:cNvPr>
+          <p:cNvSpPr>
+            <a:spLocks noGrp="1"/>
+          </p:cNvSpPr>
+          <p:nvPr>
+            <p:ph type="sldNum" sz="quarter" idx="12"/>
+          </p:nvPr>
+        </p:nvSpPr>
+        <p:spPr/>
+        <p:txBody>
+          <a:bodyPr/>
+          <a:lstStyle/>
+          <a:p>
+            <a:fld id="{F6FEDE24-D50C-481B-A7B4-8AF13899101A}" type="slidenum">
+              <a:rPr lang="da-DK" smtClean="0"/>
+              <a:t>7</a:t>
+            </a:fld>
+            <a:endParaRPr lang="da-DK"/>
+          </a:p>
+        </p:txBody>
+      </p:sp>
+      <p:pic>
+        <p:nvPicPr>
+          <p:cNvPr id="7" name="Picture 6" descr="Diagram&#10;&#10;Description automatically generated">
+            <a:extLst>
+              <a:ext uri="{FF2B5EF4-FFF2-40B4-BE49-F238E27FC236}">
+                <a16:creationId xmlns:a16="http://schemas.microsoft.com/office/drawing/2014/main" id="{A64422B9-7FD2-46C2-9BDE-8322469FD302}"/>
+              </a:ext>
+            </a:extLst>
+          </p:cNvPr>
+          <p:cNvPicPr>
+            <a:picLocks noChangeAspect="1"/>
+          </p:cNvPicPr>
+          <p:nvPr/>
+        </p:nvPicPr>
+        <p:blipFill>
+          <a:blip r:embed="rId2">
+            <a:extLst>
+              <a:ext uri="{28A0092B-C50C-407E-A947-70E740481C1C}">
+                <a14:useLocalDpi xmlns:a14="http://schemas.microsoft.com/office/drawing/2010/main" val="0"/>
+              </a:ext>
+            </a:extLst>
+          </a:blip>
+          <a:stretch>
+            <a:fillRect/>
+          </a:stretch>
+        </p:blipFill>
+        <p:spPr>
+          <a:xfrm>
+            <a:off x="7505700" y="1343608"/>
+            <a:ext cx="4586762" cy="4586762"/>
+          </a:xfrm>
+          <a:prstGeom prst="rect">
+            <a:avLst/>
+          </a:prstGeom>
+        </p:spPr>
+      </p:pic>
+      <p:cxnSp>
+        <p:nvCxnSpPr>
+          <p:cNvPr id="9" name="Straight Arrow Connector 8">
+            <a:extLst>
+              <a:ext uri="{FF2B5EF4-FFF2-40B4-BE49-F238E27FC236}">
+                <a16:creationId xmlns:a16="http://schemas.microsoft.com/office/drawing/2014/main" id="{2F918FF8-0945-40E6-8498-91DBA19409E8}"/>
+              </a:ext>
+            </a:extLst>
+          </p:cNvPr>
+          <p:cNvCxnSpPr/>
+          <p:nvPr/>
+        </p:nvCxnSpPr>
+        <p:spPr>
+          <a:xfrm flipV="1">
+            <a:off x="8190469" y="5379964"/>
+            <a:ext cx="292100" cy="241300"/>
+          </a:xfrm>
+          <a:prstGeom prst="straightConnector1">
+            <a:avLst/>
+          </a:prstGeom>
+          <a:ln w="38100">
+            <a:solidFill>
+              <a:srgbClr val="FF0000"/>
+            </a:solidFill>
+            <a:tailEnd type="triangle"/>
+          </a:ln>
+        </p:spPr>
+        <p:style>
+          <a:lnRef idx="1">
+            <a:schemeClr val="accent1"/>
+          </a:lnRef>
+          <a:fillRef idx="0">
+            <a:schemeClr val="accent1"/>
+          </a:fillRef>
+          <a:effectRef idx="0">
+            <a:schemeClr val="accent1"/>
+          </a:effectRef>
+          <a:fontRef idx="minor">
+            <a:schemeClr val="tx1"/>
+          </a:fontRef>
+        </p:style>
+      </p:cxnSp>
+      <p:sp>
+        <p:nvSpPr>
+          <p:cNvPr id="10" name="TextBox 9">
+            <a:extLst>
+              <a:ext uri="{FF2B5EF4-FFF2-40B4-BE49-F238E27FC236}">
+                <a16:creationId xmlns:a16="http://schemas.microsoft.com/office/drawing/2014/main" id="{57094828-62D9-475E-8D26-8361C5A66639}"/>
+              </a:ext>
+            </a:extLst>
+          </p:cNvPr>
+          <p:cNvSpPr txBox="1"/>
+          <p:nvPr/>
+        </p:nvSpPr>
+        <p:spPr>
+          <a:xfrm>
+            <a:off x="6351031" y="5500614"/>
+            <a:ext cx="2309338" cy="1015663"/>
+          </a:xfrm>
+          <a:prstGeom prst="rect">
+            <a:avLst/>
+          </a:prstGeom>
+          <a:noFill/>
+        </p:spPr>
+        <p:txBody>
+          <a:bodyPr wrap="square" rtlCol="0">
+            <a:spAutoFit/>
+          </a:bodyPr>
+          <a:lstStyle/>
+          <a:p>
+            <a:r>
+              <a:rPr lang="da-DK" sz="2000" dirty="0"/>
+              <a:t>Document this step as thoroughly as possible</a:t>
+            </a:r>
+          </a:p>
+        </p:txBody>
+      </p:sp>
+      <p:graphicFrame>
+        <p:nvGraphicFramePr>
+          <p:cNvPr id="14" name="Diagram 13">
+            <a:extLst>
+              <a:ext uri="{FF2B5EF4-FFF2-40B4-BE49-F238E27FC236}">
+                <a16:creationId xmlns:a16="http://schemas.microsoft.com/office/drawing/2014/main" id="{FF278FC1-7847-4C16-9749-97C4F5E19891}"/>
+              </a:ext>
+            </a:extLst>
+          </p:cNvPr>
+          <p:cNvGraphicFramePr/>
+          <p:nvPr>
+            <p:extLst>
+              <p:ext uri="{D42A27DB-BD31-4B8C-83A1-F6EECF244321}">
+                <p14:modId xmlns:p14="http://schemas.microsoft.com/office/powerpoint/2010/main" val="1994802768"/>
+              </p:ext>
+            </p:extLst>
+          </p:nvPr>
+        </p:nvGraphicFramePr>
+        <p:xfrm>
+          <a:off x="1090654" y="2428848"/>
+          <a:ext cx="4064000" cy="3801533"/>
+        </p:xfrm>
+        <a:graphic>
+          <a:graphicData uri="http://schemas.openxmlformats.org/drawingml/2006/diagram">
+            <dgm:relIds xmlns:dgm="http://schemas.openxmlformats.org/drawingml/2006/diagram" xmlns:r="http://schemas.openxmlformats.org/officeDocument/2006/relationships" r:dm="rId3" r:lo="rId4" r:qs="rId5" r:cs="rId6"/>
+          </a:graphicData>
+        </a:graphic>
+      </p:graphicFrame>
+      <p:sp>
+        <p:nvSpPr>
+          <p:cNvPr id="15" name="TextBox 14">
+            <a:extLst>
+              <a:ext uri="{FF2B5EF4-FFF2-40B4-BE49-F238E27FC236}">
+                <a16:creationId xmlns:a16="http://schemas.microsoft.com/office/drawing/2014/main" id="{C01E454B-439B-4D5C-AD2B-B76C3D1981EF}"/>
+              </a:ext>
+            </a:extLst>
+          </p:cNvPr>
+          <p:cNvSpPr txBox="1"/>
+          <p:nvPr/>
+        </p:nvSpPr>
+        <p:spPr>
+          <a:xfrm>
+            <a:off x="3707110" y="2782669"/>
+            <a:ext cx="2045731" cy="646331"/>
+          </a:xfrm>
+          <a:prstGeom prst="rect">
+            <a:avLst/>
+          </a:prstGeom>
+          <a:noFill/>
+        </p:spPr>
+        <p:txBody>
+          <a:bodyPr wrap="square" rtlCol="0">
+            <a:spAutoFit/>
+          </a:bodyPr>
+          <a:lstStyle/>
+          <a:p>
+            <a:r>
+              <a:rPr lang="da-DK" dirty="0"/>
+              <a:t>Number of devices</a:t>
+            </a:r>
+          </a:p>
+          <a:p>
+            <a:r>
+              <a:rPr lang="da-DK" dirty="0"/>
+              <a:t>Type of devices</a:t>
+            </a:r>
+          </a:p>
+        </p:txBody>
+      </p:sp>
+      <p:sp>
+        <p:nvSpPr>
+          <p:cNvPr id="17" name="TextBox 16">
+            <a:extLst>
+              <a:ext uri="{FF2B5EF4-FFF2-40B4-BE49-F238E27FC236}">
+                <a16:creationId xmlns:a16="http://schemas.microsoft.com/office/drawing/2014/main" id="{CEF4E87D-6813-4986-99C1-A79C43EA0EF7}"/>
+              </a:ext>
+            </a:extLst>
+          </p:cNvPr>
+          <p:cNvSpPr txBox="1"/>
+          <p:nvPr/>
+        </p:nvSpPr>
+        <p:spPr>
+          <a:xfrm>
+            <a:off x="3720750" y="3956474"/>
+            <a:ext cx="2045731" cy="1200329"/>
+          </a:xfrm>
+          <a:prstGeom prst="rect">
+            <a:avLst/>
+          </a:prstGeom>
+          <a:noFill/>
+        </p:spPr>
+        <p:txBody>
+          <a:bodyPr wrap="square" rtlCol="0">
+            <a:spAutoFit/>
+          </a:bodyPr>
+          <a:lstStyle/>
+          <a:p>
+            <a:r>
+              <a:rPr lang="da-DK" dirty="0"/>
+              <a:t>Operating system</a:t>
+            </a:r>
+          </a:p>
+          <a:p>
+            <a:r>
+              <a:rPr lang="da-DK" dirty="0"/>
+              <a:t>Package versions</a:t>
+            </a:r>
+          </a:p>
+          <a:p>
+            <a:endParaRPr lang="da-DK" dirty="0"/>
+          </a:p>
+          <a:p>
+            <a:endParaRPr lang="da-DK" dirty="0"/>
+          </a:p>
+        </p:txBody>
+      </p:sp>
+      <p:sp>
+        <p:nvSpPr>
+          <p:cNvPr id="18" name="TextBox 17">
+            <a:extLst>
+              <a:ext uri="{FF2B5EF4-FFF2-40B4-BE49-F238E27FC236}">
+                <a16:creationId xmlns:a16="http://schemas.microsoft.com/office/drawing/2014/main" id="{4AE58072-44F5-498E-BBD5-ED2151528AF8}"/>
+              </a:ext>
+            </a:extLst>
+          </p:cNvPr>
+          <p:cNvSpPr txBox="1"/>
+          <p:nvPr/>
+        </p:nvSpPr>
+        <p:spPr>
+          <a:xfrm>
+            <a:off x="3690286" y="4986135"/>
+            <a:ext cx="2045731" cy="1754326"/>
+          </a:xfrm>
+          <a:prstGeom prst="rect">
+            <a:avLst/>
+          </a:prstGeom>
+          <a:noFill/>
+        </p:spPr>
+        <p:txBody>
+          <a:bodyPr wrap="square" rtlCol="0">
+            <a:spAutoFit/>
+          </a:bodyPr>
+          <a:lstStyle/>
+          <a:p>
+            <a:r>
+              <a:rPr lang="da-DK" dirty="0"/>
+              <a:t>Runable code</a:t>
+            </a:r>
+          </a:p>
+          <a:p>
+            <a:r>
+              <a:rPr lang="da-DK" dirty="0"/>
+              <a:t>Public data</a:t>
+            </a:r>
+          </a:p>
+          <a:p>
+            <a:r>
+              <a:rPr lang="da-DK" dirty="0"/>
+              <a:t>Precise configuration</a:t>
+            </a:r>
+          </a:p>
+          <a:p>
+            <a:endParaRPr lang="da-DK" dirty="0"/>
+          </a:p>
+          <a:p>
+            <a:endParaRPr lang="da-DK" dirty="0"/>
+          </a:p>
+        </p:txBody>
+      </p:sp>
+      <p:sp>
+        <p:nvSpPr>
+          <p:cNvPr id="19" name="TextBox 18">
+            <a:extLst>
+              <a:ext uri="{FF2B5EF4-FFF2-40B4-BE49-F238E27FC236}">
+                <a16:creationId xmlns:a16="http://schemas.microsoft.com/office/drawing/2014/main" id="{D1315D7B-FE35-421B-A82F-30DC29BA5067}"/>
+              </a:ext>
+            </a:extLst>
+          </p:cNvPr>
+          <p:cNvSpPr txBox="1"/>
+          <p:nvPr/>
+        </p:nvSpPr>
+        <p:spPr>
+          <a:xfrm>
+            <a:off x="312696" y="2806700"/>
+            <a:ext cx="2045731" cy="461665"/>
+          </a:xfrm>
+          <a:prstGeom prst="rect">
+            <a:avLst/>
+          </a:prstGeom>
+          <a:noFill/>
+        </p:spPr>
+        <p:txBody>
+          <a:bodyPr wrap="square" rtlCol="0">
+            <a:spAutoFit/>
+          </a:bodyPr>
+          <a:lstStyle/>
+          <a:p>
+            <a:r>
+              <a:rPr lang="da-DK" sz="2400" dirty="0"/>
+              <a:t>Physical setup</a:t>
+            </a:r>
+          </a:p>
+        </p:txBody>
+      </p:sp>
+      <p:sp>
+        <p:nvSpPr>
+          <p:cNvPr id="20" name="TextBox 19">
+            <a:extLst>
+              <a:ext uri="{FF2B5EF4-FFF2-40B4-BE49-F238E27FC236}">
+                <a16:creationId xmlns:a16="http://schemas.microsoft.com/office/drawing/2014/main" id="{AC2CE774-C004-4B54-AE16-C5CD8DA48102}"/>
+              </a:ext>
+            </a:extLst>
+          </p:cNvPr>
+          <p:cNvSpPr txBox="1"/>
+          <p:nvPr/>
+        </p:nvSpPr>
+        <p:spPr>
+          <a:xfrm>
+            <a:off x="312696" y="3960283"/>
+            <a:ext cx="2045731" cy="461665"/>
+          </a:xfrm>
+          <a:prstGeom prst="rect">
+            <a:avLst/>
+          </a:prstGeom>
+          <a:noFill/>
+        </p:spPr>
+        <p:txBody>
+          <a:bodyPr wrap="square" rtlCol="0">
+            <a:spAutoFit/>
+          </a:bodyPr>
+          <a:lstStyle/>
+          <a:p>
+            <a:r>
+              <a:rPr lang="da-DK" sz="2400" dirty="0"/>
+              <a:t>Software</a:t>
+            </a:r>
+          </a:p>
+        </p:txBody>
+      </p:sp>
+      <p:sp>
+        <p:nvSpPr>
+          <p:cNvPr id="21" name="TextBox 20">
+            <a:extLst>
+              <a:ext uri="{FF2B5EF4-FFF2-40B4-BE49-F238E27FC236}">
+                <a16:creationId xmlns:a16="http://schemas.microsoft.com/office/drawing/2014/main" id="{BCCC0E05-0C7C-424D-A8D9-D32AD55CBFB5}"/>
+              </a:ext>
+            </a:extLst>
+          </p:cNvPr>
+          <p:cNvSpPr txBox="1"/>
+          <p:nvPr/>
+        </p:nvSpPr>
+        <p:spPr>
+          <a:xfrm>
+            <a:off x="312696" y="5315948"/>
+            <a:ext cx="2045731" cy="461665"/>
+          </a:xfrm>
+          <a:prstGeom prst="rect">
+            <a:avLst/>
+          </a:prstGeom>
+          <a:noFill/>
+        </p:spPr>
+        <p:txBody>
+          <a:bodyPr wrap="square" rtlCol="0">
+            <a:spAutoFit/>
+          </a:bodyPr>
+          <a:lstStyle/>
+          <a:p>
+            <a:r>
+              <a:rPr lang="da-DK" sz="2400" dirty="0"/>
+              <a:t>Code</a:t>
+            </a:r>
+          </a:p>
+        </p:txBody>
+      </p:sp>
+    </p:spTree>
+    <p:extLst>
+      <p:ext uri="{BB962C8B-B14F-4D97-AF65-F5344CB8AC3E}">
+        <p14:creationId xmlns:p14="http://schemas.microsoft.com/office/powerpoint/2010/main" val="621665520"/>
+      </p:ext>
+    </p:extLst>
+  </p:cSld>
+  <p:clrMapOvr>
+    <a:masterClrMapping/>
+  </p:clrMapOvr>
+</p:sld>
+</file>
+
+<file path=ppt/slides/slide8.xml><?xml version="1.0" encoding="utf-8"?>
+<p:sld xmlns:a="http://schemas.openxmlformats.org/drawingml/2006/main" xmlns:r="http://schemas.openxmlformats.org/officeDocument/2006/relationships" xmlns:p="http://schemas.openxmlformats.org/presentationml/2006/main">
+  <p:cSld>
+    <p:spTree>
+      <p:nvGrpSpPr>
+        <p:cNvPr id="1" name=""/>
+        <p:cNvGrpSpPr/>
+        <p:nvPr/>
+      </p:nvGrpSpPr>
+      <p:grpSpPr>
+        <a:xfrm>
+          <a:off x="0" y="0"/>
+          <a:ext cx="0" cy="0"/>
+          <a:chOff x="0" y="0"/>
+          <a:chExt cx="0" cy="0"/>
+        </a:xfrm>
+      </p:grpSpPr>
+      <p:sp>
+        <p:nvSpPr>
+          <p:cNvPr id="2" name="Title 1">
+            <a:extLst>
+              <a:ext uri="{FF2B5EF4-FFF2-40B4-BE49-F238E27FC236}">
+                <a16:creationId xmlns:a16="http://schemas.microsoft.com/office/drawing/2014/main" id="{BD1408E1-A369-44FF-B8DA-B0DA3C6CE9DA}"/>
+              </a:ext>
+            </a:extLst>
+          </p:cNvPr>
+          <p:cNvSpPr>
+            <a:spLocks noGrp="1"/>
+          </p:cNvSpPr>
+          <p:nvPr>
+            <p:ph type="title"/>
+          </p:nvPr>
+        </p:nvSpPr>
+        <p:spPr/>
+        <p:txBody>
+          <a:bodyPr/>
+          <a:lstStyle/>
+          <a:p>
+            <a:r>
+              <a:rPr lang="da-DK" dirty="0"/>
+              <a:t>Closer look</a:t>
+            </a:r>
+          </a:p>
+        </p:txBody>
+      </p:sp>
+      <p:sp>
+        <p:nvSpPr>
+          <p:cNvPr id="4" name="Date Placeholder 3">
+            <a:extLst>
+              <a:ext uri="{FF2B5EF4-FFF2-40B4-BE49-F238E27FC236}">
+                <a16:creationId xmlns:a16="http://schemas.microsoft.com/office/drawing/2014/main" id="{8722E1AF-803F-4B31-8560-12F403F6566B}"/>
+              </a:ext>
+            </a:extLst>
+          </p:cNvPr>
+          <p:cNvSpPr>
+            <a:spLocks noGrp="1"/>
+          </p:cNvSpPr>
+          <p:nvPr>
+            <p:ph type="dt" sz="half" idx="10"/>
+          </p:nvPr>
+        </p:nvSpPr>
+        <p:spPr/>
+        <p:txBody>
+          <a:bodyPr/>
+          <a:lstStyle/>
+          <a:p>
+            <a:fld id="{019E29B9-5584-4737-9C98-1B926378C778}" type="datetime1">
+              <a:rPr lang="en-US" smtClean="0"/>
+              <a:t>1/4/2022</a:t>
+            </a:fld>
+            <a:endParaRPr lang="da-DK"/>
+          </a:p>
+        </p:txBody>
+      </p:sp>
+      <p:sp>
+        <p:nvSpPr>
+          <p:cNvPr id="5" name="Footer Placeholder 4">
+            <a:extLst>
+              <a:ext uri="{FF2B5EF4-FFF2-40B4-BE49-F238E27FC236}">
+                <a16:creationId xmlns:a16="http://schemas.microsoft.com/office/drawing/2014/main" id="{FA6A3941-6547-4C5A-ABC2-9485DF47E521}"/>
+              </a:ext>
+            </a:extLst>
+          </p:cNvPr>
+          <p:cNvSpPr>
+            <a:spLocks noGrp="1"/>
+          </p:cNvSpPr>
+          <p:nvPr>
+            <p:ph type="ftr" sz="quarter" idx="11"/>
+          </p:nvPr>
+        </p:nvSpPr>
+        <p:spPr/>
+        <p:txBody>
+          <a:bodyPr/>
+          <a:lstStyle/>
+          <a:p>
+            <a:r>
+              <a:rPr lang="da-DK"/>
+              <a:t>Nicki Skafte Detlefsen</a:t>
+            </a:r>
+          </a:p>
+        </p:txBody>
+      </p:sp>
+      <p:sp>
+        <p:nvSpPr>
+          <p:cNvPr id="6" name="Slide Number Placeholder 5">
+            <a:extLst>
+              <a:ext uri="{FF2B5EF4-FFF2-40B4-BE49-F238E27FC236}">
+                <a16:creationId xmlns:a16="http://schemas.microsoft.com/office/drawing/2014/main" id="{F06CB5EA-3F45-496A-9DFA-12D47BB071EA}"/>
+              </a:ext>
+            </a:extLst>
+          </p:cNvPr>
+          <p:cNvSpPr>
+            <a:spLocks noGrp="1"/>
+          </p:cNvSpPr>
+          <p:nvPr>
+            <p:ph type="sldNum" sz="quarter" idx="12"/>
+          </p:nvPr>
+        </p:nvSpPr>
+        <p:spPr/>
+        <p:txBody>
+          <a:bodyPr/>
+          <a:lstStyle/>
+          <a:p>
+            <a:fld id="{F6FEDE24-D50C-481B-A7B4-8AF13899101A}" type="slidenum">
+              <a:rPr lang="da-DK" smtClean="0"/>
+              <a:t>8</a:t>
+            </a:fld>
+            <a:endParaRPr lang="da-DK"/>
+          </a:p>
+        </p:txBody>
+      </p:sp>
+      <p:sp>
+        <p:nvSpPr>
+          <p:cNvPr id="7" name="Date Placeholder 3">
+            <a:extLst>
+              <a:ext uri="{FF2B5EF4-FFF2-40B4-BE49-F238E27FC236}">
+                <a16:creationId xmlns:a16="http://schemas.microsoft.com/office/drawing/2014/main" id="{422077D6-3F2D-448A-AE76-C30BC6E7FF7C}"/>
+              </a:ext>
+            </a:extLst>
+          </p:cNvPr>
+          <p:cNvSpPr txBox="1">
+            <a:spLocks/>
+          </p:cNvSpPr>
+          <p:nvPr/>
+        </p:nvSpPr>
+        <p:spPr>
+          <a:xfrm>
+            <a:off x="838200" y="6356350"/>
+            <a:ext cx="2743200" cy="365125"/>
+          </a:xfrm>
+          <a:prstGeom prst="rect">
+            <a:avLst/>
+          </a:prstGeom>
+        </p:spPr>
+        <p:txBody>
+          <a:bodyPr vert="horz" lIns="91440" tIns="45720" rIns="91440" bIns="45720" rtlCol="0" anchor="ctr"/>
+          <a:lstStyle>
+            <a:defPPr>
+              <a:defRPr lang="da-DK"/>
+            </a:defPPr>
+            <a:lvl1pPr marL="0" algn="l" defTabSz="914400" rtl="0" eaLnBrk="1" latinLnBrk="0" hangingPunct="1">
+              <a:defRPr sz="1200" kern="1200">
+                <a:solidFill>
+                  <a:schemeClr val="tx1">
+                    <a:tint val="75000"/>
+                  </a:schemeClr>
+                </a:solidFill>
+                <a:latin typeface="+mn-lt"/>
+                <a:ea typeface="+mn-ea"/>
+                <a:cs typeface="+mn-cs"/>
+              </a:defRPr>
+            </a:lvl1pPr>
+            <a:lvl2pPr marL="457200" algn="l" defTabSz="914400" rtl="0" eaLnBrk="1" latinLnBrk="0" hangingPunct="1">
+              <a:defRPr sz="1800" kern="1200">
+                <a:solidFill>
+                  <a:schemeClr val="tx1"/>
+                </a:solidFill>
+                <a:latin typeface="+mn-lt"/>
+                <a:ea typeface="+mn-ea"/>
+                <a:cs typeface="+mn-cs"/>
+              </a:defRPr>
+            </a:lvl2pPr>
+            <a:lvl3pPr marL="914400" algn="l" defTabSz="914400" rtl="0" eaLnBrk="1" latinLnBrk="0" hangingPunct="1">
+              <a:defRPr sz="1800" kern="1200">
+                <a:solidFill>
+                  <a:schemeClr val="tx1"/>
+                </a:solidFill>
+                <a:latin typeface="+mn-lt"/>
+                <a:ea typeface="+mn-ea"/>
+                <a:cs typeface="+mn-cs"/>
+              </a:defRPr>
+            </a:lvl3pPr>
+            <a:lvl4pPr marL="1371600" algn="l" defTabSz="914400" rtl="0" eaLnBrk="1" latinLnBrk="0" hangingPunct="1">
+              <a:defRPr sz="1800" kern="1200">
+                <a:solidFill>
+                  <a:schemeClr val="tx1"/>
+                </a:solidFill>
+                <a:latin typeface="+mn-lt"/>
+                <a:ea typeface="+mn-ea"/>
+                <a:cs typeface="+mn-cs"/>
+              </a:defRPr>
+            </a:lvl4pPr>
+            <a:lvl5pPr marL="1828800" algn="l" defTabSz="914400" rtl="0" eaLnBrk="1" latinLnBrk="0" hangingPunct="1">
+              <a:defRPr sz="1800" kern="1200">
+                <a:solidFill>
+                  <a:schemeClr val="tx1"/>
+                </a:solidFill>
+                <a:latin typeface="+mn-lt"/>
+                <a:ea typeface="+mn-ea"/>
+                <a:cs typeface="+mn-cs"/>
+              </a:defRPr>
+            </a:lvl5pPr>
+            <a:lvl6pPr marL="2286000" algn="l" defTabSz="914400" rtl="0" eaLnBrk="1" latinLnBrk="0" hangingPunct="1">
+              <a:defRPr sz="1800" kern="1200">
+                <a:solidFill>
+                  <a:schemeClr val="tx1"/>
+                </a:solidFill>
+                <a:latin typeface="+mn-lt"/>
+                <a:ea typeface="+mn-ea"/>
+                <a:cs typeface="+mn-cs"/>
+              </a:defRPr>
+            </a:lvl6pPr>
+            <a:lvl7pPr marL="2743200" algn="l" defTabSz="914400" rtl="0" eaLnBrk="1" latinLnBrk="0" hangingPunct="1">
+              <a:defRPr sz="1800" kern="1200">
+                <a:solidFill>
+                  <a:schemeClr val="tx1"/>
+                </a:solidFill>
+                <a:latin typeface="+mn-lt"/>
+                <a:ea typeface="+mn-ea"/>
+                <a:cs typeface="+mn-cs"/>
+              </a:defRPr>
+            </a:lvl7pPr>
+            <a:lvl8pPr marL="3200400" algn="l" defTabSz="914400" rtl="0" eaLnBrk="1" latinLnBrk="0" hangingPunct="1">
+              <a:defRPr sz="1800" kern="1200">
+                <a:solidFill>
+                  <a:schemeClr val="tx1"/>
+                </a:solidFill>
+                <a:latin typeface="+mn-lt"/>
+                <a:ea typeface="+mn-ea"/>
+                <a:cs typeface="+mn-cs"/>
+              </a:defRPr>
+            </a:lvl8pPr>
+            <a:lvl9pPr marL="3657600" algn="l" defTabSz="914400" rtl="0" eaLnBrk="1" latinLnBrk="0" hangingPunct="1">
+              <a:defRPr sz="1800" kern="1200">
+                <a:solidFill>
+                  <a:schemeClr val="tx1"/>
+                </a:solidFill>
+                <a:latin typeface="+mn-lt"/>
+                <a:ea typeface="+mn-ea"/>
+                <a:cs typeface="+mn-cs"/>
+              </a:defRPr>
+            </a:lvl9pPr>
+          </a:lstStyle>
+          <a:p>
+            <a:fld id="{019E29B9-5584-4737-9C98-1B926378C778}" type="datetime1">
+              <a:rPr lang="en-US" smtClean="0"/>
+              <a:pPr/>
+              <a:t>1/4/2022</a:t>
+            </a:fld>
+            <a:endParaRPr lang="da-DK"/>
+          </a:p>
+        </p:txBody>
+      </p:sp>
+      <p:graphicFrame>
+        <p:nvGraphicFramePr>
+          <p:cNvPr id="8" name="Diagram 7">
+            <a:extLst>
+              <a:ext uri="{FF2B5EF4-FFF2-40B4-BE49-F238E27FC236}">
+                <a16:creationId xmlns:a16="http://schemas.microsoft.com/office/drawing/2014/main" id="{0FE59469-8FE4-4B7C-9E0C-CBA1FD121F34}"/>
+              </a:ext>
+            </a:extLst>
+          </p:cNvPr>
+          <p:cNvGraphicFramePr/>
+          <p:nvPr>
+            <p:extLst>
+              <p:ext uri="{D42A27DB-BD31-4B8C-83A1-F6EECF244321}">
+                <p14:modId xmlns:p14="http://schemas.microsoft.com/office/powerpoint/2010/main" val="654398020"/>
+              </p:ext>
+            </p:extLst>
+          </p:nvPr>
+        </p:nvGraphicFramePr>
+        <p:xfrm>
+          <a:off x="1179554" y="1528233"/>
+          <a:ext cx="4064000" cy="3801533"/>
+        </p:xfrm>
+        <a:graphic>
+          <a:graphicData uri="http://schemas.openxmlformats.org/drawingml/2006/diagram">
+            <dgm:relIds xmlns:dgm="http://schemas.openxmlformats.org/drawingml/2006/diagram" xmlns:r="http://schemas.openxmlformats.org/officeDocument/2006/relationships" r:dm="rId2" r:lo="rId3" r:qs="rId4" r:cs="rId5"/>
+          </a:graphicData>
+        </a:graphic>
+      </p:graphicFrame>
+      <p:sp>
+        <p:nvSpPr>
+          <p:cNvPr id="9" name="TextBox 8">
+            <a:extLst>
+              <a:ext uri="{FF2B5EF4-FFF2-40B4-BE49-F238E27FC236}">
+                <a16:creationId xmlns:a16="http://schemas.microsoft.com/office/drawing/2014/main" id="{078ECFD0-E8B3-4F94-AE03-8896D4F798B3}"/>
+              </a:ext>
+            </a:extLst>
+          </p:cNvPr>
+          <p:cNvSpPr txBox="1"/>
+          <p:nvPr/>
+        </p:nvSpPr>
+        <p:spPr>
+          <a:xfrm>
+            <a:off x="3796010" y="1882054"/>
+            <a:ext cx="2045731" cy="646331"/>
+          </a:xfrm>
+          <a:prstGeom prst="rect">
+            <a:avLst/>
+          </a:prstGeom>
+          <a:noFill/>
+        </p:spPr>
+        <p:txBody>
+          <a:bodyPr wrap="square" rtlCol="0">
+            <a:spAutoFit/>
+          </a:bodyPr>
+          <a:lstStyle/>
+          <a:p>
+            <a:r>
+              <a:rPr lang="da-DK" dirty="0"/>
+              <a:t>Number of devices</a:t>
+            </a:r>
+          </a:p>
+          <a:p>
+            <a:r>
+              <a:rPr lang="da-DK" dirty="0"/>
+              <a:t>Type of devices</a:t>
+            </a:r>
+          </a:p>
+        </p:txBody>
+      </p:sp>
+      <p:sp>
+        <p:nvSpPr>
+          <p:cNvPr id="10" name="TextBox 9">
+            <a:extLst>
+              <a:ext uri="{FF2B5EF4-FFF2-40B4-BE49-F238E27FC236}">
+                <a16:creationId xmlns:a16="http://schemas.microsoft.com/office/drawing/2014/main" id="{67A0E144-36F3-4A6F-96A6-36E5B5FCC068}"/>
+              </a:ext>
+            </a:extLst>
+          </p:cNvPr>
+          <p:cNvSpPr txBox="1"/>
+          <p:nvPr/>
+        </p:nvSpPr>
+        <p:spPr>
+          <a:xfrm>
+            <a:off x="3809650" y="3055859"/>
+            <a:ext cx="2045731" cy="1200329"/>
+          </a:xfrm>
+          <a:prstGeom prst="rect">
+            <a:avLst/>
+          </a:prstGeom>
+          <a:noFill/>
+        </p:spPr>
+        <p:txBody>
+          <a:bodyPr wrap="square" rtlCol="0">
+            <a:spAutoFit/>
+          </a:bodyPr>
+          <a:lstStyle/>
+          <a:p>
+            <a:r>
+              <a:rPr lang="da-DK" dirty="0"/>
+              <a:t>Operating system</a:t>
+            </a:r>
+          </a:p>
+          <a:p>
+            <a:r>
+              <a:rPr lang="da-DK" dirty="0"/>
+              <a:t>Package versions</a:t>
+            </a:r>
+          </a:p>
+          <a:p>
+            <a:endParaRPr lang="da-DK" dirty="0"/>
+          </a:p>
+          <a:p>
+            <a:endParaRPr lang="da-DK" dirty="0"/>
+          </a:p>
+        </p:txBody>
+      </p:sp>
+      <p:sp>
+        <p:nvSpPr>
+          <p:cNvPr id="11" name="TextBox 10">
+            <a:extLst>
+              <a:ext uri="{FF2B5EF4-FFF2-40B4-BE49-F238E27FC236}">
+                <a16:creationId xmlns:a16="http://schemas.microsoft.com/office/drawing/2014/main" id="{A108AD5B-2DDE-4551-88AA-58BECE89FA9E}"/>
+              </a:ext>
+            </a:extLst>
+          </p:cNvPr>
+          <p:cNvSpPr txBox="1"/>
+          <p:nvPr/>
+        </p:nvSpPr>
+        <p:spPr>
+          <a:xfrm>
+            <a:off x="3809650" y="4112229"/>
+            <a:ext cx="2743200" cy="1754326"/>
+          </a:xfrm>
+          <a:prstGeom prst="rect">
+            <a:avLst/>
+          </a:prstGeom>
+          <a:noFill/>
+        </p:spPr>
+        <p:txBody>
+          <a:bodyPr wrap="square" rtlCol="0">
+            <a:spAutoFit/>
+          </a:bodyPr>
+          <a:lstStyle/>
+          <a:p>
+            <a:r>
+              <a:rPr lang="da-DK" dirty="0"/>
+              <a:t>Runable code</a:t>
+            </a:r>
+          </a:p>
+          <a:p>
+            <a:r>
+              <a:rPr lang="da-DK" dirty="0"/>
+              <a:t>Public data</a:t>
+            </a:r>
+          </a:p>
+          <a:p>
+            <a:r>
+              <a:rPr lang="da-DK" dirty="0"/>
+              <a:t>Precise configuration</a:t>
+            </a:r>
+          </a:p>
+          <a:p>
+            <a:r>
+              <a:rPr lang="da-DK" dirty="0"/>
+              <a:t>Seed</a:t>
+            </a:r>
+          </a:p>
+          <a:p>
+            <a:endParaRPr lang="da-DK" dirty="0"/>
+          </a:p>
+          <a:p>
+            <a:endParaRPr lang="da-DK" dirty="0"/>
+          </a:p>
+        </p:txBody>
+      </p:sp>
+      <p:sp>
+        <p:nvSpPr>
+          <p:cNvPr id="12" name="TextBox 11">
+            <a:extLst>
+              <a:ext uri="{FF2B5EF4-FFF2-40B4-BE49-F238E27FC236}">
+                <a16:creationId xmlns:a16="http://schemas.microsoft.com/office/drawing/2014/main" id="{C675B3FD-F26C-4369-AC94-CFC575B4554A}"/>
+              </a:ext>
+            </a:extLst>
+          </p:cNvPr>
+          <p:cNvSpPr txBox="1"/>
+          <p:nvPr/>
+        </p:nvSpPr>
+        <p:spPr>
+          <a:xfrm>
+            <a:off x="401596" y="1906085"/>
+            <a:ext cx="2045731" cy="461665"/>
+          </a:xfrm>
+          <a:prstGeom prst="rect">
+            <a:avLst/>
+          </a:prstGeom>
+          <a:noFill/>
+        </p:spPr>
+        <p:txBody>
+          <a:bodyPr wrap="square" rtlCol="0">
+            <a:spAutoFit/>
+          </a:bodyPr>
+          <a:lstStyle/>
+          <a:p>
+            <a:r>
+              <a:rPr lang="da-DK" sz="2400" dirty="0"/>
+              <a:t>Physical setup</a:t>
+            </a:r>
+          </a:p>
+        </p:txBody>
+      </p:sp>
+      <p:sp>
+        <p:nvSpPr>
+          <p:cNvPr id="13" name="TextBox 12">
+            <a:extLst>
+              <a:ext uri="{FF2B5EF4-FFF2-40B4-BE49-F238E27FC236}">
+                <a16:creationId xmlns:a16="http://schemas.microsoft.com/office/drawing/2014/main" id="{D7552622-558F-4320-BD3C-F1B812D1894E}"/>
+              </a:ext>
+            </a:extLst>
+          </p:cNvPr>
+          <p:cNvSpPr txBox="1"/>
+          <p:nvPr/>
+        </p:nvSpPr>
+        <p:spPr>
+          <a:xfrm>
+            <a:off x="401596" y="3059668"/>
+            <a:ext cx="2045731" cy="461665"/>
+          </a:xfrm>
+          <a:prstGeom prst="rect">
+            <a:avLst/>
+          </a:prstGeom>
+          <a:noFill/>
+        </p:spPr>
+        <p:txBody>
+          <a:bodyPr wrap="square" rtlCol="0">
+            <a:spAutoFit/>
+          </a:bodyPr>
+          <a:lstStyle/>
+          <a:p>
+            <a:r>
+              <a:rPr lang="da-DK" sz="2400" dirty="0"/>
+              <a:t>Software</a:t>
+            </a:r>
+          </a:p>
+        </p:txBody>
+      </p:sp>
+      <p:sp>
+        <p:nvSpPr>
+          <p:cNvPr id="14" name="TextBox 13">
+            <a:extLst>
+              <a:ext uri="{FF2B5EF4-FFF2-40B4-BE49-F238E27FC236}">
+                <a16:creationId xmlns:a16="http://schemas.microsoft.com/office/drawing/2014/main" id="{B6BCF57B-A009-4967-9817-B5931B698E53}"/>
+              </a:ext>
+            </a:extLst>
+          </p:cNvPr>
+          <p:cNvSpPr txBox="1"/>
+          <p:nvPr/>
+        </p:nvSpPr>
+        <p:spPr>
+          <a:xfrm>
+            <a:off x="401596" y="4415333"/>
+            <a:ext cx="2045731" cy="461665"/>
+          </a:xfrm>
+          <a:prstGeom prst="rect">
+            <a:avLst/>
+          </a:prstGeom>
+          <a:noFill/>
+        </p:spPr>
+        <p:txBody>
+          <a:bodyPr wrap="square" rtlCol="0">
+            <a:spAutoFit/>
+          </a:bodyPr>
+          <a:lstStyle/>
+          <a:p>
+            <a:r>
+              <a:rPr lang="da-DK" sz="2400" dirty="0"/>
+              <a:t>Code</a:t>
+            </a:r>
+          </a:p>
+        </p:txBody>
+      </p:sp>
+      <p:sp>
+        <p:nvSpPr>
+          <p:cNvPr id="15" name="Right Brace 14">
+            <a:extLst>
+              <a:ext uri="{FF2B5EF4-FFF2-40B4-BE49-F238E27FC236}">
+                <a16:creationId xmlns:a16="http://schemas.microsoft.com/office/drawing/2014/main" id="{530BA4D0-5C2D-4842-B0F2-5C8DFE7EEF22}"/>
+              </a:ext>
+            </a:extLst>
+          </p:cNvPr>
+          <p:cNvSpPr/>
+          <p:nvPr/>
+        </p:nvSpPr>
+        <p:spPr>
+          <a:xfrm>
+            <a:off x="5841741" y="1882054"/>
+            <a:ext cx="343159" cy="684010"/>
+          </a:xfrm>
+          <a:prstGeom prst="rightBrace">
+            <a:avLst/>
+          </a:prstGeom>
+        </p:spPr>
+        <p:style>
+          <a:lnRef idx="1">
+            <a:schemeClr val="accent1"/>
+          </a:lnRef>
+          <a:fillRef idx="0">
+            <a:schemeClr val="accent1"/>
+          </a:fillRef>
+          <a:effectRef idx="0">
+            <a:schemeClr val="accent1"/>
+          </a:effectRef>
+          <a:fontRef idx="minor">
+            <a:schemeClr val="tx1"/>
+          </a:fontRef>
+        </p:style>
+        <p:txBody>
+          <a:bodyPr rtlCol="0" anchor="ctr"/>
+          <a:lstStyle/>
+          <a:p>
+            <a:pPr algn="ctr"/>
+            <a:endParaRPr lang="da-DK"/>
+          </a:p>
+        </p:txBody>
+      </p:sp>
+      <p:sp>
+        <p:nvSpPr>
+          <p:cNvPr id="16" name="TextBox 15">
+            <a:extLst>
+              <a:ext uri="{FF2B5EF4-FFF2-40B4-BE49-F238E27FC236}">
+                <a16:creationId xmlns:a16="http://schemas.microsoft.com/office/drawing/2014/main" id="{88705585-6C97-476F-BDEE-006CCF363832}"/>
+              </a:ext>
+            </a:extLst>
+          </p:cNvPr>
+          <p:cNvSpPr txBox="1"/>
+          <p:nvPr/>
+        </p:nvSpPr>
+        <p:spPr>
+          <a:xfrm>
+            <a:off x="6287528" y="2021724"/>
+            <a:ext cx="2743200" cy="369332"/>
+          </a:xfrm>
+          <a:prstGeom prst="rect">
+            <a:avLst/>
+          </a:prstGeom>
+          <a:noFill/>
+        </p:spPr>
+        <p:txBody>
+          <a:bodyPr wrap="square" rtlCol="0">
+            <a:spAutoFit/>
+          </a:bodyPr>
+          <a:lstStyle/>
+          <a:p>
+            <a:r>
+              <a:rPr lang="da-DK" dirty="0"/>
+              <a:t>Docker</a:t>
+            </a:r>
+          </a:p>
+        </p:txBody>
+      </p:sp>
+      <p:sp>
+        <p:nvSpPr>
+          <p:cNvPr id="17" name="TextBox 16">
+            <a:extLst>
+              <a:ext uri="{FF2B5EF4-FFF2-40B4-BE49-F238E27FC236}">
+                <a16:creationId xmlns:a16="http://schemas.microsoft.com/office/drawing/2014/main" id="{C50CD89C-B5C5-433E-959D-A45F90C42EEA}"/>
+              </a:ext>
+            </a:extLst>
+          </p:cNvPr>
+          <p:cNvSpPr txBox="1"/>
+          <p:nvPr/>
+        </p:nvSpPr>
+        <p:spPr>
+          <a:xfrm>
+            <a:off x="6287528" y="3172490"/>
+            <a:ext cx="2743200" cy="369332"/>
+          </a:xfrm>
+          <a:prstGeom prst="rect">
+            <a:avLst/>
+          </a:prstGeom>
+          <a:noFill/>
+        </p:spPr>
+        <p:txBody>
+          <a:bodyPr wrap="square" rtlCol="0">
+            <a:spAutoFit/>
+          </a:bodyPr>
+          <a:lstStyle/>
+          <a:p>
+            <a:r>
+              <a:rPr lang="da-DK" dirty="0"/>
+              <a:t>Ask Conda</a:t>
+            </a:r>
+          </a:p>
+        </p:txBody>
+      </p:sp>
+      <p:sp>
+        <p:nvSpPr>
+          <p:cNvPr id="18" name="Right Brace 17">
+            <a:extLst>
+              <a:ext uri="{FF2B5EF4-FFF2-40B4-BE49-F238E27FC236}">
+                <a16:creationId xmlns:a16="http://schemas.microsoft.com/office/drawing/2014/main" id="{0725C537-417C-4100-A2F0-94B8725B6AD4}"/>
+              </a:ext>
+            </a:extLst>
+          </p:cNvPr>
+          <p:cNvSpPr/>
+          <p:nvPr/>
+        </p:nvSpPr>
+        <p:spPr>
+          <a:xfrm>
+            <a:off x="5790426" y="3089448"/>
+            <a:ext cx="445787" cy="566575"/>
+          </a:xfrm>
+          <a:prstGeom prst="rightBrace">
+            <a:avLst/>
+          </a:prstGeom>
+        </p:spPr>
+        <p:style>
+          <a:lnRef idx="1">
+            <a:schemeClr val="accent1"/>
+          </a:lnRef>
+          <a:fillRef idx="0">
+            <a:schemeClr val="accent1"/>
+          </a:fillRef>
+          <a:effectRef idx="0">
+            <a:schemeClr val="accent1"/>
+          </a:effectRef>
+          <a:fontRef idx="minor">
+            <a:schemeClr val="tx1"/>
+          </a:fontRef>
+        </p:style>
+        <p:txBody>
+          <a:bodyPr rtlCol="0" anchor="ctr"/>
+          <a:lstStyle/>
+          <a:p>
+            <a:pPr algn="ctr"/>
+            <a:endParaRPr lang="da-DK"/>
+          </a:p>
+        </p:txBody>
+      </p:sp>
+      <p:sp>
+        <p:nvSpPr>
+          <p:cNvPr id="25" name="Right Brace 24">
+            <a:extLst>
+              <a:ext uri="{FF2B5EF4-FFF2-40B4-BE49-F238E27FC236}">
+                <a16:creationId xmlns:a16="http://schemas.microsoft.com/office/drawing/2014/main" id="{F4762FCD-85FD-4EBE-915A-7CF9A3A5F040}"/>
+              </a:ext>
+            </a:extLst>
+          </p:cNvPr>
+          <p:cNvSpPr/>
+          <p:nvPr/>
+        </p:nvSpPr>
+        <p:spPr>
+          <a:xfrm>
+            <a:off x="5790425" y="4177540"/>
+            <a:ext cx="445787" cy="1135018"/>
+          </a:xfrm>
+          <a:prstGeom prst="rightBrace">
+            <a:avLst/>
+          </a:prstGeom>
+        </p:spPr>
+        <p:style>
+          <a:lnRef idx="1">
+            <a:schemeClr val="accent1"/>
+          </a:lnRef>
+          <a:fillRef idx="0">
+            <a:schemeClr val="accent1"/>
+          </a:fillRef>
+          <a:effectRef idx="0">
+            <a:schemeClr val="accent1"/>
+          </a:effectRef>
+          <a:fontRef idx="minor">
+            <a:schemeClr val="tx1"/>
+          </a:fontRef>
+        </p:style>
+        <p:txBody>
+          <a:bodyPr rtlCol="0" anchor="ctr"/>
+          <a:lstStyle/>
+          <a:p>
+            <a:pPr algn="ctr"/>
+            <a:endParaRPr lang="da-DK"/>
+          </a:p>
+        </p:txBody>
+      </p:sp>
+      <p:sp>
+        <p:nvSpPr>
+          <p:cNvPr id="26" name="TextBox 25">
+            <a:extLst>
+              <a:ext uri="{FF2B5EF4-FFF2-40B4-BE49-F238E27FC236}">
+                <a16:creationId xmlns:a16="http://schemas.microsoft.com/office/drawing/2014/main" id="{1EEBF5AC-EA2B-49AD-B644-61E352618551}"/>
+              </a:ext>
+            </a:extLst>
+          </p:cNvPr>
+          <p:cNvSpPr txBox="1"/>
+          <p:nvPr/>
+        </p:nvSpPr>
+        <p:spPr>
+          <a:xfrm>
+            <a:off x="6274825" y="4560383"/>
+            <a:ext cx="2743200" cy="369332"/>
+          </a:xfrm>
+          <a:prstGeom prst="rect">
+            <a:avLst/>
+          </a:prstGeom>
+          <a:noFill/>
+        </p:spPr>
+        <p:txBody>
+          <a:bodyPr wrap="square" rtlCol="0">
+            <a:spAutoFit/>
+          </a:bodyPr>
+          <a:lstStyle/>
+          <a:p>
+            <a:r>
+              <a:rPr lang="da-DK" dirty="0"/>
+              <a:t>This is your job</a:t>
+            </a:r>
+          </a:p>
+        </p:txBody>
+      </p:sp>
+      <p:sp>
+        <p:nvSpPr>
+          <p:cNvPr id="27" name="Rectangle 26">
+            <a:extLst>
+              <a:ext uri="{FF2B5EF4-FFF2-40B4-BE49-F238E27FC236}">
+                <a16:creationId xmlns:a16="http://schemas.microsoft.com/office/drawing/2014/main" id="{5AC68EE1-DA05-4076-B5CA-CA026563921C}"/>
+              </a:ext>
+            </a:extLst>
+          </p:cNvPr>
+          <p:cNvSpPr/>
+          <p:nvPr/>
+        </p:nvSpPr>
+        <p:spPr>
+          <a:xfrm>
+            <a:off x="3852471" y="4657790"/>
+            <a:ext cx="2045731" cy="337609"/>
+          </a:xfrm>
+          <a:prstGeom prst="rect">
+            <a:avLst/>
+          </a:prstGeom>
+          <a:noFill/>
+          <a:ln w="38100">
+            <a:solidFill>
+              <a:srgbClr val="FF0000"/>
+            </a:solidFill>
+          </a:ln>
+        </p:spPr>
+        <p:style>
+          <a:lnRef idx="2">
+            <a:schemeClr val="accent1">
+              <a:shade val="50000"/>
+            </a:schemeClr>
+          </a:lnRef>
+          <a:fillRef idx="1">
+            <a:schemeClr val="accent1"/>
+          </a:fillRef>
+          <a:effectRef idx="0">
+            <a:schemeClr val="accent1"/>
+          </a:effectRef>
+          <a:fontRef idx="minor">
+            <a:schemeClr val="lt1"/>
+          </a:fontRef>
+        </p:style>
+        <p:txBody>
+          <a:bodyPr rtlCol="0" anchor="ctr"/>
+          <a:lstStyle/>
+          <a:p>
+            <a:pPr algn="ctr"/>
+            <a:endParaRPr lang="da-DK"/>
+          </a:p>
+        </p:txBody>
+      </p:sp>
+      <p:pic>
+        <p:nvPicPr>
+          <p:cNvPr id="21" name="Picture 20">
+            <a:extLst>
+              <a:ext uri="{FF2B5EF4-FFF2-40B4-BE49-F238E27FC236}">
+                <a16:creationId xmlns:a16="http://schemas.microsoft.com/office/drawing/2014/main" id="{8C57C2CB-41FE-4147-A788-939955BBD0B2}"/>
+              </a:ext>
+            </a:extLst>
+          </p:cNvPr>
+          <p:cNvPicPr>
+            <a:picLocks noChangeAspect="1"/>
+          </p:cNvPicPr>
+          <p:nvPr/>
+        </p:nvPicPr>
+        <p:blipFill>
+          <a:blip r:embed="rId7"/>
+          <a:stretch>
+            <a:fillRect/>
+          </a:stretch>
+        </p:blipFill>
+        <p:spPr>
+          <a:xfrm>
+            <a:off x="8071538" y="848626"/>
+            <a:ext cx="3009900" cy="5772150"/>
+          </a:xfrm>
+          <a:prstGeom prst="rect">
+            <a:avLst/>
+          </a:prstGeom>
+        </p:spPr>
+      </p:pic>
+      <p:sp>
+        <p:nvSpPr>
+          <p:cNvPr id="3" name="Rectangle 2">
+            <a:extLst>
+              <a:ext uri="{FF2B5EF4-FFF2-40B4-BE49-F238E27FC236}">
+                <a16:creationId xmlns:a16="http://schemas.microsoft.com/office/drawing/2014/main" id="{3411BD2C-217A-4CF1-80BB-3DC12AEDB735}"/>
+              </a:ext>
+            </a:extLst>
+          </p:cNvPr>
+          <p:cNvSpPr/>
+          <p:nvPr/>
+        </p:nvSpPr>
+        <p:spPr>
+          <a:xfrm>
+            <a:off x="10039266" y="4001687"/>
+            <a:ext cx="973180" cy="221083"/>
+          </a:xfrm>
+          <a:prstGeom prst="rect">
+            <a:avLst/>
+          </a:prstGeom>
+          <a:noFill/>
+          <a:ln w="38100">
+            <a:solidFill>
+              <a:srgbClr val="FF0000"/>
+            </a:solidFill>
+          </a:ln>
+        </p:spPr>
+        <p:style>
+          <a:lnRef idx="2">
+            <a:schemeClr val="accent1">
+              <a:shade val="50000"/>
+            </a:schemeClr>
+          </a:lnRef>
+          <a:fillRef idx="1">
+            <a:schemeClr val="accent1"/>
+          </a:fillRef>
+          <a:effectRef idx="0">
+            <a:schemeClr val="accent1"/>
+          </a:effectRef>
+          <a:fontRef idx="minor">
+            <a:schemeClr val="lt1"/>
+          </a:fontRef>
+        </p:style>
+        <p:txBody>
+          <a:bodyPr rtlCol="0" anchor="ctr"/>
+          <a:lstStyle/>
+          <a:p>
+            <a:pPr algn="ctr"/>
+            <a:endParaRPr lang="da-DK"/>
+          </a:p>
+        </p:txBody>
+      </p:sp>
+      <p:sp>
+        <p:nvSpPr>
+          <p:cNvPr id="23" name="Rectangle 22">
+            <a:extLst>
+              <a:ext uri="{FF2B5EF4-FFF2-40B4-BE49-F238E27FC236}">
+                <a16:creationId xmlns:a16="http://schemas.microsoft.com/office/drawing/2014/main" id="{BD722469-7AF4-4761-8B92-CC2443742A8B}"/>
+              </a:ext>
+            </a:extLst>
+          </p:cNvPr>
+          <p:cNvSpPr/>
+          <p:nvPr/>
+        </p:nvSpPr>
+        <p:spPr>
+          <a:xfrm>
+            <a:off x="10039266" y="2927065"/>
+            <a:ext cx="973180" cy="221083"/>
+          </a:xfrm>
+          <a:prstGeom prst="rect">
+            <a:avLst/>
+          </a:prstGeom>
+          <a:noFill/>
+          <a:ln w="38100">
+            <a:solidFill>
+              <a:srgbClr val="FF0000"/>
+            </a:solidFill>
+          </a:ln>
+        </p:spPr>
+        <p:style>
+          <a:lnRef idx="2">
+            <a:schemeClr val="accent1">
+              <a:shade val="50000"/>
+            </a:schemeClr>
+          </a:lnRef>
+          <a:fillRef idx="1">
+            <a:schemeClr val="accent1"/>
+          </a:fillRef>
+          <a:effectRef idx="0">
+            <a:schemeClr val="accent1"/>
+          </a:effectRef>
+          <a:fontRef idx="minor">
+            <a:schemeClr val="lt1"/>
+          </a:fontRef>
+        </p:style>
+        <p:txBody>
+          <a:bodyPr rtlCol="0" anchor="ctr"/>
+          <a:lstStyle/>
+          <a:p>
+            <a:pPr algn="ctr"/>
+            <a:endParaRPr lang="da-DK"/>
+          </a:p>
+        </p:txBody>
+      </p:sp>
+    </p:spTree>
+    <p:extLst>
+      <p:ext uri="{BB962C8B-B14F-4D97-AF65-F5344CB8AC3E}">
+        <p14:creationId xmlns:p14="http://schemas.microsoft.com/office/powerpoint/2010/main" val="3197957672"/>
+      </p:ext>
+    </p:extLst>
+  </p:cSld>
+  <p:clrMapOvr>
+    <a:masterClrMapping/>
+  </p:clrMapOvr>
+  <p:timing>
+    <p:tnLst>
+      <p:par>
+        <p:cTn id="1" dur="indefinite" restart="never" nodeType="tmRoot">
+          <p:childTnLst>
+            <p:seq concurrent="1" nextAc="seek">
+              <p:cTn id="2" dur="indefinite" nodeType="mainSeq">
+                <p:childTnLst>
+                  <p:par>
+                    <p:cTn id="3" fill="hold">
+                      <p:stCondLst>
+                        <p:cond delay="indefinite"/>
+                      </p:stCondLst>
+                      <p:childTnLst>
+                        <p:par>
+                          <p:cTn id="4" fill="hold">
+                            <p:stCondLst>
+                              <p:cond delay="0"/>
+                            </p:stCondLst>
+                            <p:childTnLst>
+                              <p:par>
+                                <p:cTn id="5" presetID="1" presetClass="entr" presetSubtype="0" fill="hold" grpId="0" nodeType="clickEffect">
+                                  <p:stCondLst>
+                                    <p:cond delay="0"/>
+                                  </p:stCondLst>
+                                  <p:childTnLst>
+                                    <p:set>
+                                      <p:cBhvr>
+                                        <p:cTn id="6" dur="1" fill="hold">
+                                          <p:stCondLst>
+                                            <p:cond delay="0"/>
+                                          </p:stCondLst>
+                                        </p:cTn>
+                                        <p:tgtEl>
+                                          <p:spTgt spid="27"/>
+                                        </p:tgtEl>
+                                        <p:attrNameLst>
+                                          <p:attrName>style.visibility</p:attrName>
+                                        </p:attrNameLst>
+                                      </p:cBhvr>
+                                      <p:to>
+                                        <p:strVal val="visible"/>
+                                      </p:to>
+                                    </p:set>
+                                  </p:childTnLst>
+                                </p:cTn>
+                              </p:par>
+                            </p:childTnLst>
+                          </p:cTn>
+                        </p:par>
+                      </p:childTnLst>
+                    </p:cTn>
+                  </p:par>
+                </p:childTnLst>
+              </p:cTn>
+              <p:prevCondLst>
+                <p:cond evt="onPrev" delay="0">
+                  <p:tgtEl>
+                    <p:sldTgt/>
+                  </p:tgtEl>
+                </p:cond>
+              </p:prevCondLst>
+              <p:nextCondLst>
+                <p:cond evt="onNext" delay="0">
+                  <p:tgtEl>
+                    <p:sldTgt/>
+                  </p:tgtEl>
+                </p:cond>
+              </p:nextCondLst>
+            </p:seq>
+          </p:childTnLst>
+        </p:cTn>
+      </p:par>
+    </p:tnLst>
+    <p:bldLst>
+      <p:bldP spid="27" grpId="0" animBg="1"/>
+    </p:bldLst>
+  </p:timing>
+</p:sld>
+</file>
+
+<file path=ppt/slides/slide9.xml><?xml version="1.0" encoding="utf-8"?>
+<p:sld xmlns:a="http://schemas.openxmlformats.org/drawingml/2006/main" xmlns:r="http://schemas.openxmlformats.org/officeDocument/2006/relationships" xmlns:p="http://schemas.openxmlformats.org/presentationml/2006/main">
+  <p:cSld>
+    <p:spTree>
+      <p:nvGrpSpPr>
+        <p:cNvPr id="1" name=""/>
+        <p:cNvGrpSpPr/>
+        <p:nvPr/>
+      </p:nvGrpSpPr>
+      <p:grpSpPr>
+        <a:xfrm>
+          <a:off x="0" y="0"/>
+          <a:ext cx="0" cy="0"/>
+          <a:chOff x="0" y="0"/>
+          <a:chExt cx="0" cy="0"/>
+        </a:xfrm>
+      </p:grpSpPr>
+      <p:sp>
+        <p:nvSpPr>
+          <p:cNvPr id="2" name="Title 1">
+            <a:extLst>
+              <a:ext uri="{FF2B5EF4-FFF2-40B4-BE49-F238E27FC236}">
+                <a16:creationId xmlns:a16="http://schemas.microsoft.com/office/drawing/2014/main" id="{E7801077-2DE9-4053-840B-843D93E5C599}"/>
+              </a:ext>
+            </a:extLst>
+          </p:cNvPr>
+          <p:cNvSpPr>
+            <a:spLocks noGrp="1"/>
+          </p:cNvSpPr>
+          <p:nvPr>
+            <p:ph type="title"/>
+          </p:nvPr>
+        </p:nvSpPr>
+        <p:spPr/>
+        <p:txBody>
+          <a:bodyPr/>
+          <a:lstStyle/>
+          <a:p>
+            <a:r>
+              <a:rPr lang="da-DK" dirty="0"/>
+              <a:t>Docker</a:t>
+            </a:r>
+            <a:endParaRPr lang="en-US" dirty="0"/>
+          </a:p>
+        </p:txBody>
+      </p:sp>
+      <p:sp>
+        <p:nvSpPr>
+          <p:cNvPr id="3" name="Content Placeholder 2">
+            <a:extLst>
+              <a:ext uri="{FF2B5EF4-FFF2-40B4-BE49-F238E27FC236}">
+                <a16:creationId xmlns:a16="http://schemas.microsoft.com/office/drawing/2014/main" id="{526FD030-1485-459C-B181-E47E9B7385EB}"/>
+              </a:ext>
+            </a:extLst>
+          </p:cNvPr>
+          <p:cNvSpPr>
+            <a:spLocks noGrp="1"/>
+          </p:cNvSpPr>
+          <p:nvPr>
+            <p:ph idx="1"/>
+          </p:nvPr>
+        </p:nvSpPr>
+        <p:spPr/>
+        <p:txBody>
+          <a:bodyPr/>
+          <a:lstStyle/>
+          <a:p>
+            <a:r>
+              <a:rPr lang="en-US" dirty="0"/>
+              <a:t>A way to create containerize applications = specialized VMs</a:t>
+            </a:r>
+          </a:p>
+        </p:txBody>
+      </p:sp>
+      <p:sp>
+        <p:nvSpPr>
+          <p:cNvPr id="4" name="Date Placeholder 3">
+            <a:extLst>
+              <a:ext uri="{FF2B5EF4-FFF2-40B4-BE49-F238E27FC236}">
+                <a16:creationId xmlns:a16="http://schemas.microsoft.com/office/drawing/2014/main" id="{DF9AF84B-B59D-4686-B25F-A4FC2E501282}"/>
+              </a:ext>
+            </a:extLst>
+          </p:cNvPr>
+          <p:cNvSpPr>
+            <a:spLocks noGrp="1"/>
+          </p:cNvSpPr>
+          <p:nvPr>
+            <p:ph type="dt" sz="half" idx="10"/>
+          </p:nvPr>
+        </p:nvSpPr>
+        <p:spPr/>
+        <p:txBody>
+          <a:bodyPr/>
+          <a:lstStyle/>
+          <a:p>
+            <a:fld id="{019E29B9-5584-4737-9C98-1B926378C778}" type="datetime1">
+              <a:rPr lang="en-US" smtClean="0"/>
+              <a:t>1/4/2022</a:t>
+            </a:fld>
+            <a:endParaRPr lang="da-DK"/>
+          </a:p>
+        </p:txBody>
+      </p:sp>
+      <p:sp>
+        <p:nvSpPr>
+          <p:cNvPr id="5" name="Footer Placeholder 4">
+            <a:extLst>
+              <a:ext uri="{FF2B5EF4-FFF2-40B4-BE49-F238E27FC236}">
+                <a16:creationId xmlns:a16="http://schemas.microsoft.com/office/drawing/2014/main" id="{718BFB53-3745-4413-A8B4-4F6B47801358}"/>
+              </a:ext>
+            </a:extLst>
+          </p:cNvPr>
+          <p:cNvSpPr>
+            <a:spLocks noGrp="1"/>
+          </p:cNvSpPr>
+          <p:nvPr>
+            <p:ph type="ftr" sz="quarter" idx="11"/>
+          </p:nvPr>
+        </p:nvSpPr>
+        <p:spPr/>
+        <p:txBody>
+          <a:bodyPr/>
+          <a:lstStyle/>
+          <a:p>
+            <a:r>
+              <a:rPr lang="da-DK"/>
+              <a:t>Nicki Skafte Detlefsen</a:t>
+            </a:r>
+          </a:p>
+        </p:txBody>
+      </p:sp>
+      <p:sp>
+        <p:nvSpPr>
+          <p:cNvPr id="6" name="Slide Number Placeholder 5">
+            <a:extLst>
+              <a:ext uri="{FF2B5EF4-FFF2-40B4-BE49-F238E27FC236}">
+                <a16:creationId xmlns:a16="http://schemas.microsoft.com/office/drawing/2014/main" id="{BEBBDC37-33B1-4E91-99E3-BE0B93CA193E}"/>
+              </a:ext>
+            </a:extLst>
+          </p:cNvPr>
+          <p:cNvSpPr>
+            <a:spLocks noGrp="1"/>
+          </p:cNvSpPr>
+          <p:nvPr>
+            <p:ph type="sldNum" sz="quarter" idx="12"/>
+          </p:nvPr>
+        </p:nvSpPr>
+        <p:spPr/>
+        <p:txBody>
+          <a:bodyPr/>
+          <a:lstStyle/>
+          <a:p>
+            <a:fld id="{F6FEDE24-D50C-481B-A7B4-8AF13899101A}" type="slidenum">
+              <a:rPr lang="da-DK" smtClean="0"/>
+              <a:t>9</a:t>
+            </a:fld>
+            <a:endParaRPr lang="da-DK"/>
+          </a:p>
+        </p:txBody>
+      </p:sp>
+      <p:pic>
+        <p:nvPicPr>
+          <p:cNvPr id="9" name="Picture 8" descr="Diagram&#10;&#10;Description automatically generated">
+            <a:extLst>
+              <a:ext uri="{FF2B5EF4-FFF2-40B4-BE49-F238E27FC236}">
+                <a16:creationId xmlns:a16="http://schemas.microsoft.com/office/drawing/2014/main" id="{C3D225E0-D656-4D4C-A90A-ED7F812A85B3}"/>
+              </a:ext>
+            </a:extLst>
+          </p:cNvPr>
+          <p:cNvPicPr>
+            <a:picLocks noChangeAspect="1"/>
+          </p:cNvPicPr>
+          <p:nvPr/>
+        </p:nvPicPr>
+        <p:blipFill>
+          <a:blip r:embed="rId2">
+            <a:extLst>
+              <a:ext uri="{28A0092B-C50C-407E-A947-70E740481C1C}">
+                <a14:useLocalDpi xmlns:a14="http://schemas.microsoft.com/office/drawing/2010/main" val="0"/>
+              </a:ext>
+            </a:extLst>
+          </a:blip>
+          <a:stretch>
+            <a:fillRect/>
+          </a:stretch>
+        </p:blipFill>
+        <p:spPr>
+          <a:xfrm>
+            <a:off x="1670549" y="1864450"/>
+            <a:ext cx="8579440" cy="3323456"/>
+          </a:xfrm>
+          <a:prstGeom prst="rect">
+            <a:avLst/>
+          </a:prstGeom>
+        </p:spPr>
+      </p:pic>
+      <p:sp>
+        <p:nvSpPr>
+          <p:cNvPr id="10" name="TextBox 9">
+            <a:extLst>
+              <a:ext uri="{FF2B5EF4-FFF2-40B4-BE49-F238E27FC236}">
+                <a16:creationId xmlns:a16="http://schemas.microsoft.com/office/drawing/2014/main" id="{494D241F-E8DB-4F19-8305-C8CFFC491CCB}"/>
+              </a:ext>
+            </a:extLst>
+          </p:cNvPr>
+          <p:cNvSpPr txBox="1"/>
+          <p:nvPr/>
+        </p:nvSpPr>
+        <p:spPr>
+          <a:xfrm>
+            <a:off x="2209800" y="5187906"/>
+            <a:ext cx="1098777" cy="923330"/>
+          </a:xfrm>
+          <a:prstGeom prst="rect">
+            <a:avLst/>
+          </a:prstGeom>
+          <a:noFill/>
+        </p:spPr>
+        <p:txBody>
+          <a:bodyPr wrap="square" rtlCol="0">
+            <a:spAutoFit/>
+          </a:bodyPr>
+          <a:lstStyle/>
+          <a:p>
+            <a:r>
+              <a:rPr lang="da-DK" dirty="0"/>
+              <a:t>How to construct the VM</a:t>
+            </a:r>
+            <a:endParaRPr lang="en-US" dirty="0"/>
+          </a:p>
+        </p:txBody>
+      </p:sp>
+      <p:sp>
+        <p:nvSpPr>
+          <p:cNvPr id="11" name="TextBox 10">
+            <a:extLst>
+              <a:ext uri="{FF2B5EF4-FFF2-40B4-BE49-F238E27FC236}">
+                <a16:creationId xmlns:a16="http://schemas.microsoft.com/office/drawing/2014/main" id="{837A51A2-5D04-4F1E-815D-28600513A08C}"/>
+              </a:ext>
+            </a:extLst>
+          </p:cNvPr>
+          <p:cNvSpPr txBox="1"/>
+          <p:nvPr/>
+        </p:nvSpPr>
+        <p:spPr>
+          <a:xfrm>
+            <a:off x="5279571" y="5191404"/>
+            <a:ext cx="1098777" cy="646331"/>
+          </a:xfrm>
+          <a:prstGeom prst="rect">
+            <a:avLst/>
+          </a:prstGeom>
+          <a:noFill/>
+        </p:spPr>
+        <p:txBody>
+          <a:bodyPr wrap="square" rtlCol="0">
+            <a:spAutoFit/>
+          </a:bodyPr>
+          <a:lstStyle/>
+          <a:p>
+            <a:r>
+              <a:rPr lang="da-DK" dirty="0"/>
+              <a:t>File with the VM</a:t>
+            </a:r>
+            <a:endParaRPr lang="en-US" dirty="0"/>
+          </a:p>
+        </p:txBody>
+      </p:sp>
+      <p:sp>
+        <p:nvSpPr>
+          <p:cNvPr id="12" name="TextBox 11">
+            <a:extLst>
+              <a:ext uri="{FF2B5EF4-FFF2-40B4-BE49-F238E27FC236}">
+                <a16:creationId xmlns:a16="http://schemas.microsoft.com/office/drawing/2014/main" id="{BD12A49A-A549-4C5C-B3B8-10C15D723DCC}"/>
+              </a:ext>
+            </a:extLst>
+          </p:cNvPr>
+          <p:cNvSpPr txBox="1"/>
+          <p:nvPr/>
+        </p:nvSpPr>
+        <p:spPr>
+          <a:xfrm>
+            <a:off x="8153401" y="5209216"/>
+            <a:ext cx="1399222" cy="369332"/>
+          </a:xfrm>
+          <a:prstGeom prst="rect">
+            <a:avLst/>
+          </a:prstGeom>
+          <a:noFill/>
+        </p:spPr>
+        <p:txBody>
+          <a:bodyPr wrap="square" rtlCol="0">
+            <a:spAutoFit/>
+          </a:bodyPr>
+          <a:lstStyle/>
+          <a:p>
+            <a:r>
+              <a:rPr lang="da-DK" dirty="0"/>
+              <a:t>Running VM</a:t>
+            </a:r>
+            <a:endParaRPr lang="en-US" dirty="0"/>
+          </a:p>
+        </p:txBody>
+      </p:sp>
+    </p:spTree>
+    <p:extLst>
+      <p:ext uri="{BB962C8B-B14F-4D97-AF65-F5344CB8AC3E}">
+        <p14:creationId xmlns:p14="http://schemas.microsoft.com/office/powerpoint/2010/main" val="3004178651"/>
       </p:ext>
     </p:extLst>
   </p:cSld>

--- a/s3_reproduceability/lecture/Reproducibility.pptx
+++ b/s3_reproduceability/lecture/Reproducibility.pptx
@@ -5203,7 +5203,7 @@
           <a:p>
             <a:fld id="{D75CAE95-D2DD-4998-876A-092BFD628C65}" type="datetimeFigureOut">
               <a:rPr lang="da-DK" smtClean="0"/>
-              <a:t>04-01-2022</a:t>
+              <a:t>05-01-2022</a:t>
             </a:fld>
             <a:endParaRPr lang="da-DK"/>
           </a:p>
@@ -5381,7 +5381,7 @@
           <a:p>
             <a:fld id="{1DA8E099-58AA-4136-B409-1CAD1943D842}" type="datetimeFigureOut">
               <a:rPr lang="da-DK" smtClean="0"/>
-              <a:t>04-01-2022</a:t>
+              <a:t>05-01-2022</a:t>
             </a:fld>
             <a:endParaRPr lang="da-DK"/>
           </a:p>
@@ -5799,7 +5799,7 @@
           <a:p>
             <a:fld id="{C85334AD-9960-4065-BF34-86ED0345A76D}" type="datetime1">
               <a:rPr lang="en-US" smtClean="0"/>
-              <a:t>1/4/2022</a:t>
+              <a:t>1/5/2022</a:t>
             </a:fld>
             <a:endParaRPr lang="da-DK"/>
           </a:p>
@@ -6038,7 +6038,7 @@
           <a:p>
             <a:fld id="{C5669758-3775-48D7-A841-693E908C3BF4}" type="datetime1">
               <a:rPr lang="en-US" smtClean="0"/>
-              <a:t>1/4/2022</a:t>
+              <a:t>1/5/2022</a:t>
             </a:fld>
             <a:endParaRPr lang="da-DK"/>
           </a:p>
@@ -6251,7 +6251,7 @@
           <a:p>
             <a:fld id="{1E0C3FF1-EDBD-4F2A-8366-34A4E3728310}" type="datetime1">
               <a:rPr lang="en-US" smtClean="0"/>
-              <a:t>1/4/2022</a:t>
+              <a:t>1/5/2022</a:t>
             </a:fld>
             <a:endParaRPr lang="da-DK"/>
           </a:p>
@@ -6472,7 +6472,7 @@
           <a:p>
             <a:fld id="{019E29B9-5584-4737-9C98-1B926378C778}" type="datetime1">
               <a:rPr lang="en-US" smtClean="0"/>
-              <a:t>1/4/2022</a:t>
+              <a:t>1/5/2022</a:t>
             </a:fld>
             <a:endParaRPr lang="da-DK"/>
           </a:p>
@@ -6787,7 +6787,7 @@
           <a:p>
             <a:fld id="{FCE38F03-F67D-4508-A858-99FCD085087C}" type="datetime1">
               <a:rPr lang="en-US" smtClean="0"/>
-              <a:t>1/4/2022</a:t>
+              <a:t>1/5/2022</a:t>
             </a:fld>
             <a:endParaRPr lang="da-DK"/>
           </a:p>
@@ -7058,7 +7058,7 @@
           <a:p>
             <a:fld id="{B43F2930-3FFD-4F93-A4BD-4F0D1A0B4514}" type="datetime1">
               <a:rPr lang="en-US" smtClean="0"/>
-              <a:t>1/4/2022</a:t>
+              <a:t>1/5/2022</a:t>
             </a:fld>
             <a:endParaRPr lang="da-DK"/>
           </a:p>
@@ -7476,7 +7476,7 @@
           <a:p>
             <a:fld id="{8E0F9B9B-30CC-4693-8E0F-1A94A979E2C5}" type="datetime1">
               <a:rPr lang="en-US" smtClean="0"/>
-              <a:t>1/4/2022</a:t>
+              <a:t>1/5/2022</a:t>
             </a:fld>
             <a:endParaRPr lang="da-DK"/>
           </a:p>
@@ -7621,7 +7621,7 @@
           <a:p>
             <a:fld id="{6FE1433B-E6A7-44FF-8B55-539471B4D7C5}" type="datetime1">
               <a:rPr lang="en-US" smtClean="0"/>
-              <a:t>1/4/2022</a:t>
+              <a:t>1/5/2022</a:t>
             </a:fld>
             <a:endParaRPr lang="da-DK"/>
           </a:p>
@@ -7737,7 +7737,7 @@
           <a:p>
             <a:fld id="{624F4001-6A8C-42DA-824F-B5CC1375B861}" type="datetime1">
               <a:rPr lang="en-US" smtClean="0"/>
-              <a:t>1/4/2022</a:t>
+              <a:t>1/5/2022</a:t>
             </a:fld>
             <a:endParaRPr lang="da-DK"/>
           </a:p>
@@ -8053,7 +8053,7 @@
           <a:p>
             <a:fld id="{2D3BE137-2C5E-4078-8BA2-7D42D7E67218}" type="datetime1">
               <a:rPr lang="en-US" smtClean="0"/>
-              <a:t>1/4/2022</a:t>
+              <a:t>1/5/2022</a:t>
             </a:fld>
             <a:endParaRPr lang="da-DK"/>
           </a:p>
@@ -8345,7 +8345,7 @@
           <a:p>
             <a:fld id="{0D1436FF-56D3-4E93-92E8-71121EAB120E}" type="datetime1">
               <a:rPr lang="en-US" smtClean="0"/>
-              <a:t>1/4/2022</a:t>
+              <a:t>1/5/2022</a:t>
             </a:fld>
             <a:endParaRPr lang="da-DK"/>
           </a:p>
@@ -8591,7 +8591,7 @@
           <a:p>
             <a:fld id="{16601EF2-4BCA-4009-ACCF-B97F259DEF6F}" type="datetime1">
               <a:rPr lang="en-US" smtClean="0"/>
-              <a:t>1/4/2022</a:t>
+              <a:t>1/5/2022</a:t>
             </a:fld>
             <a:endParaRPr lang="da-DK"/>
           </a:p>
@@ -9224,7 +9224,7 @@
           <a:p>
             <a:fld id="{019E29B9-5584-4737-9C98-1B926378C778}" type="datetime1">
               <a:rPr lang="en-US" smtClean="0"/>
-              <a:t>1/4/2022</a:t>
+              <a:t>1/5/2022</a:t>
             </a:fld>
             <a:endParaRPr lang="da-DK"/>
           </a:p>
@@ -9752,7 +9752,7 @@
           <a:p>
             <a:fld id="{019E29B9-5584-4737-9C98-1B926378C778}" type="datetime1">
               <a:rPr lang="en-US" smtClean="0"/>
-              <a:t>1/4/2022</a:t>
+              <a:t>1/5/2022</a:t>
             </a:fld>
             <a:endParaRPr lang="da-DK"/>
           </a:p>
@@ -10067,7 +10067,7 @@
           <a:p>
             <a:fld id="{019E29B9-5584-4737-9C98-1B926378C778}" type="datetime1">
               <a:rPr lang="en-US" smtClean="0"/>
-              <a:t>1/4/2022</a:t>
+              <a:t>1/5/2022</a:t>
             </a:fld>
             <a:endParaRPr lang="da-DK"/>
           </a:p>
@@ -10245,7 +10245,7 @@
           <a:p>
             <a:fld id="{019E29B9-5584-4737-9C98-1B926378C778}" type="datetime1">
               <a:rPr lang="en-US" smtClean="0"/>
-              <a:t>1/4/2022</a:t>
+              <a:t>1/5/2022</a:t>
             </a:fld>
             <a:endParaRPr lang="da-DK"/>
           </a:p>
@@ -10434,7 +10434,7 @@
           <a:p>
             <a:fld id="{019E29B9-5584-4737-9C98-1B926378C778}" type="datetime1">
               <a:rPr lang="en-US" smtClean="0"/>
-              <a:t>1/4/2022</a:t>
+              <a:t>1/5/2022</a:t>
             </a:fld>
             <a:endParaRPr lang="da-DK"/>
           </a:p>
@@ -10845,7 +10845,7 @@
           <a:p>
             <a:fld id="{019E29B9-5584-4737-9C98-1B926378C778}" type="datetime1">
               <a:rPr lang="en-US" smtClean="0"/>
-              <a:t>1/4/2022</a:t>
+              <a:t>1/5/2022</a:t>
             </a:fld>
             <a:endParaRPr lang="da-DK"/>
           </a:p>
@@ -11168,7 +11168,7 @@
           <a:p>
             <a:fld id="{019E29B9-5584-4737-9C98-1B926378C778}" type="datetime1">
               <a:rPr lang="en-US" smtClean="0"/>
-              <a:t>1/4/2022</a:t>
+              <a:t>1/5/2022</a:t>
             </a:fld>
             <a:endParaRPr lang="da-DK"/>
           </a:p>
@@ -11423,7 +11423,7 @@
           <a:p>
             <a:fld id="{019E29B9-5584-4737-9C98-1B926378C778}" type="datetime1">
               <a:rPr lang="en-US" smtClean="0"/>
-              <a:t>1/4/2022</a:t>
+              <a:t>1/5/2022</a:t>
             </a:fld>
             <a:endParaRPr lang="da-DK"/>
           </a:p>
@@ -11664,7 +11664,7 @@
           <a:p>
             <a:fld id="{019E29B9-5584-4737-9C98-1B926378C778}" type="datetime1">
               <a:rPr lang="en-US" smtClean="0"/>
-              <a:t>1/4/2022</a:t>
+              <a:t>1/5/2022</a:t>
             </a:fld>
             <a:endParaRPr lang="da-DK"/>
           </a:p>
@@ -11900,7 +11900,7 @@
           <a:p>
             <a:fld id="{019E29B9-5584-4737-9C98-1B926378C778}" type="datetime1">
               <a:rPr lang="en-US" smtClean="0"/>
-              <a:t>1/4/2022</a:t>
+              <a:t>1/5/2022</a:t>
             </a:fld>
             <a:endParaRPr lang="da-DK"/>
           </a:p>
@@ -12431,7 +12431,7 @@
           <a:p>
             <a:fld id="{019E29B9-5584-4737-9C98-1B926378C778}" type="datetime1">
               <a:rPr lang="en-US" smtClean="0"/>
-              <a:t>1/4/2022</a:t>
+              <a:t>1/5/2022</a:t>
             </a:fld>
             <a:endParaRPr lang="da-DK"/>
           </a:p>
@@ -12620,7 +12620,7 @@
             <a:fld id="{019E29B9-5584-4737-9C98-1B926378C778}" type="datetime1">
               <a:rPr lang="en-US" smtClean="0"/>
               <a:pPr/>
-              <a:t>1/4/2022</a:t>
+              <a:t>1/5/2022</a:t>
             </a:fld>
             <a:endParaRPr lang="da-DK"/>
           </a:p>
@@ -13517,7 +13517,7 @@
           <a:p>
             <a:fld id="{019E29B9-5584-4737-9C98-1B926378C778}" type="datetime1">
               <a:rPr lang="en-US" smtClean="0"/>
-              <a:t>1/4/2022</a:t>
+              <a:t>1/5/2022</a:t>
             </a:fld>
             <a:endParaRPr lang="da-DK"/>
           </a:p>
